--- a/Admin and Documentation/Radio Systems.pptx
+++ b/Admin and Documentation/Radio Systems.pptx
@@ -4277,6 +4277,126 @@
           </a:prstGeom>
         </p:spPr>
       </p:pic>
+      <p:pic>
+        <p:nvPicPr>
+          <p:cNvPr id="17" name="Picture 16"/>
+          <p:cNvPicPr>
+            <a:picLocks noChangeAspect="1"/>
+          </p:cNvPicPr>
+          <p:nvPr/>
+        </p:nvPicPr>
+        <p:blipFill>
+          <a:blip r:embed="rId7"/>
+          <a:stretch>
+            <a:fillRect/>
+          </a:stretch>
+        </p:blipFill>
+        <p:spPr>
+          <a:xfrm>
+            <a:off x="3331817" y="755650"/>
+            <a:ext cx="1168400" cy="5346700"/>
+          </a:xfrm>
+          <a:prstGeom prst="rect">
+            <a:avLst/>
+          </a:prstGeom>
+        </p:spPr>
+      </p:pic>
+      <p:pic>
+        <p:nvPicPr>
+          <p:cNvPr id="19" name="Picture 18"/>
+          <p:cNvPicPr>
+            <a:picLocks noChangeAspect="1"/>
+          </p:cNvPicPr>
+          <p:nvPr/>
+        </p:nvPicPr>
+        <p:blipFill>
+          <a:blip r:embed="rId8"/>
+          <a:stretch>
+            <a:fillRect/>
+          </a:stretch>
+        </p:blipFill>
+        <p:spPr>
+          <a:xfrm>
+            <a:off x="1599095" y="755650"/>
+            <a:ext cx="1752600" cy="5346700"/>
+          </a:xfrm>
+          <a:prstGeom prst="rect">
+            <a:avLst/>
+          </a:prstGeom>
+        </p:spPr>
+      </p:pic>
+      <p:pic>
+        <p:nvPicPr>
+          <p:cNvPr id="21" name="Picture 20"/>
+          <p:cNvPicPr>
+            <a:picLocks noChangeAspect="1"/>
+          </p:cNvPicPr>
+          <p:nvPr/>
+        </p:nvPicPr>
+        <p:blipFill>
+          <a:blip r:embed="rId9"/>
+          <a:stretch>
+            <a:fillRect/>
+          </a:stretch>
+        </p:blipFill>
+        <p:spPr>
+          <a:xfrm>
+            <a:off x="4500217" y="781050"/>
+            <a:ext cx="2235200" cy="5321300"/>
+          </a:xfrm>
+          <a:prstGeom prst="rect">
+            <a:avLst/>
+          </a:prstGeom>
+        </p:spPr>
+      </p:pic>
+      <p:pic>
+        <p:nvPicPr>
+          <p:cNvPr id="23" name="Picture 22"/>
+          <p:cNvPicPr>
+            <a:picLocks noChangeAspect="1"/>
+          </p:cNvPicPr>
+          <p:nvPr/>
+        </p:nvPicPr>
+        <p:blipFill>
+          <a:blip r:embed="rId10"/>
+          <a:stretch>
+            <a:fillRect/>
+          </a:stretch>
+        </p:blipFill>
+        <p:spPr>
+          <a:xfrm>
+            <a:off x="6635474" y="755650"/>
+            <a:ext cx="2260600" cy="1727200"/>
+          </a:xfrm>
+          <a:prstGeom prst="rect">
+            <a:avLst/>
+          </a:prstGeom>
+        </p:spPr>
+      </p:pic>
+      <p:pic>
+        <p:nvPicPr>
+          <p:cNvPr id="25" name="Picture 24"/>
+          <p:cNvPicPr>
+            <a:picLocks noChangeAspect="1"/>
+          </p:cNvPicPr>
+          <p:nvPr/>
+        </p:nvPicPr>
+        <p:blipFill>
+          <a:blip r:embed="rId11"/>
+          <a:stretch>
+            <a:fillRect/>
+          </a:stretch>
+        </p:blipFill>
+        <p:spPr>
+          <a:xfrm>
+            <a:off x="6800574" y="2406276"/>
+            <a:ext cx="2095500" cy="3632200"/>
+          </a:xfrm>
+          <a:prstGeom prst="rect">
+            <a:avLst/>
+          </a:prstGeom>
+        </p:spPr>
+      </p:pic>
     </p:spTree>
     <p:extLst>
       <p:ext uri="{BB962C8B-B14F-4D97-AF65-F5344CB8AC3E}">

--- a/Admin and Documentation/Radio Systems.pptx
+++ b/Admin and Documentation/Radio Systems.pptx
@@ -6,17 +6,23 @@
   </p:sldMasterIdLst>
   <p:sldIdLst>
     <p:sldId id="256" r:id="rId2"/>
-    <p:sldId id="257" r:id="rId3"/>
-    <p:sldId id="260" r:id="rId4"/>
+    <p:sldId id="272" r:id="rId3"/>
+    <p:sldId id="257" r:id="rId4"/>
     <p:sldId id="258" r:id="rId5"/>
     <p:sldId id="259" r:id="rId6"/>
-    <p:sldId id="261" r:id="rId7"/>
-    <p:sldId id="262" r:id="rId8"/>
-    <p:sldId id="265" r:id="rId9"/>
-    <p:sldId id="263" r:id="rId10"/>
-    <p:sldId id="264" r:id="rId11"/>
-    <p:sldId id="267" r:id="rId12"/>
-    <p:sldId id="266" r:id="rId13"/>
+    <p:sldId id="260" r:id="rId7"/>
+    <p:sldId id="261" r:id="rId8"/>
+    <p:sldId id="262" r:id="rId9"/>
+    <p:sldId id="265" r:id="rId10"/>
+    <p:sldId id="263" r:id="rId11"/>
+    <p:sldId id="264" r:id="rId12"/>
+    <p:sldId id="267" r:id="rId13"/>
+    <p:sldId id="266" r:id="rId14"/>
+    <p:sldId id="268" r:id="rId15"/>
+    <p:sldId id="269" r:id="rId16"/>
+    <p:sldId id="273" r:id="rId17"/>
+    <p:sldId id="271" r:id="rId18"/>
+    <p:sldId id="270" r:id="rId19"/>
   </p:sldIdLst>
   <p:sldSz cx="12192000" cy="6858000"/>
   <p:notesSz cx="6858000" cy="9144000"/>
@@ -291,7 +297,7 @@
           <a:p>
             <a:fld id="{9E016143-E03C-4CFD-AFDC-14E5BDEA754C}" type="datetimeFigureOut">
               <a:rPr lang="en-US" dirty="0"/>
-              <a:t>3/19/2017</a:t>
+              <a:t>3/20/2017</a:t>
             </a:fld>
             <a:endParaRPr lang="en-US" dirty="0"/>
           </a:p>
@@ -515,7 +521,7 @@
           <a:p>
             <a:fld id="{C033E54A-A8CA-48C1-9504-691B58049D29}" type="datetimeFigureOut">
               <a:rPr lang="en-US" dirty="0"/>
-              <a:t>3/19/2017</a:t>
+              <a:t>3/20/2017</a:t>
             </a:fld>
             <a:endParaRPr lang="en-US" dirty="0"/>
           </a:p>
@@ -690,7 +696,7 @@
           <a:p>
             <a:fld id="{B5F6C806-BBF7-471C-9527-881CE2266695}" type="datetimeFigureOut">
               <a:rPr lang="en-US" dirty="0"/>
-              <a:t>3/19/2017</a:t>
+              <a:t>3/20/2017</a:t>
             </a:fld>
             <a:endParaRPr lang="en-US" dirty="0"/>
           </a:p>
@@ -855,7 +861,7 @@
           <a:p>
             <a:fld id="{78C94063-DF36-4330-A365-08DA1FA5B7D6}" type="datetimeFigureOut">
               <a:rPr lang="en-US" dirty="0"/>
-              <a:t>3/19/2017</a:t>
+              <a:t>3/20/2017</a:t>
             </a:fld>
             <a:endParaRPr lang="en-US" dirty="0"/>
           </a:p>
@@ -1104,7 +1110,7 @@
           <a:p>
             <a:fld id="{908A7C6C-0F39-4D70-8E8D-FE5B9C95FA73}" type="datetimeFigureOut">
               <a:rPr lang="en-US" dirty="0"/>
-              <a:t>3/19/2017</a:t>
+              <a:t>3/20/2017</a:t>
             </a:fld>
             <a:endParaRPr lang="en-US" dirty="0"/>
           </a:p>
@@ -1425,7 +1431,7 @@
           <a:p>
             <a:fld id="{DFCFA4AC-08CC-42CE-BD01-C191750A04EC}" type="datetimeFigureOut">
               <a:rPr lang="en-US" dirty="0"/>
-              <a:t>3/19/2017</a:t>
+              <a:t>3/20/2017</a:t>
             </a:fld>
             <a:endParaRPr lang="en-US" dirty="0"/>
           </a:p>
@@ -1871,7 +1877,7 @@
           <a:p>
             <a:fld id="{1BA7A723-92A7-435B-B681-F25B092FEFEB}" type="datetimeFigureOut">
               <a:rPr lang="en-US" dirty="0"/>
-              <a:t>3/19/2017</a:t>
+              <a:t>3/20/2017</a:t>
             </a:fld>
             <a:endParaRPr lang="en-US" dirty="0"/>
           </a:p>
@@ -1984,7 +1990,7 @@
           <a:p>
             <a:fld id="{4F170639-886C-4FCF-9EAB-ABB5DA3F3F4A}" type="datetimeFigureOut">
               <a:rPr lang="en-US" dirty="0"/>
-              <a:t>3/19/2017</a:t>
+              <a:t>3/20/2017</a:t>
             </a:fld>
             <a:endParaRPr lang="en-US" dirty="0"/>
           </a:p>
@@ -2074,7 +2080,7 @@
           <a:p>
             <a:fld id="{22230651-31F4-45D2-98AE-A2108F41BC07}" type="datetimeFigureOut">
               <a:rPr lang="en-US" dirty="0"/>
-              <a:t>3/19/2017</a:t>
+              <a:t>3/20/2017</a:t>
             </a:fld>
             <a:endParaRPr lang="en-US" dirty="0"/>
           </a:p>
@@ -2356,7 +2362,7 @@
           <a:p>
             <a:fld id="{6F53789A-C914-4DB1-8815-80B5EC7335C5}" type="datetimeFigureOut">
               <a:rPr lang="en-US" dirty="0"/>
-              <a:t>3/19/2017</a:t>
+              <a:t>3/20/2017</a:t>
             </a:fld>
             <a:endParaRPr lang="en-US" dirty="0"/>
           </a:p>
@@ -2673,7 +2679,7 @@
           <a:p>
             <a:fld id="{5E6440AA-91A0-436F-8FDB-C0F939DCAE21}" type="datetimeFigureOut">
               <a:rPr lang="en-US" dirty="0"/>
-              <a:t>3/19/2017</a:t>
+              <a:t>3/20/2017</a:t>
             </a:fld>
             <a:endParaRPr lang="en-US" dirty="0"/>
           </a:p>
@@ -2922,7 +2928,7 @@
           <a:p>
             <a:fld id="{0E59FD0C-5451-4CA0-86AF-E70AE3279989}" type="datetimeFigureOut">
               <a:rPr lang="en-US" dirty="0"/>
-              <a:t>3/19/2017</a:t>
+              <a:t>3/20/2017</a:t>
             </a:fld>
             <a:endParaRPr lang="en-US" dirty="0"/>
           </a:p>
@@ -3507,32 +3513,14 @@
             <p:ph type="title"/>
           </p:nvPr>
         </p:nvSpPr>
-        <p:spPr>
-          <a:noFill/>
-        </p:spPr>
+        <p:spPr/>
         <p:txBody>
           <a:bodyPr/>
           <a:lstStyle/>
           <a:p>
             <a:r>
-              <a:rPr lang="en-US" b="1" dirty="0"/>
-              <a:t>But not </a:t>
-            </a:r>
-            <a:r>
-              <a:rPr lang="en-US" b="1" dirty="0" err="1"/>
-              <a:t>ASP.Net</a:t>
-            </a:r>
-            <a:r>
-              <a:rPr lang="en-US" b="1" dirty="0"/>
-              <a:t>, Web Forms, </a:t>
-            </a:r>
-            <a:r>
-              <a:rPr lang="en-US" b="1" dirty="0" err="1"/>
-              <a:t>etc</a:t>
-            </a:r>
-            <a:r>
-              <a:rPr lang="en-US" b="1" dirty="0"/>
-              <a:t>, but…</a:t>
+              <a:rPr lang="en-US" dirty="0"/>
+              <a:t>	.NET!!</a:t>
             </a:r>
           </a:p>
         </p:txBody>
@@ -3547,32 +3535,37 @@
             <p:ph idx="1"/>
           </p:nvPr>
         </p:nvSpPr>
-        <p:spPr/>
+        <p:spPr>
+          <a:xfrm>
+            <a:off x="1329396" y="1763285"/>
+            <a:ext cx="8595360" cy="4351337"/>
+          </a:xfrm>
+        </p:spPr>
         <p:txBody>
           <a:bodyPr/>
           <a:lstStyle/>
           <a:p>
-            <a:endParaRPr lang="en-US" dirty="0"/>
-          </a:p>
-        </p:txBody>
-      </p:sp>
-      <p:sp>
-        <p:nvSpPr>
-          <p:cNvPr id="4" name="Thought Bubble: Cloud 3"/>
+            <a:r>
+              <a:rPr lang="en-US" dirty="0"/>
+              <a:t>Toolbox </a:t>
+            </a:r>
+          </a:p>
+        </p:txBody>
+      </p:sp>
+      <p:sp>
+        <p:nvSpPr>
+          <p:cNvPr id="4" name="Arrow: Right 3"/>
           <p:cNvSpPr/>
           <p:nvPr/>
         </p:nvSpPr>
         <p:spPr>
           <a:xfrm>
-            <a:off x="5559552" y="2070201"/>
-            <a:ext cx="2504049" cy="1519311"/>
-          </a:xfrm>
-          <a:prstGeom prst="cloudCallout">
+            <a:off x="2082019" y="2335238"/>
+            <a:ext cx="998806" cy="407962"/>
+          </a:xfrm>
+          <a:prstGeom prst="rightArrow">
             <a:avLst/>
           </a:prstGeom>
-          <a:solidFill>
-            <a:schemeClr val="bg1"/>
-          </a:solidFill>
         </p:spPr>
         <p:style>
           <a:lnRef idx="2">
@@ -3601,14 +3594,54 @@
       </p:sp>
       <p:sp>
         <p:nvSpPr>
-          <p:cNvPr id="5" name="Rectangle 4"/>
+          <p:cNvPr id="5" name="Arrow: Down 4"/>
           <p:cNvSpPr/>
           <p:nvPr/>
         </p:nvSpPr>
         <p:spPr>
           <a:xfrm>
-            <a:off x="2250830" y="3830913"/>
-            <a:ext cx="5606223" cy="923330"/>
+            <a:off x="2757269" y="3094893"/>
+            <a:ext cx="773722" cy="1026941"/>
+          </a:xfrm>
+          <a:prstGeom prst="downArrow">
+            <a:avLst/>
+          </a:prstGeom>
+        </p:spPr>
+        <p:style>
+          <a:lnRef idx="2">
+            <a:schemeClr val="accent1">
+              <a:shade val="50000"/>
+            </a:schemeClr>
+          </a:lnRef>
+          <a:fillRef idx="1">
+            <a:schemeClr val="accent1"/>
+          </a:fillRef>
+          <a:effectRef idx="0">
+            <a:schemeClr val="accent1"/>
+          </a:effectRef>
+          <a:fontRef idx="minor">
+            <a:schemeClr val="lt1"/>
+          </a:fontRef>
+        </p:style>
+        <p:txBody>
+          <a:bodyPr rtlCol="0" anchor="ctr"/>
+          <a:lstStyle/>
+          <a:p>
+            <a:pPr algn="ctr"/>
+            <a:endParaRPr lang="en-US"/>
+          </a:p>
+        </p:txBody>
+      </p:sp>
+      <p:sp>
+        <p:nvSpPr>
+          <p:cNvPr id="6" name="TextBox 5"/>
+          <p:cNvSpPr txBox="1"/>
+          <p:nvPr/>
+        </p:nvSpPr>
+        <p:spPr>
+          <a:xfrm>
+            <a:off x="3530992" y="4643962"/>
+            <a:ext cx="1083212" cy="369332"/>
           </a:xfrm>
           <a:prstGeom prst="rect">
             <a:avLst/>
@@ -3616,7 +3649,94 @@
           <a:noFill/>
         </p:spPr>
         <p:txBody>
-          <a:bodyPr wrap="square" lIns="91440" tIns="45720" rIns="91440" bIns="45720">
+          <a:bodyPr wrap="square" rtlCol="0">
+            <a:spAutoFit/>
+          </a:bodyPr>
+          <a:lstStyle/>
+          <a:p>
+            <a:r>
+              <a:rPr lang="en-US" dirty="0"/>
+              <a:t>Style</a:t>
+            </a:r>
+          </a:p>
+        </p:txBody>
+      </p:sp>
+      <p:sp>
+        <p:nvSpPr>
+          <p:cNvPr id="7" name="TextBox 6"/>
+          <p:cNvSpPr txBox="1"/>
+          <p:nvPr/>
+        </p:nvSpPr>
+        <p:spPr>
+          <a:xfrm>
+            <a:off x="4135903" y="5190978"/>
+            <a:ext cx="1617784" cy="369332"/>
+          </a:xfrm>
+          <a:prstGeom prst="rect">
+            <a:avLst/>
+          </a:prstGeom>
+          <a:noFill/>
+        </p:spPr>
+        <p:txBody>
+          <a:bodyPr wrap="square" rtlCol="0">
+            <a:spAutoFit/>
+          </a:bodyPr>
+          <a:lstStyle/>
+          <a:p>
+            <a:r>
+              <a:rPr lang="en-US" dirty="0"/>
+              <a:t>Double-Click</a:t>
+            </a:r>
+          </a:p>
+        </p:txBody>
+      </p:sp>
+      <p:sp>
+        <p:nvSpPr>
+          <p:cNvPr id="8" name="TextBox 7"/>
+          <p:cNvSpPr txBox="1"/>
+          <p:nvPr/>
+        </p:nvSpPr>
+        <p:spPr>
+          <a:xfrm>
+            <a:off x="5570806" y="5560310"/>
+            <a:ext cx="2391508" cy="369332"/>
+          </a:xfrm>
+          <a:prstGeom prst="rect">
+            <a:avLst/>
+          </a:prstGeom>
+          <a:noFill/>
+        </p:spPr>
+        <p:txBody>
+          <a:bodyPr wrap="square" rtlCol="0">
+            <a:spAutoFit/>
+          </a:bodyPr>
+          <a:lstStyle/>
+          <a:p>
+            <a:r>
+              <a:rPr lang="en-US" dirty="0"/>
+              <a:t>Event-Handler/Code</a:t>
+            </a:r>
+          </a:p>
+        </p:txBody>
+      </p:sp>
+      <p:sp>
+        <p:nvSpPr>
+          <p:cNvPr id="9" name="Rectangle 8"/>
+          <p:cNvSpPr/>
+          <p:nvPr/>
+        </p:nvSpPr>
+        <p:spPr>
+          <a:xfrm>
+            <a:off x="8144216" y="5905078"/>
+            <a:ext cx="2262158" cy="923330"/>
+          </a:xfrm>
+          <a:prstGeom prst="rect">
+            <a:avLst/>
+          </a:prstGeom>
+          <a:noFill/>
+        </p:spPr>
+        <p:txBody>
+          <a:bodyPr wrap="none" lIns="91440" tIns="45720" rIns="91440" bIns="45720">
             <a:spAutoFit/>
           </a:bodyPr>
           <a:lstStyle/>
@@ -3638,7 +3758,7 @@
                   </a:outerShdw>
                 </a:effectLst>
               </a:rPr>
-              <a:t>WPF</a:t>
+              <a:t>Done!</a:t>
             </a:r>
             <a:endParaRPr lang="en-US" sz="5400" b="1" cap="none" spc="0" dirty="0">
               <a:ln w="9525">
@@ -3661,16 +3781,154 @@
           </a:p>
         </p:txBody>
       </p:sp>
-      <p:sp>
-        <p:nvSpPr>
-          <p:cNvPr id="6" name="TextBox 5"/>
+      <p:cxnSp>
+        <p:nvCxnSpPr>
+          <p:cNvPr id="11" name="Connector: Elbow 10"/>
+          <p:cNvCxnSpPr>
+            <a:cxnSpLocks/>
+          </p:cNvCxnSpPr>
+          <p:nvPr/>
+        </p:nvCxnSpPr>
+        <p:spPr>
+          <a:xfrm>
+            <a:off x="1871003" y="2166425"/>
+            <a:ext cx="2264900" cy="685507"/>
+          </a:xfrm>
+          <a:prstGeom prst="bentConnector3">
+            <a:avLst>
+              <a:gd name="adj1" fmla="val 64286"/>
+            </a:avLst>
+          </a:prstGeom>
+          <a:ln>
+            <a:tailEnd type="triangle"/>
+          </a:ln>
+        </p:spPr>
+        <p:style>
+          <a:lnRef idx="1">
+            <a:schemeClr val="accent1"/>
+          </a:lnRef>
+          <a:fillRef idx="0">
+            <a:schemeClr val="accent1"/>
+          </a:fillRef>
+          <a:effectRef idx="0">
+            <a:schemeClr val="accent1"/>
+          </a:effectRef>
+          <a:fontRef idx="minor">
+            <a:schemeClr val="tx1"/>
+          </a:fontRef>
+        </p:style>
+      </p:cxnSp>
+      <p:cxnSp>
+        <p:nvCxnSpPr>
+          <p:cNvPr id="15" name="Straight Arrow Connector 14"/>
+          <p:cNvCxnSpPr/>
+          <p:nvPr/>
+        </p:nvCxnSpPr>
+        <p:spPr>
+          <a:xfrm>
+            <a:off x="4135903" y="2917209"/>
+            <a:ext cx="0" cy="1549069"/>
+          </a:xfrm>
+          <a:prstGeom prst="straightConnector1">
+            <a:avLst/>
+          </a:prstGeom>
+          <a:ln>
+            <a:tailEnd type="triangle"/>
+          </a:ln>
+        </p:spPr>
+        <p:style>
+          <a:lnRef idx="1">
+            <a:schemeClr val="accent1"/>
+          </a:lnRef>
+          <a:fillRef idx="0">
+            <a:schemeClr val="accent1"/>
+          </a:fillRef>
+          <a:effectRef idx="0">
+            <a:schemeClr val="accent1"/>
+          </a:effectRef>
+          <a:fontRef idx="minor">
+            <a:schemeClr val="tx1"/>
+          </a:fontRef>
+        </p:style>
+      </p:cxnSp>
+      <p:cxnSp>
+        <p:nvCxnSpPr>
+          <p:cNvPr id="17" name="Connector: Elbow 16"/>
+          <p:cNvCxnSpPr/>
+          <p:nvPr/>
+        </p:nvCxnSpPr>
+        <p:spPr>
+          <a:xfrm>
+            <a:off x="4135903" y="4501662"/>
+            <a:ext cx="4008313" cy="873982"/>
+          </a:xfrm>
+          <a:prstGeom prst="bentConnector3">
+            <a:avLst/>
+          </a:prstGeom>
+          <a:ln>
+            <a:tailEnd type="triangle"/>
+          </a:ln>
+        </p:spPr>
+        <p:style>
+          <a:lnRef idx="1">
+            <a:schemeClr val="accent1"/>
+          </a:lnRef>
+          <a:fillRef idx="0">
+            <a:schemeClr val="accent1"/>
+          </a:fillRef>
+          <a:effectRef idx="0">
+            <a:schemeClr val="accent1"/>
+          </a:effectRef>
+          <a:fontRef idx="minor">
+            <a:schemeClr val="tx1"/>
+          </a:fontRef>
+        </p:style>
+      </p:cxnSp>
+      <p:cxnSp>
+        <p:nvCxnSpPr>
+          <p:cNvPr id="22" name="Straight Arrow Connector 21"/>
+          <p:cNvCxnSpPr>
+            <a:cxnSpLocks/>
+          </p:cNvCxnSpPr>
+          <p:nvPr/>
+        </p:nvCxnSpPr>
+        <p:spPr>
+          <a:xfrm>
+            <a:off x="8144216" y="5375644"/>
+            <a:ext cx="901310" cy="628222"/>
+          </a:xfrm>
+          <a:prstGeom prst="straightConnector1">
+            <a:avLst/>
+          </a:prstGeom>
+          <a:ln>
+            <a:tailEnd type="triangle"/>
+          </a:ln>
+        </p:spPr>
+        <p:style>
+          <a:lnRef idx="1">
+            <a:schemeClr val="accent1"/>
+          </a:lnRef>
+          <a:fillRef idx="0">
+            <a:schemeClr val="accent1"/>
+          </a:fillRef>
+          <a:effectRef idx="0">
+            <a:schemeClr val="accent1"/>
+          </a:effectRef>
+          <a:fontRef idx="minor">
+            <a:schemeClr val="tx1"/>
+          </a:fontRef>
+        </p:style>
+      </p:cxnSp>
+      <p:sp>
+        <p:nvSpPr>
+          <p:cNvPr id="23" name="TextBox 22"/>
           <p:cNvSpPr txBox="1"/>
           <p:nvPr/>
         </p:nvSpPr>
         <p:spPr>
           <a:xfrm>
-            <a:off x="5964702" y="2532185"/>
-            <a:ext cx="1280160" cy="769441"/>
+            <a:off x="1983545" y="2851932"/>
+            <a:ext cx="914400" cy="369332"/>
           </a:xfrm>
           <a:prstGeom prst="rect">
             <a:avLst/>
@@ -3684,22 +3942,22 @@
           <a:lstStyle/>
           <a:p>
             <a:r>
-              <a:rPr lang="en-US" sz="4400" dirty="0"/>
-              <a:t>   ??</a:t>
-            </a:r>
-          </a:p>
-        </p:txBody>
-      </p:sp>
-      <p:sp>
-        <p:nvSpPr>
-          <p:cNvPr id="7" name="Rectangle 6"/>
-          <p:cNvSpPr/>
+              <a:rPr lang="en-US" dirty="0"/>
+              <a:t>Drag</a:t>
+            </a:r>
+          </a:p>
+        </p:txBody>
+      </p:sp>
+      <p:sp>
+        <p:nvSpPr>
+          <p:cNvPr id="24" name="TextBox 23"/>
+          <p:cNvSpPr txBox="1"/>
           <p:nvPr/>
         </p:nvSpPr>
         <p:spPr>
           <a:xfrm>
-            <a:off x="4489705" y="4842074"/>
-            <a:ext cx="3838370" cy="923330"/>
+            <a:off x="2497016" y="4109395"/>
+            <a:ext cx="1396217" cy="369332"/>
           </a:xfrm>
           <a:prstGeom prst="rect">
             <a:avLst/>
@@ -3707,55 +3965,65 @@
           <a:noFill/>
         </p:spPr>
         <p:txBody>
-          <a:bodyPr wrap="square" lIns="91440" tIns="45720" rIns="91440" bIns="45720">
+          <a:bodyPr wrap="square" rtlCol="0">
             <a:spAutoFit/>
           </a:bodyPr>
           <a:lstStyle/>
           <a:p>
+            <a:r>
+              <a:rPr lang="en-US" dirty="0"/>
+              <a:t>Drop</a:t>
+            </a:r>
+          </a:p>
+        </p:txBody>
+      </p:sp>
+      <p:sp>
+        <p:nvSpPr>
+          <p:cNvPr id="27" name="Smiley Face 26"/>
+          <p:cNvSpPr/>
+          <p:nvPr/>
+        </p:nvSpPr>
+        <p:spPr>
+          <a:xfrm>
+            <a:off x="4614204" y="872197"/>
+            <a:ext cx="2363371" cy="1979735"/>
+          </a:xfrm>
+          <a:prstGeom prst="smileyFace">
+            <a:avLst/>
+          </a:prstGeom>
+          <a:solidFill>
+            <a:srgbClr val="FFFF00"/>
+          </a:solidFill>
+        </p:spPr>
+        <p:style>
+          <a:lnRef idx="2">
+            <a:schemeClr val="accent1">
+              <a:shade val="50000"/>
+            </a:schemeClr>
+          </a:lnRef>
+          <a:fillRef idx="1">
+            <a:schemeClr val="accent1"/>
+          </a:fillRef>
+          <a:effectRef idx="0">
+            <a:schemeClr val="accent1"/>
+          </a:effectRef>
+          <a:fontRef idx="minor">
+            <a:schemeClr val="lt1"/>
+          </a:fontRef>
+        </p:style>
+        <p:txBody>
+          <a:bodyPr rtlCol="0" anchor="ctr"/>
+          <a:lstStyle/>
+          <a:p>
             <a:pPr algn="ctr"/>
-            <a:r>
-              <a:rPr lang="en-US" sz="5400" b="1" dirty="0">
-                <a:ln w="9525">
-                  <a:solidFill>
-                    <a:schemeClr val="bg1"/>
-                  </a:solidFill>
-                  <a:prstDash val="solid"/>
-                </a:ln>
-                <a:effectLst>
-                  <a:outerShdw blurRad="12700" dist="38100" dir="2700000" algn="tl" rotWithShape="0">
-                    <a:schemeClr val="bg1">
-                      <a:lumMod val="50000"/>
-                    </a:schemeClr>
-                  </a:outerShdw>
-                </a:effectLst>
-              </a:rPr>
-              <a:t>XAML</a:t>
-            </a:r>
-            <a:endParaRPr lang="en-US" sz="5400" b="1" cap="none" spc="0" dirty="0">
-              <a:ln w="9525">
-                <a:solidFill>
-                  <a:schemeClr val="bg1"/>
-                </a:solidFill>
-                <a:prstDash val="solid"/>
-              </a:ln>
-              <a:solidFill>
-                <a:schemeClr val="tx1"/>
-              </a:solidFill>
-              <a:effectLst>
-                <a:outerShdw blurRad="12700" dist="38100" dir="2700000" algn="tl" rotWithShape="0">
-                  <a:schemeClr val="bg1">
-                    <a:lumMod val="50000"/>
-                  </a:schemeClr>
-                </a:outerShdw>
-              </a:effectLst>
-            </a:endParaRPr>
+            <a:endParaRPr lang="en-US"/>
           </a:p>
         </p:txBody>
       </p:sp>
     </p:spTree>
     <p:extLst>
       <p:ext uri="{BB962C8B-B14F-4D97-AF65-F5344CB8AC3E}">
-        <p14:creationId xmlns:p14="http://schemas.microsoft.com/office/powerpoint/2010/main" val="586582003"/>
+        <p14:creationId xmlns:p14="http://schemas.microsoft.com/office/powerpoint/2010/main" val="2839867683"/>
       </p:ext>
     </p:extLst>
   </p:cSld>
@@ -3792,57 +4060,255 @@
             <p:ph type="title"/>
           </p:nvPr>
         </p:nvSpPr>
+        <p:spPr>
+          <a:noFill/>
+        </p:spPr>
+        <p:txBody>
+          <a:bodyPr/>
+          <a:lstStyle/>
+          <a:p>
+            <a:r>
+              <a:rPr lang="en-US" b="1" dirty="0"/>
+              <a:t>But not </a:t>
+            </a:r>
+            <a:r>
+              <a:rPr lang="en-US" b="1" dirty="0" err="1"/>
+              <a:t>ASP.Net</a:t>
+            </a:r>
+            <a:r>
+              <a:rPr lang="en-US" b="1" dirty="0"/>
+              <a:t>, Web Forms, </a:t>
+            </a:r>
+            <a:r>
+              <a:rPr lang="en-US" b="1" dirty="0" err="1"/>
+              <a:t>etc</a:t>
+            </a:r>
+            <a:r>
+              <a:rPr lang="en-US" b="1" dirty="0"/>
+              <a:t>, but…</a:t>
+            </a:r>
+          </a:p>
+        </p:txBody>
+      </p:sp>
+      <p:sp>
+        <p:nvSpPr>
+          <p:cNvPr id="3" name="Content Placeholder 2"/>
+          <p:cNvSpPr>
+            <a:spLocks noGrp="1"/>
+          </p:cNvSpPr>
+          <p:nvPr>
+            <p:ph idx="1"/>
+          </p:nvPr>
+        </p:nvSpPr>
         <p:spPr/>
         <p:txBody>
           <a:bodyPr/>
           <a:lstStyle/>
           <a:p>
-            <a:r>
-              <a:rPr lang="en-US" dirty="0"/>
-              <a:t>Picture of what a drag drop and move look like in </a:t>
-            </a:r>
-            <a:r>
-              <a:rPr lang="en-US"/>
-              <a:t>Xaml</a:t>
-            </a:r>
-          </a:p>
-        </p:txBody>
-      </p:sp>
-      <p:sp>
-        <p:nvSpPr>
-          <p:cNvPr id="3" name="Picture Placeholder 2"/>
-          <p:cNvSpPr>
-            <a:spLocks noGrp="1"/>
-          </p:cNvSpPr>
-          <p:nvPr>
-            <p:ph type="pic" idx="1"/>
-          </p:nvPr>
-        </p:nvSpPr>
-        <p:spPr/>
-      </p:sp>
-      <p:sp>
-        <p:nvSpPr>
-          <p:cNvPr id="4" name="Text Placeholder 3"/>
-          <p:cNvSpPr>
-            <a:spLocks noGrp="1"/>
-          </p:cNvSpPr>
-          <p:nvPr>
-            <p:ph type="body" sz="half" idx="2"/>
-          </p:nvPr>
-        </p:nvSpPr>
-        <p:spPr/>
-        <p:txBody>
-          <a:bodyPr/>
-          <a:lstStyle/>
-          <a:p>
+            <a:endParaRPr lang="en-US" dirty="0"/>
+          </a:p>
+        </p:txBody>
+      </p:sp>
+      <p:sp>
+        <p:nvSpPr>
+          <p:cNvPr id="4" name="Thought Bubble: Cloud 3"/>
+          <p:cNvSpPr/>
+          <p:nvPr/>
+        </p:nvSpPr>
+        <p:spPr>
+          <a:xfrm>
+            <a:off x="5559552" y="2070201"/>
+            <a:ext cx="2504049" cy="1519311"/>
+          </a:xfrm>
+          <a:prstGeom prst="cloudCallout">
+            <a:avLst/>
+          </a:prstGeom>
+          <a:solidFill>
+            <a:schemeClr val="bg1"/>
+          </a:solidFill>
+        </p:spPr>
+        <p:style>
+          <a:lnRef idx="2">
+            <a:schemeClr val="accent1">
+              <a:shade val="50000"/>
+            </a:schemeClr>
+          </a:lnRef>
+          <a:fillRef idx="1">
+            <a:schemeClr val="accent1"/>
+          </a:fillRef>
+          <a:effectRef idx="0">
+            <a:schemeClr val="accent1"/>
+          </a:effectRef>
+          <a:fontRef idx="minor">
+            <a:schemeClr val="lt1"/>
+          </a:fontRef>
+        </p:style>
+        <p:txBody>
+          <a:bodyPr rtlCol="0" anchor="ctr"/>
+          <a:lstStyle/>
+          <a:p>
+            <a:pPr algn="ctr"/>
             <a:endParaRPr lang="en-US"/>
+          </a:p>
+        </p:txBody>
+      </p:sp>
+      <p:sp>
+        <p:nvSpPr>
+          <p:cNvPr id="5" name="Rectangle 4"/>
+          <p:cNvSpPr/>
+          <p:nvPr/>
+        </p:nvSpPr>
+        <p:spPr>
+          <a:xfrm>
+            <a:off x="2250830" y="3830913"/>
+            <a:ext cx="5606223" cy="923330"/>
+          </a:xfrm>
+          <a:prstGeom prst="rect">
+            <a:avLst/>
+          </a:prstGeom>
+          <a:noFill/>
+        </p:spPr>
+        <p:txBody>
+          <a:bodyPr wrap="square" lIns="91440" tIns="45720" rIns="91440" bIns="45720">
+            <a:spAutoFit/>
+          </a:bodyPr>
+          <a:lstStyle/>
+          <a:p>
+            <a:pPr algn="ctr"/>
+            <a:r>
+              <a:rPr lang="en-US" sz="5400" b="1" dirty="0">
+                <a:ln w="9525">
+                  <a:solidFill>
+                    <a:schemeClr val="bg1"/>
+                  </a:solidFill>
+                  <a:prstDash val="solid"/>
+                </a:ln>
+                <a:effectLst>
+                  <a:outerShdw blurRad="12700" dist="38100" dir="2700000" algn="tl" rotWithShape="0">
+                    <a:schemeClr val="bg1">
+                      <a:lumMod val="50000"/>
+                    </a:schemeClr>
+                  </a:outerShdw>
+                </a:effectLst>
+              </a:rPr>
+              <a:t>WPF</a:t>
+            </a:r>
+            <a:endParaRPr lang="en-US" sz="5400" b="1" cap="none" spc="0" dirty="0">
+              <a:ln w="9525">
+                <a:solidFill>
+                  <a:schemeClr val="bg1"/>
+                </a:solidFill>
+                <a:prstDash val="solid"/>
+              </a:ln>
+              <a:solidFill>
+                <a:schemeClr val="tx1"/>
+              </a:solidFill>
+              <a:effectLst>
+                <a:outerShdw blurRad="12700" dist="38100" dir="2700000" algn="tl" rotWithShape="0">
+                  <a:schemeClr val="bg1">
+                    <a:lumMod val="50000"/>
+                  </a:schemeClr>
+                </a:outerShdw>
+              </a:effectLst>
+            </a:endParaRPr>
+          </a:p>
+        </p:txBody>
+      </p:sp>
+      <p:sp>
+        <p:nvSpPr>
+          <p:cNvPr id="6" name="TextBox 5"/>
+          <p:cNvSpPr txBox="1"/>
+          <p:nvPr/>
+        </p:nvSpPr>
+        <p:spPr>
+          <a:xfrm>
+            <a:off x="5964702" y="2532185"/>
+            <a:ext cx="1280160" cy="769441"/>
+          </a:xfrm>
+          <a:prstGeom prst="rect">
+            <a:avLst/>
+          </a:prstGeom>
+          <a:noFill/>
+        </p:spPr>
+        <p:txBody>
+          <a:bodyPr wrap="square" rtlCol="0">
+            <a:spAutoFit/>
+          </a:bodyPr>
+          <a:lstStyle/>
+          <a:p>
+            <a:r>
+              <a:rPr lang="en-US" sz="4400" dirty="0"/>
+              <a:t>   ??</a:t>
+            </a:r>
+          </a:p>
+        </p:txBody>
+      </p:sp>
+      <p:sp>
+        <p:nvSpPr>
+          <p:cNvPr id="7" name="Rectangle 6"/>
+          <p:cNvSpPr/>
+          <p:nvPr/>
+        </p:nvSpPr>
+        <p:spPr>
+          <a:xfrm>
+            <a:off x="4489705" y="4842074"/>
+            <a:ext cx="3838370" cy="923330"/>
+          </a:xfrm>
+          <a:prstGeom prst="rect">
+            <a:avLst/>
+          </a:prstGeom>
+          <a:noFill/>
+        </p:spPr>
+        <p:txBody>
+          <a:bodyPr wrap="square" lIns="91440" tIns="45720" rIns="91440" bIns="45720">
+            <a:spAutoFit/>
+          </a:bodyPr>
+          <a:lstStyle/>
+          <a:p>
+            <a:pPr algn="ctr"/>
+            <a:r>
+              <a:rPr lang="en-US" sz="5400" b="1" dirty="0">
+                <a:ln w="9525">
+                  <a:solidFill>
+                    <a:schemeClr val="bg1"/>
+                  </a:solidFill>
+                  <a:prstDash val="solid"/>
+                </a:ln>
+                <a:effectLst>
+                  <a:outerShdw blurRad="12700" dist="38100" dir="2700000" algn="tl" rotWithShape="0">
+                    <a:schemeClr val="bg1">
+                      <a:lumMod val="50000"/>
+                    </a:schemeClr>
+                  </a:outerShdw>
+                </a:effectLst>
+              </a:rPr>
+              <a:t>XAML</a:t>
+            </a:r>
+            <a:endParaRPr lang="en-US" sz="5400" b="1" cap="none" spc="0" dirty="0">
+              <a:ln w="9525">
+                <a:solidFill>
+                  <a:schemeClr val="bg1"/>
+                </a:solidFill>
+                <a:prstDash val="solid"/>
+              </a:ln>
+              <a:solidFill>
+                <a:schemeClr val="tx1"/>
+              </a:solidFill>
+              <a:effectLst>
+                <a:outerShdw blurRad="12700" dist="38100" dir="2700000" algn="tl" rotWithShape="0">
+                  <a:schemeClr val="bg1">
+                    <a:lumMod val="50000"/>
+                  </a:schemeClr>
+                </a:outerShdw>
+              </a:effectLst>
+            </a:endParaRPr>
           </a:p>
         </p:txBody>
       </p:sp>
     </p:spTree>
     <p:extLst>
       <p:ext uri="{BB962C8B-B14F-4D97-AF65-F5344CB8AC3E}">
-        <p14:creationId xmlns:p14="http://schemas.microsoft.com/office/powerpoint/2010/main" val="2711244272"/>
+        <p14:creationId xmlns:p14="http://schemas.microsoft.com/office/powerpoint/2010/main" val="586582003"/>
       </p:ext>
     </p:extLst>
   </p:cSld>
@@ -3886,6 +4352,101 @@
           <a:p>
             <a:r>
               <a:rPr lang="en-US" dirty="0"/>
+              <a:t>Drag &amp; drop &amp; move in </a:t>
+            </a:r>
+            <a:r>
+              <a:rPr lang="en-US" dirty="0" err="1"/>
+              <a:t>Xaml</a:t>
+            </a:r>
+            <a:endParaRPr lang="en-US" dirty="0"/>
+          </a:p>
+        </p:txBody>
+      </p:sp>
+      <p:pic>
+        <p:nvPicPr>
+          <p:cNvPr id="6" name="Picture Placeholder 5"/>
+          <p:cNvPicPr>
+            <a:picLocks noGrp="1" noChangeAspect="1"/>
+          </p:cNvPicPr>
+          <p:nvPr>
+            <p:ph type="pic" idx="1"/>
+          </p:nvPr>
+        </p:nvPicPr>
+        <p:blipFill>
+          <a:blip r:embed="rId2"/>
+          <a:srcRect l="622" r="622"/>
+          <a:stretch>
+            <a:fillRect/>
+          </a:stretch>
+        </p:blipFill>
+        <p:spPr/>
+      </p:pic>
+      <p:sp>
+        <p:nvSpPr>
+          <p:cNvPr id="4" name="Text Placeholder 3"/>
+          <p:cNvSpPr>
+            <a:spLocks noGrp="1"/>
+          </p:cNvSpPr>
+          <p:nvPr>
+            <p:ph type="body" sz="half" idx="2"/>
+          </p:nvPr>
+        </p:nvSpPr>
+        <p:spPr/>
+        <p:txBody>
+          <a:bodyPr/>
+          <a:lstStyle/>
+          <a:p>
+            <a:endParaRPr lang="en-US" dirty="0"/>
+          </a:p>
+        </p:txBody>
+      </p:sp>
+    </p:spTree>
+    <p:extLst>
+      <p:ext uri="{BB962C8B-B14F-4D97-AF65-F5344CB8AC3E}">
+        <p14:creationId xmlns:p14="http://schemas.microsoft.com/office/powerpoint/2010/main" val="2711244272"/>
+      </p:ext>
+    </p:extLst>
+  </p:cSld>
+  <p:clrMapOvr>
+    <a:masterClrMapping/>
+  </p:clrMapOvr>
+</p:sld>
+</file>
+
+<file path=ppt/slides/slide13.xml><?xml version="1.0" encoding="utf-8"?>
+<p:sld xmlns:a="http://schemas.openxmlformats.org/drawingml/2006/main" xmlns:r="http://schemas.openxmlformats.org/officeDocument/2006/relationships" xmlns:p="http://schemas.openxmlformats.org/presentationml/2006/main">
+  <p:cSld>
+    <p:spTree>
+      <p:nvGrpSpPr>
+        <p:cNvPr id="1" name=""/>
+        <p:cNvGrpSpPr/>
+        <p:nvPr/>
+      </p:nvGrpSpPr>
+      <p:grpSpPr>
+        <a:xfrm>
+          <a:off x="0" y="0"/>
+          <a:ext cx="0" cy="0"/>
+          <a:chOff x="0" y="0"/>
+          <a:chExt cx="0" cy="0"/>
+        </a:xfrm>
+      </p:grpSpPr>
+      <p:sp>
+        <p:nvSpPr>
+          <p:cNvPr id="2" name="Title 1"/>
+          <p:cNvSpPr>
+            <a:spLocks noGrp="1"/>
+          </p:cNvSpPr>
+          <p:nvPr>
+            <p:ph type="title"/>
+          </p:nvPr>
+        </p:nvSpPr>
+        <p:spPr/>
+        <p:txBody>
+          <a:bodyPr/>
+          <a:lstStyle/>
+          <a:p>
+            <a:r>
+              <a:rPr lang="en-US" dirty="0"/>
               <a:t>WPF</a:t>
             </a:r>
           </a:p>
@@ -4027,6 +4588,612 @@
     <p:extLst>
       <p:ext uri="{BB962C8B-B14F-4D97-AF65-F5344CB8AC3E}">
         <p14:creationId xmlns:p14="http://schemas.microsoft.com/office/powerpoint/2010/main" val="2103783812"/>
+      </p:ext>
+    </p:extLst>
+  </p:cSld>
+  <p:clrMapOvr>
+    <a:masterClrMapping/>
+  </p:clrMapOvr>
+</p:sld>
+</file>
+
+<file path=ppt/slides/slide14.xml><?xml version="1.0" encoding="utf-8"?>
+<p:sld xmlns:a="http://schemas.openxmlformats.org/drawingml/2006/main" xmlns:r="http://schemas.openxmlformats.org/officeDocument/2006/relationships" xmlns:p="http://schemas.openxmlformats.org/presentationml/2006/main">
+  <p:cSld>
+    <p:spTree>
+      <p:nvGrpSpPr>
+        <p:cNvPr id="1" name=""/>
+        <p:cNvGrpSpPr/>
+        <p:nvPr/>
+      </p:nvGrpSpPr>
+      <p:grpSpPr>
+        <a:xfrm>
+          <a:off x="0" y="0"/>
+          <a:ext cx="0" cy="0"/>
+          <a:chOff x="0" y="0"/>
+          <a:chExt cx="0" cy="0"/>
+        </a:xfrm>
+      </p:grpSpPr>
+      <p:sp>
+        <p:nvSpPr>
+          <p:cNvPr id="2" name="Title 1"/>
+          <p:cNvSpPr>
+            <a:spLocks noGrp="1"/>
+          </p:cNvSpPr>
+          <p:nvPr>
+            <p:ph type="title"/>
+          </p:nvPr>
+        </p:nvSpPr>
+        <p:spPr/>
+        <p:txBody>
+          <a:bodyPr/>
+          <a:lstStyle/>
+          <a:p>
+            <a:r>
+              <a:rPr lang="en-US" dirty="0"/>
+              <a:t>Architecture: Code Behind</a:t>
+            </a:r>
+          </a:p>
+        </p:txBody>
+      </p:sp>
+      <p:pic>
+        <p:nvPicPr>
+          <p:cNvPr id="6" name="Content Placeholder 5"/>
+          <p:cNvPicPr>
+            <a:picLocks noGrp="1" noChangeAspect="1"/>
+          </p:cNvPicPr>
+          <p:nvPr>
+            <p:ph sz="half" idx="1"/>
+          </p:nvPr>
+        </p:nvPicPr>
+        <p:blipFill>
+          <a:blip r:embed="rId2"/>
+          <a:stretch>
+            <a:fillRect/>
+          </a:stretch>
+        </p:blipFill>
+        <p:spPr>
+          <a:xfrm>
+            <a:off x="1262063" y="2744262"/>
+            <a:ext cx="4479925" cy="2520413"/>
+          </a:xfrm>
+        </p:spPr>
+      </p:pic>
+      <p:pic>
+        <p:nvPicPr>
+          <p:cNvPr id="8" name="Content Placeholder 7"/>
+          <p:cNvPicPr>
+            <a:picLocks noGrp="1" noChangeAspect="1"/>
+          </p:cNvPicPr>
+          <p:nvPr>
+            <p:ph sz="half" idx="2"/>
+          </p:nvPr>
+        </p:nvPicPr>
+        <p:blipFill>
+          <a:blip r:embed="rId3"/>
+          <a:stretch>
+            <a:fillRect/>
+          </a:stretch>
+        </p:blipFill>
+        <p:spPr>
+          <a:xfrm>
+            <a:off x="6126163" y="1910429"/>
+            <a:ext cx="4481512" cy="4188079"/>
+          </a:xfrm>
+        </p:spPr>
+      </p:pic>
+    </p:spTree>
+    <p:extLst>
+      <p:ext uri="{BB962C8B-B14F-4D97-AF65-F5344CB8AC3E}">
+        <p14:creationId xmlns:p14="http://schemas.microsoft.com/office/powerpoint/2010/main" val="2828619941"/>
+      </p:ext>
+    </p:extLst>
+  </p:cSld>
+  <p:clrMapOvr>
+    <a:masterClrMapping/>
+  </p:clrMapOvr>
+</p:sld>
+</file>
+
+<file path=ppt/slides/slide15.xml><?xml version="1.0" encoding="utf-8"?>
+<p:sld xmlns:a="http://schemas.openxmlformats.org/drawingml/2006/main" xmlns:r="http://schemas.openxmlformats.org/officeDocument/2006/relationships" xmlns:p="http://schemas.openxmlformats.org/presentationml/2006/main">
+  <p:cSld>
+    <p:spTree>
+      <p:nvGrpSpPr>
+        <p:cNvPr id="1" name=""/>
+        <p:cNvGrpSpPr/>
+        <p:nvPr/>
+      </p:nvGrpSpPr>
+      <p:grpSpPr>
+        <a:xfrm>
+          <a:off x="0" y="0"/>
+          <a:ext cx="0" cy="0"/>
+          <a:chOff x="0" y="0"/>
+          <a:chExt cx="0" cy="0"/>
+        </a:xfrm>
+      </p:grpSpPr>
+      <p:sp>
+        <p:nvSpPr>
+          <p:cNvPr id="2" name="Title 1"/>
+          <p:cNvSpPr>
+            <a:spLocks noGrp="1"/>
+          </p:cNvSpPr>
+          <p:nvPr>
+            <p:ph type="title"/>
+          </p:nvPr>
+        </p:nvSpPr>
+        <p:spPr/>
+        <p:txBody>
+          <a:bodyPr/>
+          <a:lstStyle/>
+          <a:p>
+            <a:r>
+              <a:rPr lang="en-US" dirty="0"/>
+              <a:t>Architecture: MVVM</a:t>
+            </a:r>
+          </a:p>
+        </p:txBody>
+      </p:sp>
+      <p:pic>
+        <p:nvPicPr>
+          <p:cNvPr id="6" name="Content Placeholder 5"/>
+          <p:cNvPicPr>
+            <a:picLocks noGrp="1" noChangeAspect="1"/>
+          </p:cNvPicPr>
+          <p:nvPr>
+            <p:ph sz="half" idx="1"/>
+          </p:nvPr>
+        </p:nvPicPr>
+        <p:blipFill>
+          <a:blip r:embed="rId2"/>
+          <a:stretch>
+            <a:fillRect/>
+          </a:stretch>
+        </p:blipFill>
+        <p:spPr>
+          <a:xfrm>
+            <a:off x="1262063" y="2604492"/>
+            <a:ext cx="4479925" cy="2799953"/>
+          </a:xfrm>
+        </p:spPr>
+      </p:pic>
+      <p:sp>
+        <p:nvSpPr>
+          <p:cNvPr id="4" name="Content Placeholder 3"/>
+          <p:cNvSpPr>
+            <a:spLocks noGrp="1"/>
+          </p:cNvSpPr>
+          <p:nvPr>
+            <p:ph sz="half" idx="2"/>
+          </p:nvPr>
+        </p:nvSpPr>
+        <p:spPr>
+          <a:xfrm rot="21029991">
+            <a:off x="6827565" y="2079524"/>
+            <a:ext cx="4041426" cy="4020033"/>
+          </a:xfrm>
+        </p:spPr>
+        <p:txBody>
+          <a:bodyPr/>
+          <a:lstStyle/>
+          <a:p>
+            <a:endParaRPr lang="en-US" dirty="0"/>
+          </a:p>
+          <a:p>
+            <a:r>
+              <a:rPr lang="en-US" dirty="0"/>
+              <a:t>Dependencies</a:t>
+            </a:r>
+          </a:p>
+          <a:p>
+            <a:r>
+              <a:rPr lang="en-US" dirty="0"/>
+              <a:t>Commands</a:t>
+            </a:r>
+          </a:p>
+          <a:p>
+            <a:r>
+              <a:rPr lang="en-US" dirty="0"/>
+              <a:t>Bindings</a:t>
+            </a:r>
+          </a:p>
+          <a:p>
+            <a:r>
+              <a:rPr lang="en-US" dirty="0"/>
+              <a:t>Triggers</a:t>
+            </a:r>
+          </a:p>
+          <a:p>
+            <a:r>
+              <a:rPr lang="en-US" dirty="0"/>
+              <a:t>Data Templates</a:t>
+            </a:r>
+          </a:p>
+          <a:p>
+            <a:r>
+              <a:rPr lang="en-US" dirty="0"/>
+              <a:t>Data Context</a:t>
+            </a:r>
+          </a:p>
+          <a:p>
+            <a:r>
+              <a:rPr lang="en-US" dirty="0" err="1"/>
+              <a:t>INotifyPropertyChanged</a:t>
+            </a:r>
+            <a:endParaRPr lang="en-US" dirty="0"/>
+          </a:p>
+        </p:txBody>
+      </p:sp>
+      <p:sp>
+        <p:nvSpPr>
+          <p:cNvPr id="7" name="Rectangle 6"/>
+          <p:cNvSpPr/>
+          <p:nvPr/>
+        </p:nvSpPr>
+        <p:spPr>
+          <a:xfrm>
+            <a:off x="6126480" y="2279374"/>
+            <a:ext cx="4480560" cy="923330"/>
+          </a:xfrm>
+          <a:prstGeom prst="rect">
+            <a:avLst/>
+          </a:prstGeom>
+          <a:noFill/>
+        </p:spPr>
+        <p:txBody>
+          <a:bodyPr wrap="square" lIns="91440" tIns="45720" rIns="91440" bIns="45720">
+            <a:spAutoFit/>
+          </a:bodyPr>
+          <a:lstStyle/>
+          <a:p>
+            <a:pPr algn="ctr"/>
+            <a:endParaRPr lang="en-US" sz="5400" b="1" cap="none" spc="0" dirty="0">
+              <a:ln w="9525">
+                <a:solidFill>
+                  <a:schemeClr val="bg1"/>
+                </a:solidFill>
+                <a:prstDash val="solid"/>
+              </a:ln>
+              <a:solidFill>
+                <a:schemeClr val="tx1"/>
+              </a:solidFill>
+              <a:effectLst>
+                <a:outerShdw blurRad="12700" dist="38100" dir="2700000" algn="tl" rotWithShape="0">
+                  <a:schemeClr val="bg1">
+                    <a:lumMod val="50000"/>
+                  </a:schemeClr>
+                </a:outerShdw>
+              </a:effectLst>
+            </a:endParaRPr>
+          </a:p>
+        </p:txBody>
+      </p:sp>
+    </p:spTree>
+    <p:extLst>
+      <p:ext uri="{BB962C8B-B14F-4D97-AF65-F5344CB8AC3E}">
+        <p14:creationId xmlns:p14="http://schemas.microsoft.com/office/powerpoint/2010/main" val="703732124"/>
+      </p:ext>
+    </p:extLst>
+  </p:cSld>
+  <p:clrMapOvr>
+    <a:masterClrMapping/>
+  </p:clrMapOvr>
+</p:sld>
+</file>
+
+<file path=ppt/slides/slide16.xml><?xml version="1.0" encoding="utf-8"?>
+<p:sld xmlns:a="http://schemas.openxmlformats.org/drawingml/2006/main" xmlns:r="http://schemas.openxmlformats.org/officeDocument/2006/relationships" xmlns:p="http://schemas.openxmlformats.org/presentationml/2006/main">
+  <p:cSld>
+    <p:spTree>
+      <p:nvGrpSpPr>
+        <p:cNvPr id="1" name=""/>
+        <p:cNvGrpSpPr/>
+        <p:nvPr/>
+      </p:nvGrpSpPr>
+      <p:grpSpPr>
+        <a:xfrm>
+          <a:off x="0" y="0"/>
+          <a:ext cx="0" cy="0"/>
+          <a:chOff x="0" y="0"/>
+          <a:chExt cx="0" cy="0"/>
+        </a:xfrm>
+      </p:grpSpPr>
+      <p:sp>
+        <p:nvSpPr>
+          <p:cNvPr id="2" name="Title 1"/>
+          <p:cNvSpPr>
+            <a:spLocks noGrp="1"/>
+          </p:cNvSpPr>
+          <p:nvPr>
+            <p:ph type="ctrTitle"/>
+          </p:nvPr>
+        </p:nvSpPr>
+        <p:spPr/>
+        <p:txBody>
+          <a:bodyPr/>
+          <a:lstStyle/>
+          <a:p>
+            <a:r>
+              <a:rPr lang="en-US" dirty="0"/>
+              <a:t>Wiki Walkthrough</a:t>
+            </a:r>
+          </a:p>
+        </p:txBody>
+      </p:sp>
+      <p:sp>
+        <p:nvSpPr>
+          <p:cNvPr id="3" name="Subtitle 2"/>
+          <p:cNvSpPr>
+            <a:spLocks noGrp="1"/>
+          </p:cNvSpPr>
+          <p:nvPr>
+            <p:ph type="subTitle" idx="1"/>
+          </p:nvPr>
+        </p:nvSpPr>
+        <p:spPr/>
+        <p:txBody>
+          <a:bodyPr/>
+          <a:lstStyle/>
+          <a:p>
+            <a:r>
+              <a:rPr lang="en-US" dirty="0"/>
+              <a:t>Aaron</a:t>
+            </a:r>
+          </a:p>
+        </p:txBody>
+      </p:sp>
+      <p:pic>
+        <p:nvPicPr>
+          <p:cNvPr id="5" name="Picture 4"/>
+          <p:cNvPicPr>
+            <a:picLocks noChangeAspect="1"/>
+          </p:cNvPicPr>
+          <p:nvPr/>
+        </p:nvPicPr>
+        <p:blipFill>
+          <a:blip r:embed="rId2"/>
+          <a:stretch>
+            <a:fillRect/>
+          </a:stretch>
+        </p:blipFill>
+        <p:spPr>
+          <a:xfrm>
+            <a:off x="5992837" y="231385"/>
+            <a:ext cx="4876800" cy="3249003"/>
+          </a:xfrm>
+          <a:prstGeom prst="rect">
+            <a:avLst/>
+          </a:prstGeom>
+        </p:spPr>
+      </p:pic>
+    </p:spTree>
+    <p:extLst>
+      <p:ext uri="{BB962C8B-B14F-4D97-AF65-F5344CB8AC3E}">
+        <p14:creationId xmlns:p14="http://schemas.microsoft.com/office/powerpoint/2010/main" val="1869791992"/>
+      </p:ext>
+    </p:extLst>
+  </p:cSld>
+  <p:clrMapOvr>
+    <a:masterClrMapping/>
+  </p:clrMapOvr>
+</p:sld>
+</file>
+
+<file path=ppt/slides/slide17.xml><?xml version="1.0" encoding="utf-8"?>
+<p:sld xmlns:a="http://schemas.openxmlformats.org/drawingml/2006/main" xmlns:r="http://schemas.openxmlformats.org/officeDocument/2006/relationships" xmlns:p="http://schemas.openxmlformats.org/presentationml/2006/main">
+  <p:cSld>
+    <p:spTree>
+      <p:nvGrpSpPr>
+        <p:cNvPr id="1" name=""/>
+        <p:cNvGrpSpPr/>
+        <p:nvPr/>
+      </p:nvGrpSpPr>
+      <p:grpSpPr>
+        <a:xfrm>
+          <a:off x="0" y="0"/>
+          <a:ext cx="0" cy="0"/>
+          <a:chOff x="0" y="0"/>
+          <a:chExt cx="0" cy="0"/>
+        </a:xfrm>
+      </p:grpSpPr>
+      <p:sp>
+        <p:nvSpPr>
+          <p:cNvPr id="2" name="Title 1"/>
+          <p:cNvSpPr>
+            <a:spLocks noGrp="1"/>
+          </p:cNvSpPr>
+          <p:nvPr>
+            <p:ph type="ctrTitle"/>
+          </p:nvPr>
+        </p:nvSpPr>
+        <p:spPr/>
+        <p:txBody>
+          <a:bodyPr/>
+          <a:lstStyle/>
+          <a:p>
+            <a:r>
+              <a:rPr lang="en-US" dirty="0" err="1"/>
+              <a:t>Signatures,PDFs</a:t>
+            </a:r>
+            <a:r>
+              <a:rPr lang="en-US" dirty="0"/>
+              <a:t>&amp; Emails</a:t>
+            </a:r>
+          </a:p>
+        </p:txBody>
+      </p:sp>
+      <p:sp>
+        <p:nvSpPr>
+          <p:cNvPr id="3" name="Subtitle 2"/>
+          <p:cNvSpPr>
+            <a:spLocks noGrp="1"/>
+          </p:cNvSpPr>
+          <p:nvPr>
+            <p:ph type="subTitle" idx="1"/>
+          </p:nvPr>
+        </p:nvSpPr>
+        <p:spPr/>
+        <p:txBody>
+          <a:bodyPr/>
+          <a:lstStyle/>
+          <a:p>
+            <a:r>
+              <a:rPr lang="en-US" dirty="0"/>
+              <a:t>Randy</a:t>
+            </a:r>
+          </a:p>
+        </p:txBody>
+      </p:sp>
+    </p:spTree>
+    <p:extLst>
+      <p:ext uri="{BB962C8B-B14F-4D97-AF65-F5344CB8AC3E}">
+        <p14:creationId xmlns:p14="http://schemas.microsoft.com/office/powerpoint/2010/main" val="582537768"/>
+      </p:ext>
+    </p:extLst>
+  </p:cSld>
+  <p:clrMapOvr>
+    <a:masterClrMapping/>
+  </p:clrMapOvr>
+</p:sld>
+</file>
+
+<file path=ppt/slides/slide18.xml><?xml version="1.0" encoding="utf-8"?>
+<p:sld xmlns:a="http://schemas.openxmlformats.org/drawingml/2006/main" xmlns:r="http://schemas.openxmlformats.org/officeDocument/2006/relationships" xmlns:p="http://schemas.openxmlformats.org/presentationml/2006/main">
+  <p:cSld>
+    <p:spTree>
+      <p:nvGrpSpPr>
+        <p:cNvPr id="1" name=""/>
+        <p:cNvGrpSpPr/>
+        <p:nvPr/>
+      </p:nvGrpSpPr>
+      <p:grpSpPr>
+        <a:xfrm>
+          <a:off x="0" y="0"/>
+          <a:ext cx="0" cy="0"/>
+          <a:chOff x="0" y="0"/>
+          <a:chExt cx="0" cy="0"/>
+        </a:xfrm>
+      </p:grpSpPr>
+      <p:sp>
+        <p:nvSpPr>
+          <p:cNvPr id="2" name="Title 1"/>
+          <p:cNvSpPr>
+            <a:spLocks noGrp="1"/>
+          </p:cNvSpPr>
+          <p:nvPr>
+            <p:ph type="ctrTitle"/>
+          </p:nvPr>
+        </p:nvSpPr>
+        <p:spPr/>
+        <p:txBody>
+          <a:bodyPr/>
+          <a:lstStyle/>
+          <a:p>
+            <a:r>
+              <a:rPr lang="en-US" dirty="0"/>
+              <a:t>Data in Pieces</a:t>
+            </a:r>
+          </a:p>
+        </p:txBody>
+      </p:sp>
+      <p:sp>
+        <p:nvSpPr>
+          <p:cNvPr id="3" name="Subtitle 2"/>
+          <p:cNvSpPr>
+            <a:spLocks noGrp="1"/>
+          </p:cNvSpPr>
+          <p:nvPr>
+            <p:ph type="subTitle" idx="1"/>
+          </p:nvPr>
+        </p:nvSpPr>
+        <p:spPr/>
+        <p:txBody>
+          <a:bodyPr/>
+          <a:lstStyle/>
+          <a:p>
+            <a:r>
+              <a:rPr lang="en-US" dirty="0"/>
+              <a:t>By David</a:t>
+            </a:r>
+          </a:p>
+        </p:txBody>
+      </p:sp>
+      <p:pic>
+        <p:nvPicPr>
+          <p:cNvPr id="5" name="Picture 4"/>
+          <p:cNvPicPr>
+            <a:picLocks noChangeAspect="1"/>
+          </p:cNvPicPr>
+          <p:nvPr/>
+        </p:nvPicPr>
+        <p:blipFill>
+          <a:blip r:embed="rId2"/>
+          <a:stretch>
+            <a:fillRect/>
+          </a:stretch>
+        </p:blipFill>
+        <p:spPr>
+          <a:xfrm>
+            <a:off x="7631061" y="587472"/>
+            <a:ext cx="4048125" cy="3038475"/>
+          </a:xfrm>
+          <a:prstGeom prst="rect">
+            <a:avLst/>
+          </a:prstGeom>
+        </p:spPr>
+      </p:pic>
+      <p:pic>
+        <p:nvPicPr>
+          <p:cNvPr id="7" name="Picture 6"/>
+          <p:cNvPicPr>
+            <a:picLocks noChangeAspect="1"/>
+          </p:cNvPicPr>
+          <p:nvPr/>
+        </p:nvPicPr>
+        <p:blipFill>
+          <a:blip r:embed="rId3"/>
+          <a:stretch>
+            <a:fillRect/>
+          </a:stretch>
+        </p:blipFill>
+        <p:spPr>
+          <a:xfrm>
+            <a:off x="8398411" y="3910818"/>
+            <a:ext cx="3280775" cy="2947182"/>
+          </a:xfrm>
+          <a:prstGeom prst="rect">
+            <a:avLst/>
+          </a:prstGeom>
+        </p:spPr>
+      </p:pic>
+      <p:pic>
+        <p:nvPicPr>
+          <p:cNvPr id="9" name="Picture 8"/>
+          <p:cNvPicPr>
+            <a:picLocks noChangeAspect="1"/>
+          </p:cNvPicPr>
+          <p:nvPr/>
+        </p:nvPicPr>
+        <p:blipFill>
+          <a:blip r:embed="rId4"/>
+          <a:stretch>
+            <a:fillRect/>
+          </a:stretch>
+        </p:blipFill>
+        <p:spPr>
+          <a:xfrm>
+            <a:off x="1741946" y="267286"/>
+            <a:ext cx="4058578" cy="2834640"/>
+          </a:xfrm>
+          <a:prstGeom prst="rect">
+            <a:avLst/>
+          </a:prstGeom>
+        </p:spPr>
+      </p:pic>
+    </p:spTree>
+    <p:extLst>
+      <p:ext uri="{BB962C8B-B14F-4D97-AF65-F5344CB8AC3E}">
+        <p14:creationId xmlns:p14="http://schemas.microsoft.com/office/powerpoint/2010/main" val="2292680135"/>
       </p:ext>
     </p:extLst>
   </p:cSld>
@@ -4060,7 +5227,7 @@
             <a:spLocks noGrp="1"/>
           </p:cNvSpPr>
           <p:nvPr>
-            <p:ph type="title"/>
+            <p:ph type="ctrTitle"/>
           </p:nvPr>
         </p:nvSpPr>
         <p:spPr/>
@@ -4070,19 +5237,19 @@
           <a:p>
             <a:r>
               <a:rPr lang="en-US" dirty="0"/>
-              <a:t>Radio Systems…</a:t>
-            </a:r>
-          </a:p>
-        </p:txBody>
-      </p:sp>
-      <p:sp>
-        <p:nvSpPr>
-          <p:cNvPr id="3" name="Content Placeholder 2"/>
-          <p:cNvSpPr>
-            <a:spLocks noGrp="1"/>
-          </p:cNvSpPr>
-          <p:nvPr>
-            <p:ph sz="half" idx="1"/>
+              <a:t>Introduction</a:t>
+            </a:r>
+          </a:p>
+        </p:txBody>
+      </p:sp>
+      <p:sp>
+        <p:nvSpPr>
+          <p:cNvPr id="3" name="Subtitle 2"/>
+          <p:cNvSpPr>
+            <a:spLocks noGrp="1"/>
+          </p:cNvSpPr>
+          <p:nvPr>
+            <p:ph type="subTitle" idx="1"/>
           </p:nvPr>
         </p:nvSpPr>
         <p:spPr/>
@@ -4092,29 +5259,7 @@
           <a:p>
             <a:r>
               <a:rPr lang="en-US" dirty="0"/>
-              <a:t>Radio Shack picture</a:t>
-            </a:r>
-          </a:p>
-        </p:txBody>
-      </p:sp>
-      <p:sp>
-        <p:nvSpPr>
-          <p:cNvPr id="4" name="Content Placeholder 3"/>
-          <p:cNvSpPr>
-            <a:spLocks noGrp="1"/>
-          </p:cNvSpPr>
-          <p:nvPr>
-            <p:ph sz="half" idx="2"/>
-          </p:nvPr>
-        </p:nvSpPr>
-        <p:spPr/>
-        <p:txBody>
-          <a:bodyPr/>
-          <a:lstStyle/>
-          <a:p>
-            <a:r>
-              <a:rPr lang="en-US" dirty="0"/>
-              <a:t>Radio tech pic here</a:t>
+              <a:t>Michelle</a:t>
             </a:r>
           </a:p>
         </p:txBody>
@@ -4122,7 +5267,7 @@
     </p:spTree>
     <p:extLst>
       <p:ext uri="{BB962C8B-B14F-4D97-AF65-F5344CB8AC3E}">
-        <p14:creationId xmlns:p14="http://schemas.microsoft.com/office/powerpoint/2010/main" val="3993620932"/>
+        <p14:creationId xmlns:p14="http://schemas.microsoft.com/office/powerpoint/2010/main" val="119116191"/>
       </p:ext>
     </p:extLst>
   </p:cSld>
@@ -4151,387 +5296,82 @@
       </p:grpSpPr>
       <p:sp>
         <p:nvSpPr>
-          <p:cNvPr id="2" name="TextBox 1"/>
-          <p:cNvSpPr txBox="1"/>
-          <p:nvPr/>
-        </p:nvSpPr>
-        <p:spPr>
-          <a:xfrm>
-            <a:off x="3697356" y="1205947"/>
-            <a:ext cx="3472070" cy="1200329"/>
-          </a:xfrm>
-          <a:prstGeom prst="rect">
-            <a:avLst/>
-          </a:prstGeom>
-          <a:noFill/>
-        </p:spPr>
-        <p:txBody>
-          <a:bodyPr wrap="square" rtlCol="0">
-            <a:spAutoFit/>
-          </a:bodyPr>
-          <a:lstStyle/>
-          <a:p>
-            <a:r>
-              <a:rPr lang="en-US" dirty="0"/>
-              <a:t>Need pics of Dogs playing Poker with names to spin in while Who Let The Dogs Out Plays</a:t>
+          <p:cNvPr id="2" name="Title 1"/>
+          <p:cNvSpPr>
+            <a:spLocks noGrp="1"/>
+          </p:cNvSpPr>
+          <p:nvPr>
+            <p:ph type="title"/>
+          </p:nvPr>
+        </p:nvSpPr>
+        <p:spPr/>
+        <p:txBody>
+          <a:bodyPr/>
+          <a:lstStyle/>
+          <a:p>
+            <a:r>
+              <a:rPr lang="en-US" dirty="0"/>
+              <a:t>Radio Systems??</a:t>
             </a:r>
           </a:p>
         </p:txBody>
       </p:sp>
       <p:pic>
         <p:nvPicPr>
-          <p:cNvPr id="4" name="Recorded Sound">
-            <a:hlinkClick r:id="" action="ppaction://media"/>
-          </p:cNvPr>
+          <p:cNvPr id="6" name="Content Placeholder 5"/>
           <p:cNvPicPr>
-            <a:picLocks noChangeAspect="1"/>
+            <a:picLocks noGrp="1" noChangeAspect="1"/>
           </p:cNvPicPr>
           <p:nvPr>
-            <a:audioFile r:link="rId2"/>
-            <p:extLst>
-              <p:ext uri="{DAA4B4D4-6D71-4841-9C94-3DE7FCFB9230}">
-                <p14:media xmlns:p14="http://schemas.microsoft.com/office/powerpoint/2010/main" r:embed="rId1"/>
-              </p:ext>
-            </p:extLst>
+            <p:ph sz="half" idx="1"/>
           </p:nvPr>
         </p:nvPicPr>
         <p:blipFill>
-          <a:blip r:embed="rId6"/>
+          <a:blip r:embed="rId2"/>
           <a:stretch>
             <a:fillRect/>
           </a:stretch>
         </p:blipFill>
         <p:spPr>
           <a:xfrm>
-            <a:off x="5791200" y="3124200"/>
-            <a:ext cx="609600" cy="609600"/>
-          </a:xfrm>
-          <a:prstGeom prst="rect">
-            <a:avLst/>
-          </a:prstGeom>
+            <a:off x="1262063" y="2518627"/>
+            <a:ext cx="4479925" cy="2971683"/>
+          </a:xfrm>
         </p:spPr>
       </p:pic>
       <p:pic>
         <p:nvPicPr>
-          <p:cNvPr id="5" name="Media2">
-            <a:hlinkClick r:id="" action="ppaction://media"/>
-          </p:cNvPr>
+          <p:cNvPr id="8" name="Content Placeholder 7"/>
           <p:cNvPicPr>
-            <a:picLocks noChangeAspect="1"/>
+            <a:picLocks noGrp="1" noChangeAspect="1"/>
           </p:cNvPicPr>
           <p:nvPr>
-            <a:audioFile r:link="rId2"/>
-            <p:extLst>
-              <p:ext uri="{DAA4B4D4-6D71-4841-9C94-3DE7FCFB9230}">
-                <p14:media xmlns:p14="http://schemas.microsoft.com/office/powerpoint/2010/main" r:embed="rId1"/>
-              </p:ext>
-            </p:extLst>
+            <p:ph sz="half" idx="2"/>
           </p:nvPr>
         </p:nvPicPr>
         <p:blipFill>
-          <a:blip r:embed="rId6"/>
+          <a:blip r:embed="rId3"/>
           <a:stretch>
             <a:fillRect/>
           </a:stretch>
         </p:blipFill>
         <p:spPr>
           <a:xfrm>
-            <a:off x="5791200" y="3124200"/>
-            <a:ext cx="609600" cy="609600"/>
-          </a:xfrm>
-          <a:prstGeom prst="rect">
-            <a:avLst/>
-          </a:prstGeom>
-        </p:spPr>
-      </p:pic>
-      <p:pic>
-        <p:nvPicPr>
-          <p:cNvPr id="6" name="Media2 (mp3cut.net)">
-            <a:hlinkClick r:id="" action="ppaction://media"/>
-          </p:cNvPr>
-          <p:cNvPicPr>
-            <a:picLocks noChangeAspect="1"/>
-          </p:cNvPicPr>
-          <p:nvPr>
-            <a:audioFile r:link="rId4"/>
-            <p:extLst>
-              <p:ext uri="{DAA4B4D4-6D71-4841-9C94-3DE7FCFB9230}">
-                <p14:media xmlns:p14="http://schemas.microsoft.com/office/powerpoint/2010/main" r:embed="rId3"/>
-              </p:ext>
-            </p:extLst>
-          </p:nvPr>
-        </p:nvPicPr>
-        <p:blipFill>
-          <a:blip r:embed="rId6"/>
-          <a:stretch>
-            <a:fillRect/>
-          </a:stretch>
-        </p:blipFill>
-        <p:spPr>
-          <a:xfrm>
-            <a:off x="5791200" y="3124200"/>
-            <a:ext cx="609600" cy="609600"/>
-          </a:xfrm>
-          <a:prstGeom prst="rect">
-            <a:avLst/>
-          </a:prstGeom>
-        </p:spPr>
-      </p:pic>
-      <p:pic>
-        <p:nvPicPr>
-          <p:cNvPr id="17" name="Picture 16"/>
-          <p:cNvPicPr>
-            <a:picLocks noChangeAspect="1"/>
-          </p:cNvPicPr>
-          <p:nvPr/>
-        </p:nvPicPr>
-        <p:blipFill>
-          <a:blip r:embed="rId7"/>
-          <a:stretch>
-            <a:fillRect/>
-          </a:stretch>
-        </p:blipFill>
-        <p:spPr>
-          <a:xfrm>
-            <a:off x="3331817" y="755650"/>
-            <a:ext cx="1168400" cy="5346700"/>
-          </a:xfrm>
-          <a:prstGeom prst="rect">
-            <a:avLst/>
-          </a:prstGeom>
-        </p:spPr>
-      </p:pic>
-      <p:pic>
-        <p:nvPicPr>
-          <p:cNvPr id="19" name="Picture 18"/>
-          <p:cNvPicPr>
-            <a:picLocks noChangeAspect="1"/>
-          </p:cNvPicPr>
-          <p:nvPr/>
-        </p:nvPicPr>
-        <p:blipFill>
-          <a:blip r:embed="rId8"/>
-          <a:stretch>
-            <a:fillRect/>
-          </a:stretch>
-        </p:blipFill>
-        <p:spPr>
-          <a:xfrm>
-            <a:off x="1599095" y="755650"/>
-            <a:ext cx="1752600" cy="5346700"/>
-          </a:xfrm>
-          <a:prstGeom prst="rect">
-            <a:avLst/>
-          </a:prstGeom>
-        </p:spPr>
-      </p:pic>
-      <p:pic>
-        <p:nvPicPr>
-          <p:cNvPr id="21" name="Picture 20"/>
-          <p:cNvPicPr>
-            <a:picLocks noChangeAspect="1"/>
-          </p:cNvPicPr>
-          <p:nvPr/>
-        </p:nvPicPr>
-        <p:blipFill>
-          <a:blip r:embed="rId9"/>
-          <a:stretch>
-            <a:fillRect/>
-          </a:stretch>
-        </p:blipFill>
-        <p:spPr>
-          <a:xfrm>
-            <a:off x="4500217" y="781050"/>
-            <a:ext cx="2235200" cy="5321300"/>
-          </a:xfrm>
-          <a:prstGeom prst="rect">
-            <a:avLst/>
-          </a:prstGeom>
-        </p:spPr>
-      </p:pic>
-      <p:pic>
-        <p:nvPicPr>
-          <p:cNvPr id="23" name="Picture 22"/>
-          <p:cNvPicPr>
-            <a:picLocks noChangeAspect="1"/>
-          </p:cNvPicPr>
-          <p:nvPr/>
-        </p:nvPicPr>
-        <p:blipFill>
-          <a:blip r:embed="rId10"/>
-          <a:stretch>
-            <a:fillRect/>
-          </a:stretch>
-        </p:blipFill>
-        <p:spPr>
-          <a:xfrm>
-            <a:off x="6635474" y="755650"/>
-            <a:ext cx="2260600" cy="1727200"/>
-          </a:xfrm>
-          <a:prstGeom prst="rect">
-            <a:avLst/>
-          </a:prstGeom>
-        </p:spPr>
-      </p:pic>
-      <p:pic>
-        <p:nvPicPr>
-          <p:cNvPr id="25" name="Picture 24"/>
-          <p:cNvPicPr>
-            <a:picLocks noChangeAspect="1"/>
-          </p:cNvPicPr>
-          <p:nvPr/>
-        </p:nvPicPr>
-        <p:blipFill>
-          <a:blip r:embed="rId11"/>
-          <a:stretch>
-            <a:fillRect/>
-          </a:stretch>
-        </p:blipFill>
-        <p:spPr>
-          <a:xfrm>
-            <a:off x="6800574" y="2406276"/>
-            <a:ext cx="2095500" cy="3632200"/>
-          </a:xfrm>
-          <a:prstGeom prst="rect">
-            <a:avLst/>
-          </a:prstGeom>
+            <a:off x="6126163" y="2323902"/>
+            <a:ext cx="4481512" cy="3361134"/>
+          </a:xfrm>
         </p:spPr>
       </p:pic>
     </p:spTree>
     <p:extLst>
       <p:ext uri="{BB962C8B-B14F-4D97-AF65-F5344CB8AC3E}">
-        <p14:creationId xmlns:p14="http://schemas.microsoft.com/office/powerpoint/2010/main" val="3776383824"/>
+        <p14:creationId xmlns:p14="http://schemas.microsoft.com/office/powerpoint/2010/main" val="3993620932"/>
       </p:ext>
     </p:extLst>
   </p:cSld>
   <p:clrMapOvr>
     <a:masterClrMapping/>
   </p:clrMapOvr>
-  <p:timing>
-    <p:tnLst>
-      <p:par>
-        <p:cTn id="1" dur="indefinite" restart="never" nodeType="tmRoot">
-          <p:childTnLst>
-            <p:seq concurrent="1" nextAc="seek">
-              <p:cTn id="2" dur="indefinite" nodeType="mainSeq">
-                <p:childTnLst>
-                  <p:par>
-                    <p:cTn id="3" fill="hold">
-                      <p:stCondLst>
-                        <p:cond delay="indefinite"/>
-                        <p:cond evt="onBegin" delay="0">
-                          <p:tn val="2"/>
-                        </p:cond>
-                      </p:stCondLst>
-                      <p:childTnLst>
-                        <p:par>
-                          <p:cTn id="4" fill="hold">
-                            <p:stCondLst>
-                              <p:cond delay="0"/>
-                            </p:stCondLst>
-                            <p:childTnLst>
-                              <p:par>
-                                <p:cTn id="5" presetID="1" presetClass="mediacall" presetSubtype="0" fill="hold" nodeType="afterEffect">
-                                  <p:stCondLst>
-                                    <p:cond delay="0"/>
-                                  </p:stCondLst>
-                                  <p:childTnLst>
-                                    <p:cmd type="call" cmd="playFrom(0.0)">
-                                      <p:cBhvr>
-                                        <p:cTn id="6" dur="1" fill="hold"/>
-                                        <p:tgtEl>
-                                          <p:spTgt spid="6"/>
-                                        </p:tgtEl>
-                                      </p:cBhvr>
-                                    </p:cmd>
-                                  </p:childTnLst>
-                                </p:cTn>
-                              </p:par>
-                            </p:childTnLst>
-                          </p:cTn>
-                        </p:par>
-                      </p:childTnLst>
-                    </p:cTn>
-                  </p:par>
-                </p:childTnLst>
-              </p:cTn>
-              <p:prevCondLst>
-                <p:cond evt="onPrev" delay="0">
-                  <p:tgtEl>
-                    <p:sldTgt/>
-                  </p:tgtEl>
-                </p:cond>
-              </p:prevCondLst>
-              <p:nextCondLst>
-                <p:cond evt="onNext" delay="0">
-                  <p:tgtEl>
-                    <p:sldTgt/>
-                  </p:tgtEl>
-                </p:cond>
-              </p:nextCondLst>
-            </p:seq>
-            <p:audio>
-              <p:cMediaNode vol="80000">
-                <p:cTn id="7" fill="hold" display="0">
-                  <p:stCondLst>
-                    <p:cond delay="indefinite"/>
-                  </p:stCondLst>
-                  <p:endCondLst>
-                    <p:cond evt="onStopAudio" delay="0">
-                      <p:tgtEl>
-                        <p:sldTgt/>
-                      </p:tgtEl>
-                    </p:cond>
-                  </p:endCondLst>
-                </p:cTn>
-                <p:tgtEl>
-                  <p:spTgt spid="4"/>
-                </p:tgtEl>
-              </p:cMediaNode>
-            </p:audio>
-            <p:audio>
-              <p:cMediaNode vol="80000">
-                <p:cTn id="8" fill="hold" display="0">
-                  <p:stCondLst>
-                    <p:cond delay="indefinite"/>
-                  </p:stCondLst>
-                  <p:endCondLst>
-                    <p:cond evt="onStopAudio" delay="0">
-                      <p:tgtEl>
-                        <p:sldTgt/>
-                      </p:tgtEl>
-                    </p:cond>
-                  </p:endCondLst>
-                </p:cTn>
-                <p:tgtEl>
-                  <p:spTgt spid="5"/>
-                </p:tgtEl>
-              </p:cMediaNode>
-            </p:audio>
-            <p:audio>
-              <p:cMediaNode vol="80000" numSld="999" showWhenStopped="0">
-                <p:cTn id="9" repeatCount="indefinite" fill="hold" display="0">
-                  <p:stCondLst>
-                    <p:cond delay="indefinite"/>
-                  </p:stCondLst>
-                  <p:endCondLst>
-                    <p:cond evt="onStopAudio" delay="0">
-                      <p:tgtEl>
-                        <p:sldTgt/>
-                      </p:tgtEl>
-                    </p:cond>
-                  </p:endCondLst>
-                </p:cTn>
-                <p:tgtEl>
-                  <p:spTgt spid="6"/>
-                </p:tgtEl>
-              </p:cMediaNode>
-            </p:audio>
-          </p:childTnLst>
-        </p:cTn>
-      </p:par>
-    </p:tnLst>
-  </p:timing>
 </p:sld>
 </file>
 
@@ -4569,55 +5409,81 @@
           <a:p>
             <a:r>
               <a:rPr lang="en-US" dirty="0"/>
-              <a:t>…Radio Systems</a:t>
-            </a:r>
-          </a:p>
-        </p:txBody>
-      </p:sp>
-      <p:sp>
-        <p:nvSpPr>
-          <p:cNvPr id="3" name="Content Placeholder 2"/>
-          <p:cNvSpPr>
-            <a:spLocks noGrp="1"/>
-          </p:cNvSpPr>
+              <a:t>…Radio Systems </a:t>
+            </a:r>
+          </a:p>
+        </p:txBody>
+      </p:sp>
+      <p:pic>
+        <p:nvPicPr>
+          <p:cNvPr id="6" name="Content Placeholder 5"/>
+          <p:cNvPicPr>
+            <a:picLocks noGrp="1" noChangeAspect="1"/>
+          </p:cNvPicPr>
           <p:nvPr>
             <p:ph sz="half" idx="1"/>
           </p:nvPr>
-        </p:nvSpPr>
-        <p:spPr/>
-        <p:txBody>
-          <a:bodyPr/>
-          <a:lstStyle/>
-          <a:p>
-            <a:r>
-              <a:rPr lang="en-US" dirty="0"/>
-              <a:t>Invisible Fence Pic </a:t>
-            </a:r>
-          </a:p>
-        </p:txBody>
-      </p:sp>
-      <p:sp>
-        <p:nvSpPr>
-          <p:cNvPr id="4" name="Content Placeholder 3"/>
-          <p:cNvSpPr>
-            <a:spLocks noGrp="1"/>
-          </p:cNvSpPr>
+        </p:nvPicPr>
+        <p:blipFill>
+          <a:blip r:embed="rId2"/>
+          <a:stretch>
+            <a:fillRect/>
+          </a:stretch>
+        </p:blipFill>
+        <p:spPr>
+          <a:xfrm>
+            <a:off x="973845" y="2040835"/>
+            <a:ext cx="3930260" cy="2080591"/>
+          </a:xfrm>
+        </p:spPr>
+      </p:pic>
+      <p:pic>
+        <p:nvPicPr>
+          <p:cNvPr id="8" name="Content Placeholder 7"/>
+          <p:cNvPicPr>
+            <a:picLocks noGrp="1" noChangeAspect="1"/>
+          </p:cNvPicPr>
           <p:nvPr>
             <p:ph sz="half" idx="2"/>
           </p:nvPr>
-        </p:nvSpPr>
-        <p:spPr/>
-        <p:txBody>
-          <a:bodyPr/>
-          <a:lstStyle/>
-          <a:p>
-            <a:r>
-              <a:rPr lang="en-US" dirty="0"/>
-              <a:t>Safeway Pic</a:t>
-            </a:r>
-          </a:p>
-        </p:txBody>
-      </p:sp>
+        </p:nvPicPr>
+        <p:blipFill>
+          <a:blip r:embed="rId3"/>
+          <a:stretch>
+            <a:fillRect/>
+          </a:stretch>
+        </p:blipFill>
+        <p:spPr>
+          <a:xfrm>
+            <a:off x="6226061" y="1828800"/>
+            <a:ext cx="4281716" cy="4351338"/>
+          </a:xfrm>
+        </p:spPr>
+      </p:pic>
+      <p:pic>
+        <p:nvPicPr>
+          <p:cNvPr id="10" name="Picture 9"/>
+          <p:cNvPicPr>
+            <a:picLocks noChangeAspect="1"/>
+          </p:cNvPicPr>
+          <p:nvPr/>
+        </p:nvPicPr>
+        <p:blipFill>
+          <a:blip r:embed="rId4"/>
+          <a:stretch>
+            <a:fillRect/>
+          </a:stretch>
+        </p:blipFill>
+        <p:spPr>
+          <a:xfrm>
+            <a:off x="4164908" y="4893871"/>
+            <a:ext cx="1400175" cy="981075"/>
+          </a:xfrm>
+          <a:prstGeom prst="rect">
+            <a:avLst/>
+          </a:prstGeom>
+        </p:spPr>
+      </p:pic>
     </p:spTree>
     <p:extLst>
       <p:ext uri="{BB962C8B-B14F-4D97-AF65-F5344CB8AC3E}">
@@ -4660,12 +5526,14 @@
         </p:nvSpPr>
         <p:spPr/>
         <p:txBody>
-          <a:bodyPr/>
-          <a:lstStyle/>
-          <a:p>
-            <a:r>
-              <a:rPr lang="en-US" dirty="0"/>
-              <a:t>Stats for Radio Systems</a:t>
+          <a:bodyPr>
+            <a:normAutofit/>
+          </a:bodyPr>
+          <a:lstStyle/>
+          <a:p>
+            <a:r>
+              <a:rPr lang="en-US" dirty="0"/>
+              <a:t>Company Facts:	   Locations:</a:t>
             </a:r>
           </a:p>
         </p:txBody>
@@ -4682,10 +5550,54 @@
         </p:nvSpPr>
         <p:spPr/>
         <p:txBody>
-          <a:bodyPr/>
-          <a:lstStyle/>
-          <a:p>
-            <a:endParaRPr lang="en-US"/>
+          <a:bodyPr>
+            <a:normAutofit lnSpcReduction="10000"/>
+          </a:bodyPr>
+          <a:lstStyle/>
+          <a:p>
+            <a:r>
+              <a:rPr lang="en-US" dirty="0"/>
+              <a:t>Founded in 1991</a:t>
+            </a:r>
+          </a:p>
+          <a:p>
+            <a:r>
+              <a:rPr lang="en-US" dirty="0"/>
+              <a:t>Headquarters in Knoxville, TN</a:t>
+            </a:r>
+          </a:p>
+          <a:p>
+            <a:r>
+              <a:rPr lang="en-US" dirty="0"/>
+              <a:t>Initial IPO on Nasdaq in 1997</a:t>
+            </a:r>
+          </a:p>
+          <a:p>
+            <a:r>
+              <a:rPr lang="en-US" dirty="0"/>
+              <a:t>Now a Privately-Owned Multinational Corporation</a:t>
+            </a:r>
+          </a:p>
+          <a:p>
+            <a:r>
+              <a:rPr lang="en-US" dirty="0"/>
+              <a:t>Markets pet behavioral, containment, and lifestyle product solutions. </a:t>
+            </a:r>
+          </a:p>
+          <a:p>
+            <a:r>
+              <a:rPr lang="en-US" dirty="0"/>
+              <a:t>Last year, Radio Systems contributed more than $3,500,000 in volunteer support, grants, and product donations to organizations working to improve animal welfare or youth education.</a:t>
+            </a:r>
+          </a:p>
+          <a:p>
+            <a:endParaRPr lang="en-US" dirty="0"/>
+          </a:p>
+          <a:p>
+            <a:pPr marL="0" indent="0">
+              <a:buNone/>
+            </a:pPr>
+            <a:endParaRPr lang="en-US" dirty="0"/>
           </a:p>
         </p:txBody>
       </p:sp>
@@ -4701,10 +5613,51 @@
         </p:nvSpPr>
         <p:spPr/>
         <p:txBody>
-          <a:bodyPr/>
-          <a:lstStyle/>
-          <a:p>
-            <a:endParaRPr lang="en-US"/>
+          <a:bodyPr>
+            <a:normAutofit lnSpcReduction="10000"/>
+          </a:bodyPr>
+          <a:lstStyle/>
+          <a:p>
+            <a:r>
+              <a:rPr lang="en-US" dirty="0"/>
+              <a:t>Knoxville, Tennessee</a:t>
+            </a:r>
+          </a:p>
+          <a:p>
+            <a:r>
+              <a:rPr lang="en-US" dirty="0"/>
+              <a:t>Glen Allen, Virginia</a:t>
+            </a:r>
+          </a:p>
+          <a:p>
+            <a:r>
+              <a:rPr lang="en-US" dirty="0"/>
+              <a:t>Durham, North Carolina</a:t>
+            </a:r>
+          </a:p>
+          <a:p>
+            <a:r>
+              <a:rPr lang="en-US" dirty="0"/>
+              <a:t>Dundalk, Ireland</a:t>
+            </a:r>
+          </a:p>
+          <a:p>
+            <a:r>
+              <a:rPr lang="en-US" dirty="0"/>
+              <a:t>Chorley, United Kingdom</a:t>
+            </a:r>
+          </a:p>
+          <a:p>
+            <a:r>
+              <a:rPr lang="en-US" dirty="0"/>
+              <a:t>Shenzhen, China</a:t>
+            </a:r>
+          </a:p>
+          <a:p>
+            <a:r>
+              <a:rPr lang="en-US" dirty="0"/>
+              <a:t>Gold Coast, Australia</a:t>
+            </a:r>
           </a:p>
         </p:txBody>
       </p:sp>
@@ -4740,58 +5693,912 @@
       </p:grpSpPr>
       <p:sp>
         <p:nvSpPr>
-          <p:cNvPr id="2" name="Title 1"/>
-          <p:cNvSpPr>
-            <a:spLocks noGrp="1"/>
-          </p:cNvSpPr>
-          <p:nvPr>
-            <p:ph type="ctrTitle"/>
-          </p:nvPr>
-        </p:nvSpPr>
-        <p:spPr/>
-        <p:txBody>
-          <a:bodyPr/>
-          <a:lstStyle/>
-          <a:p>
-            <a:r>
-              <a:rPr lang="en-US" dirty="0"/>
-              <a:t>Technology</a:t>
-            </a:r>
-          </a:p>
-        </p:txBody>
-      </p:sp>
-      <p:sp>
-        <p:nvSpPr>
-          <p:cNvPr id="3" name="Subtitle 2"/>
-          <p:cNvSpPr>
-            <a:spLocks noGrp="1"/>
-          </p:cNvSpPr>
-          <p:nvPr>
-            <p:ph type="subTitle" idx="1"/>
-          </p:nvPr>
-        </p:nvSpPr>
-        <p:spPr/>
-        <p:txBody>
-          <a:bodyPr/>
-          <a:lstStyle/>
-          <a:p>
-            <a:r>
-              <a:rPr lang="en-US" dirty="0"/>
-              <a:t>Lessons We’ve Learned….So Far!</a:t>
-            </a:r>
-          </a:p>
-        </p:txBody>
-      </p:sp>
+          <p:cNvPr id="2" name="TextBox 1"/>
+          <p:cNvSpPr txBox="1"/>
+          <p:nvPr/>
+        </p:nvSpPr>
+        <p:spPr>
+          <a:xfrm>
+            <a:off x="1179443" y="376103"/>
+            <a:ext cx="3472070" cy="369332"/>
+          </a:xfrm>
+          <a:prstGeom prst="rect">
+            <a:avLst/>
+          </a:prstGeom>
+          <a:noFill/>
+        </p:spPr>
+        <p:txBody>
+          <a:bodyPr wrap="square" rtlCol="0">
+            <a:spAutoFit/>
+          </a:bodyPr>
+          <a:lstStyle/>
+          <a:p>
+            <a:r>
+              <a:rPr lang="en-US" dirty="0"/>
+              <a:t>Team Radio Systems</a:t>
+            </a:r>
+          </a:p>
+        </p:txBody>
+      </p:sp>
+      <p:pic>
+        <p:nvPicPr>
+          <p:cNvPr id="4" name="Recorded Sound">
+            <a:hlinkClick r:id="" action="ppaction://media"/>
+          </p:cNvPr>
+          <p:cNvPicPr>
+            <a:picLocks noChangeAspect="1"/>
+          </p:cNvPicPr>
+          <p:nvPr>
+            <a:audioFile r:link="rId2"/>
+            <p:extLst>
+              <p:ext uri="{DAA4B4D4-6D71-4841-9C94-3DE7FCFB9230}">
+                <p14:media xmlns:p14="http://schemas.microsoft.com/office/powerpoint/2010/main" r:embed="rId1"/>
+              </p:ext>
+            </p:extLst>
+          </p:nvPr>
+        </p:nvPicPr>
+        <p:blipFill>
+          <a:blip r:embed="rId6"/>
+          <a:stretch>
+            <a:fillRect/>
+          </a:stretch>
+        </p:blipFill>
+        <p:spPr>
+          <a:xfrm>
+            <a:off x="5791200" y="3124200"/>
+            <a:ext cx="609600" cy="609600"/>
+          </a:xfrm>
+          <a:prstGeom prst="rect">
+            <a:avLst/>
+          </a:prstGeom>
+        </p:spPr>
+      </p:pic>
+      <p:pic>
+        <p:nvPicPr>
+          <p:cNvPr id="5" name="Media2">
+            <a:hlinkClick r:id="" action="ppaction://media"/>
+          </p:cNvPr>
+          <p:cNvPicPr>
+            <a:picLocks noChangeAspect="1"/>
+          </p:cNvPicPr>
+          <p:nvPr>
+            <a:audioFile r:link="rId2"/>
+            <p:extLst>
+              <p:ext uri="{DAA4B4D4-6D71-4841-9C94-3DE7FCFB9230}">
+                <p14:media xmlns:p14="http://schemas.microsoft.com/office/powerpoint/2010/main" r:embed="rId1"/>
+              </p:ext>
+            </p:extLst>
+          </p:nvPr>
+        </p:nvPicPr>
+        <p:blipFill>
+          <a:blip r:embed="rId6"/>
+          <a:stretch>
+            <a:fillRect/>
+          </a:stretch>
+        </p:blipFill>
+        <p:spPr>
+          <a:xfrm>
+            <a:off x="5791200" y="3124200"/>
+            <a:ext cx="609600" cy="609600"/>
+          </a:xfrm>
+          <a:prstGeom prst="rect">
+            <a:avLst/>
+          </a:prstGeom>
+        </p:spPr>
+      </p:pic>
+      <p:pic>
+        <p:nvPicPr>
+          <p:cNvPr id="6" name="Media2 (mp3cut.net)">
+            <a:hlinkClick r:id="" action="ppaction://media"/>
+          </p:cNvPr>
+          <p:cNvPicPr>
+            <a:picLocks noChangeAspect="1"/>
+          </p:cNvPicPr>
+          <p:nvPr>
+            <a:audioFile r:link="rId4"/>
+            <p:extLst>
+              <p:ext uri="{DAA4B4D4-6D71-4841-9C94-3DE7FCFB9230}">
+                <p14:media xmlns:p14="http://schemas.microsoft.com/office/powerpoint/2010/main" r:embed="rId3"/>
+              </p:ext>
+            </p:extLst>
+          </p:nvPr>
+        </p:nvPicPr>
+        <p:blipFill>
+          <a:blip r:embed="rId6"/>
+          <a:stretch>
+            <a:fillRect/>
+          </a:stretch>
+        </p:blipFill>
+        <p:spPr>
+          <a:xfrm>
+            <a:off x="5791200" y="3124200"/>
+            <a:ext cx="609600" cy="609600"/>
+          </a:xfrm>
+          <a:prstGeom prst="rect">
+            <a:avLst/>
+          </a:prstGeom>
+        </p:spPr>
+      </p:pic>
+      <p:pic>
+        <p:nvPicPr>
+          <p:cNvPr id="17" name="Picture 16"/>
+          <p:cNvPicPr>
+            <a:picLocks noChangeAspect="1"/>
+          </p:cNvPicPr>
+          <p:nvPr/>
+        </p:nvPicPr>
+        <p:blipFill>
+          <a:blip r:embed="rId7"/>
+          <a:stretch>
+            <a:fillRect/>
+          </a:stretch>
+        </p:blipFill>
+        <p:spPr>
+          <a:xfrm>
+            <a:off x="3351695" y="755650"/>
+            <a:ext cx="1168400" cy="5346700"/>
+          </a:xfrm>
+          <a:prstGeom prst="rect">
+            <a:avLst/>
+          </a:prstGeom>
+        </p:spPr>
+      </p:pic>
+      <p:pic>
+        <p:nvPicPr>
+          <p:cNvPr id="19" name="Picture 18"/>
+          <p:cNvPicPr>
+            <a:picLocks noChangeAspect="1"/>
+          </p:cNvPicPr>
+          <p:nvPr/>
+        </p:nvPicPr>
+        <p:blipFill>
+          <a:blip r:embed="rId8"/>
+          <a:stretch>
+            <a:fillRect/>
+          </a:stretch>
+        </p:blipFill>
+        <p:spPr>
+          <a:xfrm>
+            <a:off x="1599095" y="755650"/>
+            <a:ext cx="1752600" cy="5346700"/>
+          </a:xfrm>
+          <a:prstGeom prst="rect">
+            <a:avLst/>
+          </a:prstGeom>
+        </p:spPr>
+      </p:pic>
+      <p:pic>
+        <p:nvPicPr>
+          <p:cNvPr id="21" name="Picture 20"/>
+          <p:cNvPicPr>
+            <a:picLocks noChangeAspect="1"/>
+          </p:cNvPicPr>
+          <p:nvPr/>
+        </p:nvPicPr>
+        <p:blipFill>
+          <a:blip r:embed="rId9"/>
+          <a:stretch>
+            <a:fillRect/>
+          </a:stretch>
+        </p:blipFill>
+        <p:spPr>
+          <a:xfrm>
+            <a:off x="4500217" y="776080"/>
+            <a:ext cx="2235200" cy="5321300"/>
+          </a:xfrm>
+          <a:prstGeom prst="rect">
+            <a:avLst/>
+          </a:prstGeom>
+        </p:spPr>
+      </p:pic>
+      <p:pic>
+        <p:nvPicPr>
+          <p:cNvPr id="23" name="Picture 22"/>
+          <p:cNvPicPr>
+            <a:picLocks noChangeAspect="1"/>
+          </p:cNvPicPr>
+          <p:nvPr/>
+        </p:nvPicPr>
+        <p:blipFill>
+          <a:blip r:embed="rId10"/>
+          <a:stretch>
+            <a:fillRect/>
+          </a:stretch>
+        </p:blipFill>
+        <p:spPr>
+          <a:xfrm>
+            <a:off x="6635474" y="755650"/>
+            <a:ext cx="2260600" cy="1727200"/>
+          </a:xfrm>
+          <a:prstGeom prst="rect">
+            <a:avLst/>
+          </a:prstGeom>
+        </p:spPr>
+      </p:pic>
+      <p:pic>
+        <p:nvPicPr>
+          <p:cNvPr id="7" name="Picture 6"/>
+          <p:cNvPicPr>
+            <a:picLocks noChangeAspect="1"/>
+          </p:cNvPicPr>
+          <p:nvPr/>
+        </p:nvPicPr>
+        <p:blipFill>
+          <a:blip r:embed="rId11"/>
+          <a:stretch>
+            <a:fillRect/>
+          </a:stretch>
+        </p:blipFill>
+        <p:spPr>
+          <a:xfrm>
+            <a:off x="6597374" y="2376280"/>
+            <a:ext cx="2298700" cy="3721100"/>
+          </a:xfrm>
+          <a:prstGeom prst="rect">
+            <a:avLst/>
+          </a:prstGeom>
+        </p:spPr>
+      </p:pic>
+      <p:pic>
+        <p:nvPicPr>
+          <p:cNvPr id="8" name="Media2 (mp3cut.net)">
+            <a:hlinkClick r:id="" action="ppaction://media"/>
+          </p:cNvPr>
+          <p:cNvPicPr>
+            <a:picLocks noChangeAspect="1"/>
+          </p:cNvPicPr>
+          <p:nvPr>
+            <a:audioFile r:link="rId4"/>
+            <p:extLst>
+              <p:ext uri="{DAA4B4D4-6D71-4841-9C94-3DE7FCFB9230}">
+                <p14:media xmlns:p14="http://schemas.microsoft.com/office/powerpoint/2010/main" r:embed="rId3"/>
+              </p:ext>
+            </p:extLst>
+          </p:nvPr>
+        </p:nvPicPr>
+        <p:blipFill>
+          <a:blip r:embed="rId6"/>
+          <a:stretch>
+            <a:fillRect/>
+          </a:stretch>
+        </p:blipFill>
+        <p:spPr>
+          <a:xfrm>
+            <a:off x="5791200" y="3124200"/>
+            <a:ext cx="609600" cy="609600"/>
+          </a:xfrm>
+          <a:prstGeom prst="rect">
+            <a:avLst/>
+          </a:prstGeom>
+        </p:spPr>
+      </p:pic>
     </p:spTree>
     <p:extLst>
       <p:ext uri="{BB962C8B-B14F-4D97-AF65-F5344CB8AC3E}">
-        <p14:creationId xmlns:p14="http://schemas.microsoft.com/office/powerpoint/2010/main" val="4229108407"/>
+        <p14:creationId xmlns:p14="http://schemas.microsoft.com/office/powerpoint/2010/main" val="3776383824"/>
       </p:ext>
     </p:extLst>
   </p:cSld>
   <p:clrMapOvr>
     <a:masterClrMapping/>
   </p:clrMapOvr>
+  <mc:AlternateContent xmlns:mc="http://schemas.openxmlformats.org/markup-compatibility/2006" xmlns:p159="http://schemas.microsoft.com/office/powerpoint/2015/09/main">
+    <mc:Choice Requires="p159">
+      <p:transition xmlns:p14="http://schemas.microsoft.com/office/powerpoint/2010/main" spd="slow" p14:dur="2000">
+        <p159:morph option="byObject"/>
+      </p:transition>
+    </mc:Choice>
+    <mc:Fallback xmlns="">
+      <p:transition spd="slow">
+        <p:fade/>
+      </p:transition>
+    </mc:Fallback>
+  </mc:AlternateContent>
+  <p:timing>
+    <p:tnLst>
+      <p:par>
+        <p:cTn id="1" dur="indefinite" restart="never" nodeType="tmRoot">
+          <p:childTnLst>
+            <p:seq concurrent="1" nextAc="seek">
+              <p:cTn id="2" dur="indefinite" nodeType="mainSeq">
+                <p:childTnLst>
+                  <p:par>
+                    <p:cTn id="3" fill="hold">
+                      <p:stCondLst>
+                        <p:cond delay="indefinite"/>
+                      </p:stCondLst>
+                      <p:childTnLst>
+                        <p:par>
+                          <p:cTn id="4" fill="hold">
+                            <p:stCondLst>
+                              <p:cond delay="0"/>
+                            </p:stCondLst>
+                            <p:childTnLst>
+                              <p:par>
+                                <p:cTn id="5" presetID="2" presetClass="entr" presetSubtype="4" fill="hold" nodeType="clickEffect">
+                                  <p:stCondLst>
+                                    <p:cond delay="0"/>
+                                  </p:stCondLst>
+                                  <p:childTnLst>
+                                    <p:set>
+                                      <p:cBhvr>
+                                        <p:cTn id="6" dur="1" fill="hold">
+                                          <p:stCondLst>
+                                            <p:cond delay="0"/>
+                                          </p:stCondLst>
+                                        </p:cTn>
+                                        <p:tgtEl>
+                                          <p:spTgt spid="7"/>
+                                        </p:tgtEl>
+                                        <p:attrNameLst>
+                                          <p:attrName>style.visibility</p:attrName>
+                                        </p:attrNameLst>
+                                      </p:cBhvr>
+                                      <p:to>
+                                        <p:strVal val="visible"/>
+                                      </p:to>
+                                    </p:set>
+                                    <p:anim calcmode="lin" valueType="num">
+                                      <p:cBhvr additive="base">
+                                        <p:cTn id="7" dur="2000" fill="hold"/>
+                                        <p:tgtEl>
+                                          <p:spTgt spid="7"/>
+                                        </p:tgtEl>
+                                        <p:attrNameLst>
+                                          <p:attrName>ppt_x</p:attrName>
+                                        </p:attrNameLst>
+                                      </p:cBhvr>
+                                      <p:tavLst>
+                                        <p:tav tm="0">
+                                          <p:val>
+                                            <p:strVal val="#ppt_x"/>
+                                          </p:val>
+                                        </p:tav>
+                                        <p:tav tm="100000">
+                                          <p:val>
+                                            <p:strVal val="#ppt_x"/>
+                                          </p:val>
+                                        </p:tav>
+                                      </p:tavLst>
+                                    </p:anim>
+                                    <p:anim calcmode="lin" valueType="num">
+                                      <p:cBhvr additive="base">
+                                        <p:cTn id="8" dur="2000" fill="hold"/>
+                                        <p:tgtEl>
+                                          <p:spTgt spid="7"/>
+                                        </p:tgtEl>
+                                        <p:attrNameLst>
+                                          <p:attrName>ppt_y</p:attrName>
+                                        </p:attrNameLst>
+                                      </p:cBhvr>
+                                      <p:tavLst>
+                                        <p:tav tm="0">
+                                          <p:val>
+                                            <p:strVal val="1+#ppt_h/2"/>
+                                          </p:val>
+                                        </p:tav>
+                                        <p:tav tm="100000">
+                                          <p:val>
+                                            <p:strVal val="#ppt_y"/>
+                                          </p:val>
+                                        </p:tav>
+                                      </p:tavLst>
+                                    </p:anim>
+                                  </p:childTnLst>
+                                </p:cTn>
+                              </p:par>
+                            </p:childTnLst>
+                          </p:cTn>
+                        </p:par>
+                      </p:childTnLst>
+                    </p:cTn>
+                  </p:par>
+                  <p:par>
+                    <p:cTn id="9" fill="hold">
+                      <p:stCondLst>
+                        <p:cond delay="indefinite"/>
+                      </p:stCondLst>
+                      <p:childTnLst>
+                        <p:par>
+                          <p:cTn id="10" fill="hold">
+                            <p:stCondLst>
+                              <p:cond delay="0"/>
+                            </p:stCondLst>
+                            <p:childTnLst>
+                              <p:par>
+                                <p:cTn id="11" presetID="42" presetClass="entr" presetSubtype="0" fill="hold" nodeType="clickEffect">
+                                  <p:stCondLst>
+                                    <p:cond delay="0"/>
+                                  </p:stCondLst>
+                                  <p:childTnLst>
+                                    <p:set>
+                                      <p:cBhvr>
+                                        <p:cTn id="12" dur="1" fill="hold">
+                                          <p:stCondLst>
+                                            <p:cond delay="0"/>
+                                          </p:stCondLst>
+                                        </p:cTn>
+                                        <p:tgtEl>
+                                          <p:spTgt spid="23"/>
+                                        </p:tgtEl>
+                                        <p:attrNameLst>
+                                          <p:attrName>style.visibility</p:attrName>
+                                        </p:attrNameLst>
+                                      </p:cBhvr>
+                                      <p:to>
+                                        <p:strVal val="visible"/>
+                                      </p:to>
+                                    </p:set>
+                                    <p:animEffect transition="in" filter="fade">
+                                      <p:cBhvr>
+                                        <p:cTn id="13" dur="2000"/>
+                                        <p:tgtEl>
+                                          <p:spTgt spid="23"/>
+                                        </p:tgtEl>
+                                      </p:cBhvr>
+                                    </p:animEffect>
+                                    <p:anim calcmode="lin" valueType="num">
+                                      <p:cBhvr>
+                                        <p:cTn id="14" dur="2000" fill="hold"/>
+                                        <p:tgtEl>
+                                          <p:spTgt spid="23"/>
+                                        </p:tgtEl>
+                                        <p:attrNameLst>
+                                          <p:attrName>ppt_x</p:attrName>
+                                        </p:attrNameLst>
+                                      </p:cBhvr>
+                                      <p:tavLst>
+                                        <p:tav tm="0">
+                                          <p:val>
+                                            <p:strVal val="#ppt_x"/>
+                                          </p:val>
+                                        </p:tav>
+                                        <p:tav tm="100000">
+                                          <p:val>
+                                            <p:strVal val="#ppt_x"/>
+                                          </p:val>
+                                        </p:tav>
+                                      </p:tavLst>
+                                    </p:anim>
+                                    <p:anim calcmode="lin" valueType="num">
+                                      <p:cBhvr>
+                                        <p:cTn id="15" dur="2000" fill="hold"/>
+                                        <p:tgtEl>
+                                          <p:spTgt spid="23"/>
+                                        </p:tgtEl>
+                                        <p:attrNameLst>
+                                          <p:attrName>ppt_y</p:attrName>
+                                        </p:attrNameLst>
+                                      </p:cBhvr>
+                                      <p:tavLst>
+                                        <p:tav tm="0">
+                                          <p:val>
+                                            <p:strVal val="#ppt_y+.1"/>
+                                          </p:val>
+                                        </p:tav>
+                                        <p:tav tm="100000">
+                                          <p:val>
+                                            <p:strVal val="#ppt_y"/>
+                                          </p:val>
+                                        </p:tav>
+                                      </p:tavLst>
+                                    </p:anim>
+                                  </p:childTnLst>
+                                </p:cTn>
+                              </p:par>
+                            </p:childTnLst>
+                          </p:cTn>
+                        </p:par>
+                      </p:childTnLst>
+                    </p:cTn>
+                  </p:par>
+                  <p:par>
+                    <p:cTn id="16" fill="hold">
+                      <p:stCondLst>
+                        <p:cond delay="indefinite"/>
+                      </p:stCondLst>
+                      <p:childTnLst>
+                        <p:par>
+                          <p:cTn id="17" fill="hold">
+                            <p:stCondLst>
+                              <p:cond delay="0"/>
+                            </p:stCondLst>
+                            <p:childTnLst>
+                              <p:par>
+                                <p:cTn id="18" presetID="10" presetClass="entr" presetSubtype="0" fill="hold" nodeType="clickEffect">
+                                  <p:stCondLst>
+                                    <p:cond delay="0"/>
+                                  </p:stCondLst>
+                                  <p:childTnLst>
+                                    <p:set>
+                                      <p:cBhvr>
+                                        <p:cTn id="19" dur="1" fill="hold">
+                                          <p:stCondLst>
+                                            <p:cond delay="0"/>
+                                          </p:stCondLst>
+                                        </p:cTn>
+                                        <p:tgtEl>
+                                          <p:spTgt spid="21"/>
+                                        </p:tgtEl>
+                                        <p:attrNameLst>
+                                          <p:attrName>style.visibility</p:attrName>
+                                        </p:attrNameLst>
+                                      </p:cBhvr>
+                                      <p:to>
+                                        <p:strVal val="visible"/>
+                                      </p:to>
+                                    </p:set>
+                                    <p:animEffect transition="in" filter="fade">
+                                      <p:cBhvr>
+                                        <p:cTn id="20" dur="2000"/>
+                                        <p:tgtEl>
+                                          <p:spTgt spid="21"/>
+                                        </p:tgtEl>
+                                      </p:cBhvr>
+                                    </p:animEffect>
+                                  </p:childTnLst>
+                                </p:cTn>
+                              </p:par>
+                            </p:childTnLst>
+                          </p:cTn>
+                        </p:par>
+                      </p:childTnLst>
+                    </p:cTn>
+                  </p:par>
+                  <p:par>
+                    <p:cTn id="21" fill="hold">
+                      <p:stCondLst>
+                        <p:cond delay="indefinite"/>
+                      </p:stCondLst>
+                      <p:childTnLst>
+                        <p:par>
+                          <p:cTn id="22" fill="hold">
+                            <p:stCondLst>
+                              <p:cond delay="0"/>
+                            </p:stCondLst>
+                            <p:childTnLst>
+                              <p:par>
+                                <p:cTn id="23" presetID="45" presetClass="entr" presetSubtype="0" fill="hold" nodeType="clickEffect">
+                                  <p:stCondLst>
+                                    <p:cond delay="0"/>
+                                  </p:stCondLst>
+                                  <p:childTnLst>
+                                    <p:set>
+                                      <p:cBhvr>
+                                        <p:cTn id="24" dur="1" fill="hold">
+                                          <p:stCondLst>
+                                            <p:cond delay="0"/>
+                                          </p:stCondLst>
+                                        </p:cTn>
+                                        <p:tgtEl>
+                                          <p:spTgt spid="19"/>
+                                        </p:tgtEl>
+                                        <p:attrNameLst>
+                                          <p:attrName>style.visibility</p:attrName>
+                                        </p:attrNameLst>
+                                      </p:cBhvr>
+                                      <p:to>
+                                        <p:strVal val="visible"/>
+                                      </p:to>
+                                    </p:set>
+                                    <p:animEffect transition="in" filter="fade">
+                                      <p:cBhvr>
+                                        <p:cTn id="25" dur="2000"/>
+                                        <p:tgtEl>
+                                          <p:spTgt spid="19"/>
+                                        </p:tgtEl>
+                                      </p:cBhvr>
+                                    </p:animEffect>
+                                    <p:anim calcmode="lin" valueType="num">
+                                      <p:cBhvr>
+                                        <p:cTn id="26" dur="2000" fill="hold"/>
+                                        <p:tgtEl>
+                                          <p:spTgt spid="19"/>
+                                        </p:tgtEl>
+                                        <p:attrNameLst>
+                                          <p:attrName>ppt_w</p:attrName>
+                                        </p:attrNameLst>
+                                      </p:cBhvr>
+                                      <p:tavLst>
+                                        <p:tav tm="0" fmla="#ppt_w*sin(2.5*pi*$)">
+                                          <p:val>
+                                            <p:fltVal val="0"/>
+                                          </p:val>
+                                        </p:tav>
+                                        <p:tav tm="100000">
+                                          <p:val>
+                                            <p:fltVal val="1"/>
+                                          </p:val>
+                                        </p:tav>
+                                      </p:tavLst>
+                                    </p:anim>
+                                    <p:anim calcmode="lin" valueType="num">
+                                      <p:cBhvr>
+                                        <p:cTn id="27" dur="2000" fill="hold"/>
+                                        <p:tgtEl>
+                                          <p:spTgt spid="19"/>
+                                        </p:tgtEl>
+                                        <p:attrNameLst>
+                                          <p:attrName>ppt_h</p:attrName>
+                                        </p:attrNameLst>
+                                      </p:cBhvr>
+                                      <p:tavLst>
+                                        <p:tav tm="0">
+                                          <p:val>
+                                            <p:strVal val="#ppt_h"/>
+                                          </p:val>
+                                        </p:tav>
+                                        <p:tav tm="100000">
+                                          <p:val>
+                                            <p:strVal val="#ppt_h"/>
+                                          </p:val>
+                                        </p:tav>
+                                      </p:tavLst>
+                                    </p:anim>
+                                  </p:childTnLst>
+                                </p:cTn>
+                              </p:par>
+                            </p:childTnLst>
+                          </p:cTn>
+                        </p:par>
+                      </p:childTnLst>
+                    </p:cTn>
+                  </p:par>
+                  <p:par>
+                    <p:cTn id="28" fill="hold">
+                      <p:stCondLst>
+                        <p:cond delay="indefinite"/>
+                      </p:stCondLst>
+                      <p:childTnLst>
+                        <p:par>
+                          <p:cTn id="29" fill="hold">
+                            <p:stCondLst>
+                              <p:cond delay="0"/>
+                            </p:stCondLst>
+                            <p:childTnLst>
+                              <p:par>
+                                <p:cTn id="30" presetID="53" presetClass="entr" presetSubtype="16" fill="hold" nodeType="clickEffect">
+                                  <p:stCondLst>
+                                    <p:cond delay="0"/>
+                                  </p:stCondLst>
+                                  <p:childTnLst>
+                                    <p:set>
+                                      <p:cBhvr>
+                                        <p:cTn id="31" dur="1" fill="hold">
+                                          <p:stCondLst>
+                                            <p:cond delay="0"/>
+                                          </p:stCondLst>
+                                        </p:cTn>
+                                        <p:tgtEl>
+                                          <p:spTgt spid="17"/>
+                                        </p:tgtEl>
+                                        <p:attrNameLst>
+                                          <p:attrName>style.visibility</p:attrName>
+                                        </p:attrNameLst>
+                                      </p:cBhvr>
+                                      <p:to>
+                                        <p:strVal val="visible"/>
+                                      </p:to>
+                                    </p:set>
+                                    <p:anim calcmode="lin" valueType="num">
+                                      <p:cBhvr>
+                                        <p:cTn id="32" dur="2000" fill="hold"/>
+                                        <p:tgtEl>
+                                          <p:spTgt spid="17"/>
+                                        </p:tgtEl>
+                                        <p:attrNameLst>
+                                          <p:attrName>ppt_w</p:attrName>
+                                        </p:attrNameLst>
+                                      </p:cBhvr>
+                                      <p:tavLst>
+                                        <p:tav tm="0">
+                                          <p:val>
+                                            <p:fltVal val="0"/>
+                                          </p:val>
+                                        </p:tav>
+                                        <p:tav tm="100000">
+                                          <p:val>
+                                            <p:strVal val="#ppt_w"/>
+                                          </p:val>
+                                        </p:tav>
+                                      </p:tavLst>
+                                    </p:anim>
+                                    <p:anim calcmode="lin" valueType="num">
+                                      <p:cBhvr>
+                                        <p:cTn id="33" dur="2000" fill="hold"/>
+                                        <p:tgtEl>
+                                          <p:spTgt spid="17"/>
+                                        </p:tgtEl>
+                                        <p:attrNameLst>
+                                          <p:attrName>ppt_h</p:attrName>
+                                        </p:attrNameLst>
+                                      </p:cBhvr>
+                                      <p:tavLst>
+                                        <p:tav tm="0">
+                                          <p:val>
+                                            <p:fltVal val="0"/>
+                                          </p:val>
+                                        </p:tav>
+                                        <p:tav tm="100000">
+                                          <p:val>
+                                            <p:strVal val="#ppt_h"/>
+                                          </p:val>
+                                        </p:tav>
+                                      </p:tavLst>
+                                    </p:anim>
+                                    <p:animEffect transition="in" filter="fade">
+                                      <p:cBhvr>
+                                        <p:cTn id="34" dur="2000"/>
+                                        <p:tgtEl>
+                                          <p:spTgt spid="17"/>
+                                        </p:tgtEl>
+                                      </p:cBhvr>
+                                    </p:animEffect>
+                                  </p:childTnLst>
+                                </p:cTn>
+                              </p:par>
+                            </p:childTnLst>
+                          </p:cTn>
+                        </p:par>
+                      </p:childTnLst>
+                    </p:cTn>
+                  </p:par>
+                </p:childTnLst>
+              </p:cTn>
+              <p:prevCondLst>
+                <p:cond evt="onPrev" delay="0">
+                  <p:tgtEl>
+                    <p:sldTgt/>
+                  </p:tgtEl>
+                </p:cond>
+              </p:prevCondLst>
+              <p:nextCondLst>
+                <p:cond evt="onNext" delay="0">
+                  <p:tgtEl>
+                    <p:sldTgt/>
+                  </p:tgtEl>
+                </p:cond>
+              </p:nextCondLst>
+            </p:seq>
+            <p:audio>
+              <p:cMediaNode vol="80000">
+                <p:cTn id="35" fill="hold" display="0">
+                  <p:stCondLst>
+                    <p:cond delay="indefinite"/>
+                  </p:stCondLst>
+                  <p:endCondLst>
+                    <p:cond evt="onStopAudio" delay="0">
+                      <p:tgtEl>
+                        <p:sldTgt/>
+                      </p:tgtEl>
+                    </p:cond>
+                  </p:endCondLst>
+                </p:cTn>
+                <p:tgtEl>
+                  <p:spTgt spid="4"/>
+                </p:tgtEl>
+              </p:cMediaNode>
+            </p:audio>
+            <p:audio>
+              <p:cMediaNode vol="80000">
+                <p:cTn id="36" fill="hold" display="0">
+                  <p:stCondLst>
+                    <p:cond delay="indefinite"/>
+                  </p:stCondLst>
+                  <p:endCondLst>
+                    <p:cond evt="onStopAudio" delay="0">
+                      <p:tgtEl>
+                        <p:sldTgt/>
+                      </p:tgtEl>
+                    </p:cond>
+                  </p:endCondLst>
+                </p:cTn>
+                <p:tgtEl>
+                  <p:spTgt spid="5"/>
+                </p:tgtEl>
+              </p:cMediaNode>
+            </p:audio>
+            <p:audio>
+              <p:cMediaNode vol="80000" numSld="999" showWhenStopped="0">
+                <p:cTn id="37" repeatCount="indefinite" fill="hold" display="0">
+                  <p:stCondLst>
+                    <p:cond delay="indefinite"/>
+                  </p:stCondLst>
+                  <p:endCondLst>
+                    <p:cond evt="onStopAudio" delay="0">
+                      <p:tgtEl>
+                        <p:sldTgt/>
+                      </p:tgtEl>
+                    </p:cond>
+                  </p:endCondLst>
+                </p:cTn>
+                <p:tgtEl>
+                  <p:spTgt spid="6"/>
+                </p:tgtEl>
+              </p:cMediaNode>
+            </p:audio>
+            <p:audio>
+              <p:cMediaNode vol="80000" showWhenStopped="0">
+                <p:cTn id="38" repeatCount="indefinite" fill="hold" display="0">
+                  <p:stCondLst>
+                    <p:cond delay="indefinite"/>
+                  </p:stCondLst>
+                  <p:endCondLst>
+                    <p:cond evt="onStopAudio" delay="0">
+                      <p:tgtEl>
+                        <p:sldTgt/>
+                      </p:tgtEl>
+                    </p:cond>
+                  </p:endCondLst>
+                </p:cTn>
+                <p:tgtEl>
+                  <p:spTgt spid="8"/>
+                </p:tgtEl>
+              </p:cMediaNode>
+            </p:audio>
+            <p:seq concurrent="1" nextAc="seek">
+              <p:cTn id="39" restart="whenNotActive" fill="hold" evtFilter="cancelBubble" nodeType="interactiveSeq">
+                <p:stCondLst>
+                  <p:cond evt="onClick" delay="0">
+                    <p:tgtEl>
+                      <p:spTgt spid="8"/>
+                    </p:tgtEl>
+                  </p:cond>
+                </p:stCondLst>
+                <p:endSync evt="end" delay="0">
+                  <p:rtn val="all"/>
+                </p:endSync>
+                <p:childTnLst>
+                  <p:par>
+                    <p:cTn id="40" fill="hold">
+                      <p:stCondLst>
+                        <p:cond delay="0"/>
+                      </p:stCondLst>
+                      <p:childTnLst>
+                        <p:par>
+                          <p:cTn id="41" fill="hold">
+                            <p:stCondLst>
+                              <p:cond delay="0"/>
+                            </p:stCondLst>
+                            <p:childTnLst>
+                              <p:par>
+                                <p:cTn id="42" presetID="1" presetClass="mediacall" presetSubtype="0" fill="hold" nodeType="clickEffect">
+                                  <p:stCondLst>
+                                    <p:cond delay="0"/>
+                                  </p:stCondLst>
+                                  <p:childTnLst>
+                                    <p:cmd type="call" cmd="playFrom(0.0)">
+                                      <p:cBhvr>
+                                        <p:cTn id="43" dur="13378" fill="hold"/>
+                                        <p:tgtEl>
+                                          <p:spTgt spid="8"/>
+                                        </p:tgtEl>
+                                      </p:cBhvr>
+                                    </p:cmd>
+                                  </p:childTnLst>
+                                </p:cTn>
+                              </p:par>
+                            </p:childTnLst>
+                          </p:cTn>
+                        </p:par>
+                      </p:childTnLst>
+                    </p:cTn>
+                  </p:par>
+                </p:childTnLst>
+              </p:cTn>
+              <p:nextCondLst>
+                <p:cond evt="onClick" delay="0">
+                  <p:tgtEl>
+                    <p:spTgt spid="8"/>
+                  </p:tgtEl>
+                </p:cond>
+              </p:nextCondLst>
+            </p:seq>
+          </p:childTnLst>
+        </p:cTn>
+      </p:par>
+    </p:tnLst>
+  </p:timing>
 </p:sld>
 </file>
 
@@ -4819,7 +6626,7 @@
             <a:spLocks noGrp="1"/>
           </p:cNvSpPr>
           <p:nvPr>
-            <p:ph type="title"/>
+            <p:ph type="ctrTitle"/>
           </p:nvPr>
         </p:nvSpPr>
         <p:spPr/>
@@ -4829,19 +6636,19 @@
           <a:p>
             <a:r>
               <a:rPr lang="en-US" dirty="0"/>
-              <a:t>In The Beginning….</a:t>
-            </a:r>
-          </a:p>
-        </p:txBody>
-      </p:sp>
-      <p:sp>
-        <p:nvSpPr>
-          <p:cNvPr id="3" name="Content Placeholder 2"/>
-          <p:cNvSpPr>
-            <a:spLocks noGrp="1"/>
-          </p:cNvSpPr>
-          <p:nvPr>
-            <p:ph idx="1"/>
+              <a:t>Technology</a:t>
+            </a:r>
+          </a:p>
+        </p:txBody>
+      </p:sp>
+      <p:sp>
+        <p:nvSpPr>
+          <p:cNvPr id="3" name="Subtitle 2"/>
+          <p:cNvSpPr>
+            <a:spLocks noGrp="1"/>
+          </p:cNvSpPr>
+          <p:nvPr>
+            <p:ph type="subTitle" idx="1"/>
           </p:nvPr>
         </p:nvSpPr>
         <p:spPr/>
@@ -4849,309 +6656,23 @@
           <a:bodyPr/>
           <a:lstStyle/>
           <a:p>
-            <a:endParaRPr lang="en-US" dirty="0"/>
-          </a:p>
-        </p:txBody>
-      </p:sp>
-      <p:sp>
-        <p:nvSpPr>
-          <p:cNvPr id="4" name="Rectangle 3"/>
-          <p:cNvSpPr/>
-          <p:nvPr/>
-        </p:nvSpPr>
-        <p:spPr>
-          <a:xfrm rot="1406376">
-            <a:off x="6656421" y="2493322"/>
-            <a:ext cx="3147015" cy="923330"/>
-          </a:xfrm>
-          <a:prstGeom prst="rect">
-            <a:avLst/>
-          </a:prstGeom>
-          <a:noFill/>
-        </p:spPr>
-        <p:txBody>
-          <a:bodyPr wrap="none" lIns="91440" tIns="45720" rIns="91440" bIns="45720">
-            <a:spAutoFit/>
-          </a:bodyPr>
-          <a:lstStyle/>
-          <a:p>
-            <a:pPr algn="ctr"/>
-            <a:r>
-              <a:rPr lang="en-US" sz="5400" b="1" cap="none" spc="0" dirty="0">
-                <a:ln w="9525">
-                  <a:solidFill>
-                    <a:schemeClr val="bg1"/>
-                  </a:solidFill>
-                  <a:prstDash val="solid"/>
-                </a:ln>
-                <a:solidFill>
-                  <a:schemeClr val="tx1"/>
-                </a:solidFill>
-                <a:effectLst>
-                  <a:outerShdw blurRad="12700" dist="38100" dir="2700000" algn="tl" rotWithShape="0">
-                    <a:schemeClr val="bg1">
-                      <a:lumMod val="50000"/>
-                    </a:schemeClr>
-                  </a:outerShdw>
-                </a:effectLst>
-              </a:rPr>
-              <a:t>Node.JS</a:t>
-            </a:r>
-          </a:p>
-        </p:txBody>
-      </p:sp>
-      <p:sp>
-        <p:nvSpPr>
-          <p:cNvPr id="5" name="Rectangle 4"/>
-          <p:cNvSpPr/>
-          <p:nvPr/>
-        </p:nvSpPr>
-        <p:spPr>
-          <a:xfrm rot="159960">
-            <a:off x="1576235" y="4004220"/>
-            <a:ext cx="3288081" cy="923330"/>
-          </a:xfrm>
-          <a:prstGeom prst="rect">
-            <a:avLst/>
-          </a:prstGeom>
-          <a:noFill/>
-        </p:spPr>
-        <p:txBody>
-          <a:bodyPr wrap="none" lIns="91440" tIns="45720" rIns="91440" bIns="45720">
-            <a:spAutoFit/>
-          </a:bodyPr>
-          <a:lstStyle/>
-          <a:p>
-            <a:pPr algn="ctr"/>
-            <a:r>
-              <a:rPr lang="en-US" sz="5400" b="1" dirty="0">
-                <a:ln w="9525">
-                  <a:solidFill>
-                    <a:schemeClr val="bg1"/>
-                  </a:solidFill>
-                  <a:prstDash val="solid"/>
-                </a:ln>
-                <a:effectLst>
-                  <a:outerShdw blurRad="12700" dist="38100" dir="2700000" algn="tl" rotWithShape="0">
-                    <a:schemeClr val="bg1">
-                      <a:lumMod val="50000"/>
-                    </a:schemeClr>
-                  </a:outerShdw>
-                </a:effectLst>
-              </a:rPr>
-              <a:t>Electron</a:t>
-            </a:r>
-            <a:endParaRPr lang="en-US" sz="5400" b="1" cap="none" spc="0" dirty="0">
-              <a:ln w="9525">
-                <a:solidFill>
-                  <a:schemeClr val="bg1"/>
-                </a:solidFill>
-                <a:prstDash val="solid"/>
-              </a:ln>
-              <a:solidFill>
-                <a:schemeClr val="tx1"/>
-              </a:solidFill>
-              <a:effectLst>
-                <a:outerShdw blurRad="12700" dist="38100" dir="2700000" algn="tl" rotWithShape="0">
-                  <a:schemeClr val="bg1">
-                    <a:lumMod val="50000"/>
-                  </a:schemeClr>
-                </a:outerShdw>
-              </a:effectLst>
-            </a:endParaRPr>
-          </a:p>
-        </p:txBody>
-      </p:sp>
-      <p:sp>
-        <p:nvSpPr>
-          <p:cNvPr id="6" name="Rectangle 5"/>
-          <p:cNvSpPr/>
-          <p:nvPr/>
-        </p:nvSpPr>
-        <p:spPr>
-          <a:xfrm>
-            <a:off x="5272694" y="2967335"/>
-            <a:ext cx="1646605" cy="923330"/>
-          </a:xfrm>
-          <a:prstGeom prst="rect">
-            <a:avLst/>
-          </a:prstGeom>
-          <a:noFill/>
-        </p:spPr>
-        <p:txBody>
-          <a:bodyPr wrap="none" lIns="91440" tIns="45720" rIns="91440" bIns="45720">
-            <a:spAutoFit/>
-          </a:bodyPr>
-          <a:lstStyle/>
-          <a:p>
-            <a:pPr algn="ctr"/>
-            <a:r>
-              <a:rPr lang="en-US" sz="5400" b="1" dirty="0" err="1">
-                <a:ln w="9525">
-                  <a:solidFill>
-                    <a:schemeClr val="bg1"/>
-                  </a:solidFill>
-                  <a:prstDash val="solid"/>
-                </a:ln>
-                <a:effectLst>
-                  <a:outerShdw blurRad="12700" dist="38100" dir="2700000" algn="tl" rotWithShape="0">
-                    <a:schemeClr val="bg1">
-                      <a:lumMod val="50000"/>
-                    </a:schemeClr>
-                  </a:outerShdw>
-                </a:effectLst>
-              </a:rPr>
-              <a:t>.Net</a:t>
-            </a:r>
-            <a:endParaRPr lang="en-US" sz="5400" b="1" cap="none" spc="0" dirty="0">
-              <a:ln w="9525">
-                <a:solidFill>
-                  <a:schemeClr val="bg1"/>
-                </a:solidFill>
-                <a:prstDash val="solid"/>
-              </a:ln>
-              <a:solidFill>
-                <a:schemeClr val="tx1"/>
-              </a:solidFill>
-              <a:effectLst>
-                <a:outerShdw blurRad="12700" dist="38100" dir="2700000" algn="tl" rotWithShape="0">
-                  <a:schemeClr val="bg1">
-                    <a:lumMod val="50000"/>
-                  </a:schemeClr>
-                </a:outerShdw>
-              </a:effectLst>
-            </a:endParaRPr>
-          </a:p>
-        </p:txBody>
-      </p:sp>
-      <p:sp>
-        <p:nvSpPr>
-          <p:cNvPr id="7" name="Rectangle 6"/>
-          <p:cNvSpPr/>
-          <p:nvPr/>
-        </p:nvSpPr>
-        <p:spPr>
-          <a:xfrm flipH="1">
-            <a:off x="1448974" y="2293034"/>
-            <a:ext cx="2067949" cy="923330"/>
-          </a:xfrm>
-          <a:prstGeom prst="rect">
-            <a:avLst/>
-          </a:prstGeom>
-          <a:noFill/>
-        </p:spPr>
-        <p:txBody>
-          <a:bodyPr wrap="square" lIns="91440" tIns="45720" rIns="91440" bIns="45720">
-            <a:spAutoFit/>
-          </a:bodyPr>
-          <a:lstStyle/>
-          <a:p>
-            <a:pPr algn="ctr"/>
-            <a:r>
-              <a:rPr lang="en-US" sz="5400" b="1" dirty="0" err="1">
-                <a:ln w="9525">
-                  <a:solidFill>
-                    <a:schemeClr val="bg1"/>
-                  </a:solidFill>
-                  <a:prstDash val="solid"/>
-                </a:ln>
-                <a:effectLst>
-                  <a:outerShdw blurRad="12700" dist="38100" dir="2700000" algn="tl" rotWithShape="0">
-                    <a:schemeClr val="bg1">
-                      <a:lumMod val="50000"/>
-                    </a:schemeClr>
-                  </a:outerShdw>
-                </a:effectLst>
-              </a:rPr>
-              <a:t>Xaml</a:t>
-            </a:r>
-            <a:endParaRPr lang="en-US" sz="5400" b="1" cap="none" spc="0" dirty="0">
-              <a:ln w="9525">
-                <a:solidFill>
-                  <a:schemeClr val="bg1"/>
-                </a:solidFill>
-                <a:prstDash val="solid"/>
-              </a:ln>
-              <a:solidFill>
-                <a:schemeClr val="tx1"/>
-              </a:solidFill>
-              <a:effectLst>
-                <a:outerShdw blurRad="12700" dist="38100" dir="2700000" algn="tl" rotWithShape="0">
-                  <a:schemeClr val="bg1">
-                    <a:lumMod val="50000"/>
-                  </a:schemeClr>
-                </a:outerShdw>
-              </a:effectLst>
-            </a:endParaRPr>
-          </a:p>
-        </p:txBody>
-      </p:sp>
-      <p:sp>
-        <p:nvSpPr>
-          <p:cNvPr id="8" name="Rectangle 7"/>
-          <p:cNvSpPr/>
-          <p:nvPr/>
-        </p:nvSpPr>
-        <p:spPr>
-          <a:xfrm rot="19411210">
-            <a:off x="6584528" y="4571249"/>
-            <a:ext cx="1864613" cy="923330"/>
-          </a:xfrm>
-          <a:prstGeom prst="rect">
-            <a:avLst/>
-          </a:prstGeom>
-          <a:noFill/>
-        </p:spPr>
-        <p:txBody>
-          <a:bodyPr wrap="none" lIns="91440" tIns="45720" rIns="91440" bIns="45720">
-            <a:spAutoFit/>
-          </a:bodyPr>
-          <a:lstStyle/>
-          <a:p>
-            <a:pPr algn="ctr"/>
-            <a:r>
-              <a:rPr lang="en-US" sz="5400" b="1" dirty="0">
-                <a:ln w="9525">
-                  <a:solidFill>
-                    <a:schemeClr val="bg1"/>
-                  </a:solidFill>
-                  <a:prstDash val="solid"/>
-                </a:ln>
-                <a:effectLst>
-                  <a:outerShdw blurRad="12700" dist="38100" dir="2700000" algn="tl" rotWithShape="0">
-                    <a:schemeClr val="bg1">
-                      <a:lumMod val="50000"/>
-                    </a:schemeClr>
-                  </a:outerShdw>
-                </a:effectLst>
-              </a:rPr>
-              <a:t>XML</a:t>
-            </a:r>
-            <a:endParaRPr lang="en-US" sz="5400" b="1" cap="none" spc="0" dirty="0">
-              <a:ln w="9525">
-                <a:solidFill>
-                  <a:schemeClr val="bg1"/>
-                </a:solidFill>
-                <a:prstDash val="solid"/>
-              </a:ln>
-              <a:solidFill>
-                <a:schemeClr val="tx1"/>
-              </a:solidFill>
-              <a:effectLst>
-                <a:outerShdw blurRad="12700" dist="38100" dir="2700000" algn="tl" rotWithShape="0">
-                  <a:schemeClr val="bg1">
-                    <a:lumMod val="50000"/>
-                  </a:schemeClr>
-                </a:outerShdw>
-              </a:effectLst>
-            </a:endParaRPr>
+            <a:r>
+              <a:rPr lang="en-US" dirty="0"/>
+              <a:t>Lessons We’ve Learned….So Far!</a:t>
+            </a:r>
+          </a:p>
+          <a:p>
+            <a:r>
+              <a:rPr lang="en-US" dirty="0"/>
+              <a:t>Donna</a:t>
+            </a:r>
           </a:p>
         </p:txBody>
       </p:sp>
     </p:spTree>
     <p:extLst>
       <p:ext uri="{BB962C8B-B14F-4D97-AF65-F5344CB8AC3E}">
-        <p14:creationId xmlns:p14="http://schemas.microsoft.com/office/powerpoint/2010/main" val="2419535605"/>
+        <p14:creationId xmlns:p14="http://schemas.microsoft.com/office/powerpoint/2010/main" val="4229108407"/>
       </p:ext>
     </p:extLst>
   </p:cSld>
@@ -5195,46 +6716,329 @@
           <a:p>
             <a:r>
               <a:rPr lang="en-US" dirty="0"/>
-              <a:t>C# .NET pic showing exaltation over the choice!!!</a:t>
-            </a:r>
-          </a:p>
-        </p:txBody>
-      </p:sp>
-      <p:sp>
-        <p:nvSpPr>
-          <p:cNvPr id="3" name="Picture Placeholder 2"/>
-          <p:cNvSpPr>
-            <a:spLocks noGrp="1"/>
-          </p:cNvSpPr>
-          <p:nvPr>
-            <p:ph type="pic" idx="1"/>
+              <a:t>In The Beginning….</a:t>
+            </a:r>
+          </a:p>
+        </p:txBody>
+      </p:sp>
+      <p:sp>
+        <p:nvSpPr>
+          <p:cNvPr id="3" name="Content Placeholder 2"/>
+          <p:cNvSpPr>
+            <a:spLocks noGrp="1"/>
+          </p:cNvSpPr>
+          <p:nvPr>
+            <p:ph idx="1"/>
           </p:nvPr>
         </p:nvSpPr>
         <p:spPr/>
-      </p:sp>
-      <p:sp>
-        <p:nvSpPr>
-          <p:cNvPr id="4" name="Text Placeholder 3"/>
-          <p:cNvSpPr>
-            <a:spLocks noGrp="1"/>
-          </p:cNvSpPr>
-          <p:nvPr>
-            <p:ph type="body" sz="half" idx="2"/>
-          </p:nvPr>
-        </p:nvSpPr>
-        <p:spPr/>
         <p:txBody>
           <a:bodyPr/>
           <a:lstStyle/>
           <a:p>
             <a:endParaRPr lang="en-US" dirty="0"/>
+          </a:p>
+        </p:txBody>
+      </p:sp>
+      <p:sp>
+        <p:nvSpPr>
+          <p:cNvPr id="4" name="Rectangle 3"/>
+          <p:cNvSpPr/>
+          <p:nvPr/>
+        </p:nvSpPr>
+        <p:spPr>
+          <a:xfrm rot="1406376">
+            <a:off x="6656421" y="2493322"/>
+            <a:ext cx="3147015" cy="923330"/>
+          </a:xfrm>
+          <a:prstGeom prst="rect">
+            <a:avLst/>
+          </a:prstGeom>
+          <a:noFill/>
+        </p:spPr>
+        <p:txBody>
+          <a:bodyPr wrap="none" lIns="91440" tIns="45720" rIns="91440" bIns="45720">
+            <a:spAutoFit/>
+          </a:bodyPr>
+          <a:lstStyle/>
+          <a:p>
+            <a:pPr algn="ctr"/>
+            <a:r>
+              <a:rPr lang="en-US" sz="5400" b="1" cap="none" spc="0" dirty="0">
+                <a:ln w="9525">
+                  <a:solidFill>
+                    <a:schemeClr val="bg1"/>
+                  </a:solidFill>
+                  <a:prstDash val="solid"/>
+                </a:ln>
+                <a:solidFill>
+                  <a:schemeClr val="tx1"/>
+                </a:solidFill>
+                <a:effectLst>
+                  <a:outerShdw blurRad="12700" dist="38100" dir="2700000" algn="tl" rotWithShape="0">
+                    <a:schemeClr val="bg1">
+                      <a:lumMod val="50000"/>
+                    </a:schemeClr>
+                  </a:outerShdw>
+                </a:effectLst>
+              </a:rPr>
+              <a:t>Node.JS</a:t>
+            </a:r>
+          </a:p>
+        </p:txBody>
+      </p:sp>
+      <p:sp>
+        <p:nvSpPr>
+          <p:cNvPr id="5" name="Rectangle 4"/>
+          <p:cNvSpPr/>
+          <p:nvPr/>
+        </p:nvSpPr>
+        <p:spPr>
+          <a:xfrm rot="159960">
+            <a:off x="1576235" y="4004220"/>
+            <a:ext cx="3288081" cy="923330"/>
+          </a:xfrm>
+          <a:prstGeom prst="rect">
+            <a:avLst/>
+          </a:prstGeom>
+          <a:noFill/>
+        </p:spPr>
+        <p:txBody>
+          <a:bodyPr wrap="none" lIns="91440" tIns="45720" rIns="91440" bIns="45720">
+            <a:spAutoFit/>
+          </a:bodyPr>
+          <a:lstStyle/>
+          <a:p>
+            <a:pPr algn="ctr"/>
+            <a:r>
+              <a:rPr lang="en-US" sz="5400" b="1" dirty="0">
+                <a:ln w="9525">
+                  <a:solidFill>
+                    <a:schemeClr val="bg1"/>
+                  </a:solidFill>
+                  <a:prstDash val="solid"/>
+                </a:ln>
+                <a:effectLst>
+                  <a:outerShdw blurRad="12700" dist="38100" dir="2700000" algn="tl" rotWithShape="0">
+                    <a:schemeClr val="bg1">
+                      <a:lumMod val="50000"/>
+                    </a:schemeClr>
+                  </a:outerShdw>
+                </a:effectLst>
+              </a:rPr>
+              <a:t>Electron</a:t>
+            </a:r>
+            <a:endParaRPr lang="en-US" sz="5400" b="1" cap="none" spc="0" dirty="0">
+              <a:ln w="9525">
+                <a:solidFill>
+                  <a:schemeClr val="bg1"/>
+                </a:solidFill>
+                <a:prstDash val="solid"/>
+              </a:ln>
+              <a:solidFill>
+                <a:schemeClr val="tx1"/>
+              </a:solidFill>
+              <a:effectLst>
+                <a:outerShdw blurRad="12700" dist="38100" dir="2700000" algn="tl" rotWithShape="0">
+                  <a:schemeClr val="bg1">
+                    <a:lumMod val="50000"/>
+                  </a:schemeClr>
+                </a:outerShdw>
+              </a:effectLst>
+            </a:endParaRPr>
+          </a:p>
+        </p:txBody>
+      </p:sp>
+      <p:sp>
+        <p:nvSpPr>
+          <p:cNvPr id="6" name="Rectangle 5"/>
+          <p:cNvSpPr/>
+          <p:nvPr/>
+        </p:nvSpPr>
+        <p:spPr>
+          <a:xfrm>
+            <a:off x="5272694" y="2967335"/>
+            <a:ext cx="1646605" cy="923330"/>
+          </a:xfrm>
+          <a:prstGeom prst="rect">
+            <a:avLst/>
+          </a:prstGeom>
+          <a:noFill/>
+        </p:spPr>
+        <p:txBody>
+          <a:bodyPr wrap="none" lIns="91440" tIns="45720" rIns="91440" bIns="45720">
+            <a:spAutoFit/>
+          </a:bodyPr>
+          <a:lstStyle/>
+          <a:p>
+            <a:pPr algn="ctr"/>
+            <a:r>
+              <a:rPr lang="en-US" sz="5400" b="1" dirty="0" err="1">
+                <a:ln w="9525">
+                  <a:solidFill>
+                    <a:schemeClr val="bg1"/>
+                  </a:solidFill>
+                  <a:prstDash val="solid"/>
+                </a:ln>
+                <a:effectLst>
+                  <a:outerShdw blurRad="12700" dist="38100" dir="2700000" algn="tl" rotWithShape="0">
+                    <a:schemeClr val="bg1">
+                      <a:lumMod val="50000"/>
+                    </a:schemeClr>
+                  </a:outerShdw>
+                </a:effectLst>
+              </a:rPr>
+              <a:t>.Net</a:t>
+            </a:r>
+            <a:endParaRPr lang="en-US" sz="5400" b="1" cap="none" spc="0" dirty="0">
+              <a:ln w="9525">
+                <a:solidFill>
+                  <a:schemeClr val="bg1"/>
+                </a:solidFill>
+                <a:prstDash val="solid"/>
+              </a:ln>
+              <a:solidFill>
+                <a:schemeClr val="tx1"/>
+              </a:solidFill>
+              <a:effectLst>
+                <a:outerShdw blurRad="12700" dist="38100" dir="2700000" algn="tl" rotWithShape="0">
+                  <a:schemeClr val="bg1">
+                    <a:lumMod val="50000"/>
+                  </a:schemeClr>
+                </a:outerShdw>
+              </a:effectLst>
+            </a:endParaRPr>
+          </a:p>
+        </p:txBody>
+      </p:sp>
+      <p:sp>
+        <p:nvSpPr>
+          <p:cNvPr id="7" name="Rectangle 6"/>
+          <p:cNvSpPr/>
+          <p:nvPr/>
+        </p:nvSpPr>
+        <p:spPr>
+          <a:xfrm flipH="1">
+            <a:off x="1448974" y="2293034"/>
+            <a:ext cx="2067949" cy="923330"/>
+          </a:xfrm>
+          <a:prstGeom prst="rect">
+            <a:avLst/>
+          </a:prstGeom>
+          <a:noFill/>
+        </p:spPr>
+        <p:txBody>
+          <a:bodyPr wrap="square" lIns="91440" tIns="45720" rIns="91440" bIns="45720">
+            <a:spAutoFit/>
+          </a:bodyPr>
+          <a:lstStyle/>
+          <a:p>
+            <a:pPr algn="ctr"/>
+            <a:r>
+              <a:rPr lang="en-US" sz="5400" b="1" dirty="0" err="1">
+                <a:ln w="9525">
+                  <a:solidFill>
+                    <a:schemeClr val="bg1"/>
+                  </a:solidFill>
+                  <a:prstDash val="solid"/>
+                </a:ln>
+                <a:effectLst>
+                  <a:outerShdw blurRad="12700" dist="38100" dir="2700000" algn="tl" rotWithShape="0">
+                    <a:schemeClr val="bg1">
+                      <a:lumMod val="50000"/>
+                    </a:schemeClr>
+                  </a:outerShdw>
+                </a:effectLst>
+              </a:rPr>
+              <a:t>Xaml</a:t>
+            </a:r>
+            <a:endParaRPr lang="en-US" sz="5400" b="1" cap="none" spc="0" dirty="0">
+              <a:ln w="9525">
+                <a:solidFill>
+                  <a:schemeClr val="bg1"/>
+                </a:solidFill>
+                <a:prstDash val="solid"/>
+              </a:ln>
+              <a:solidFill>
+                <a:schemeClr val="tx1"/>
+              </a:solidFill>
+              <a:effectLst>
+                <a:outerShdw blurRad="12700" dist="38100" dir="2700000" algn="tl" rotWithShape="0">
+                  <a:schemeClr val="bg1">
+                    <a:lumMod val="50000"/>
+                  </a:schemeClr>
+                </a:outerShdw>
+              </a:effectLst>
+            </a:endParaRPr>
+          </a:p>
+        </p:txBody>
+      </p:sp>
+      <p:sp>
+        <p:nvSpPr>
+          <p:cNvPr id="8" name="Rectangle 7"/>
+          <p:cNvSpPr/>
+          <p:nvPr/>
+        </p:nvSpPr>
+        <p:spPr>
+          <a:xfrm rot="19411210">
+            <a:off x="6584528" y="4571249"/>
+            <a:ext cx="1864613" cy="923330"/>
+          </a:xfrm>
+          <a:prstGeom prst="rect">
+            <a:avLst/>
+          </a:prstGeom>
+          <a:noFill/>
+        </p:spPr>
+        <p:txBody>
+          <a:bodyPr wrap="none" lIns="91440" tIns="45720" rIns="91440" bIns="45720">
+            <a:spAutoFit/>
+          </a:bodyPr>
+          <a:lstStyle/>
+          <a:p>
+            <a:pPr algn="ctr"/>
+            <a:r>
+              <a:rPr lang="en-US" sz="5400" b="1" dirty="0">
+                <a:ln w="9525">
+                  <a:solidFill>
+                    <a:schemeClr val="bg1"/>
+                  </a:solidFill>
+                  <a:prstDash val="solid"/>
+                </a:ln>
+                <a:effectLst>
+                  <a:outerShdw blurRad="12700" dist="38100" dir="2700000" algn="tl" rotWithShape="0">
+                    <a:schemeClr val="bg1">
+                      <a:lumMod val="50000"/>
+                    </a:schemeClr>
+                  </a:outerShdw>
+                </a:effectLst>
+              </a:rPr>
+              <a:t>XML</a:t>
+            </a:r>
+            <a:endParaRPr lang="en-US" sz="5400" b="1" cap="none" spc="0" dirty="0">
+              <a:ln w="9525">
+                <a:solidFill>
+                  <a:schemeClr val="bg1"/>
+                </a:solidFill>
+                <a:prstDash val="solid"/>
+              </a:ln>
+              <a:solidFill>
+                <a:schemeClr val="tx1"/>
+              </a:solidFill>
+              <a:effectLst>
+                <a:outerShdw blurRad="12700" dist="38100" dir="2700000" algn="tl" rotWithShape="0">
+                  <a:schemeClr val="bg1">
+                    <a:lumMod val="50000"/>
+                  </a:schemeClr>
+                </a:outerShdw>
+              </a:effectLst>
+            </a:endParaRPr>
           </a:p>
         </p:txBody>
       </p:sp>
     </p:spTree>
     <p:extLst>
       <p:ext uri="{BB962C8B-B14F-4D97-AF65-F5344CB8AC3E}">
-        <p14:creationId xmlns:p14="http://schemas.microsoft.com/office/powerpoint/2010/main" val="847822411"/>
+        <p14:creationId xmlns:p14="http://schemas.microsoft.com/office/powerpoint/2010/main" val="2419535605"/>
       </p:ext>
     </p:extLst>
   </p:cSld>
@@ -5263,67 +7067,62 @@
       </p:grpSpPr>
       <p:sp>
         <p:nvSpPr>
-          <p:cNvPr id="2" name="Title 1"/>
-          <p:cNvSpPr>
-            <a:spLocks noGrp="1"/>
-          </p:cNvSpPr>
-          <p:nvPr>
-            <p:ph type="title"/>
-          </p:nvPr>
-        </p:nvSpPr>
-        <p:spPr/>
-        <p:txBody>
-          <a:bodyPr/>
-          <a:lstStyle/>
-          <a:p>
-            <a:r>
-              <a:rPr lang="en-US" dirty="0"/>
-              <a:t>	.NET!!</a:t>
-            </a:r>
-          </a:p>
-        </p:txBody>
-      </p:sp>
-      <p:sp>
-        <p:nvSpPr>
-          <p:cNvPr id="3" name="Content Placeholder 2"/>
-          <p:cNvSpPr>
-            <a:spLocks noGrp="1"/>
-          </p:cNvSpPr>
-          <p:nvPr>
-            <p:ph idx="1"/>
-          </p:nvPr>
-        </p:nvSpPr>
-        <p:spPr>
+          <p:cNvPr id="11" name="Rectangle 10"/>
+          <p:cNvSpPr>
+            <a:spLocks noGrp="1" noRot="1" noChangeAspect="1" noMove="1" noResize="1" noEditPoints="1" noAdjustHandles="1" noChangeArrowheads="1" noChangeShapeType="1" noTextEdit="1"/>
+          </p:cNvSpPr>
+          <p:nvPr>
+            <p:extLst>
+              <p:ext uri="{386F3935-93C4-4BCD-93E2-E3B085C9AB24}">
+                <p16:designElem xmlns:p16="http://schemas.microsoft.com/office/powerpoint/2015/main" val="1"/>
+              </p:ext>
+            </p:extLst>
+          </p:nvPr>
+        </p:nvSpPr>
+        <p:spPr bwMode="white">
           <a:xfrm>
-            <a:off x="1329396" y="1763285"/>
-            <a:ext cx="8595360" cy="4351337"/>
-          </a:xfrm>
-        </p:spPr>
-        <p:txBody>
-          <a:bodyPr/>
-          <a:lstStyle/>
-          <a:p>
-            <a:r>
-              <a:rPr lang="en-US" dirty="0"/>
-              <a:t>Toolbox </a:t>
-            </a:r>
-          </a:p>
-        </p:txBody>
-      </p:sp>
-      <p:sp>
-        <p:nvSpPr>
-          <p:cNvPr id="4" name="Arrow: Right 3"/>
-          <p:cNvSpPr/>
-          <p:nvPr/>
-        </p:nvSpPr>
-        <p:spPr>
-          <a:xfrm>
-            <a:off x="2082019" y="2335238"/>
-            <a:ext cx="998806" cy="407962"/>
-          </a:xfrm>
-          <a:prstGeom prst="rightArrow">
+            <a:off x="0" y="0"/>
+            <a:ext cx="12192000" cy="6858000"/>
+          </a:xfrm>
+          <a:prstGeom prst="rect">
             <a:avLst/>
           </a:prstGeom>
+          <a:solidFill>
+            <a:schemeClr val="bg2">
+              <a:lumMod val="75000"/>
+            </a:schemeClr>
+          </a:solidFill>
+          <a:effectLst/>
+        </p:spPr>
+      </p:sp>
+      <p:sp>
+        <p:nvSpPr>
+          <p:cNvPr id="13" name="Rectangle 12"/>
+          <p:cNvSpPr>
+            <a:spLocks noGrp="1" noRot="1" noChangeAspect="1" noMove="1" noResize="1" noEditPoints="1" noAdjustHandles="1" noChangeArrowheads="1" noChangeShapeType="1" noTextEdit="1"/>
+          </p:cNvSpPr>
+          <p:nvPr>
+            <p:extLst>
+              <p:ext uri="{386F3935-93C4-4BCD-93E2-E3B085C9AB24}">
+                <p16:designElem xmlns:p16="http://schemas.microsoft.com/office/powerpoint/2015/main" val="1"/>
+              </p:ext>
+            </p:extLst>
+          </p:nvPr>
+        </p:nvSpPr>
+        <p:spPr>
+          <a:xfrm>
+            <a:off x="0" y="0"/>
+            <a:ext cx="457200" cy="6858000"/>
+          </a:xfrm>
+          <a:prstGeom prst="rect">
+            <a:avLst/>
+          </a:prstGeom>
+          <a:solidFill>
+            <a:schemeClr val="accent1"/>
+          </a:solidFill>
+          <a:ln>
+            <a:noFill/>
+          </a:ln>
         </p:spPr>
         <p:style>
           <a:lnRef idx="2">
@@ -5341,447 +7140,93 @@
             <a:schemeClr val="lt1"/>
           </a:fontRef>
         </p:style>
-        <p:txBody>
-          <a:bodyPr rtlCol="0" anchor="ctr"/>
-          <a:lstStyle/>
-          <a:p>
-            <a:pPr algn="ctr"/>
-            <a:endParaRPr lang="en-US"/>
-          </a:p>
-        </p:txBody>
-      </p:sp>
-      <p:sp>
-        <p:nvSpPr>
-          <p:cNvPr id="5" name="Arrow: Down 4"/>
-          <p:cNvSpPr/>
-          <p:nvPr/>
-        </p:nvSpPr>
+      </p:sp>
+      <p:pic>
+        <p:nvPicPr>
+          <p:cNvPr id="6" name="Picture Placeholder 5"/>
+          <p:cNvPicPr>
+            <a:picLocks noGrp="1" noChangeAspect="1"/>
+          </p:cNvPicPr>
+          <p:nvPr>
+            <p:ph type="pic" idx="1"/>
+          </p:nvPr>
+        </p:nvPicPr>
+        <p:blipFill rotWithShape="1">
+          <a:blip r:embed="rId2"/>
+          <a:srcRect t="3660" r="-2" b="-2"/>
+          <a:stretch/>
+        </p:blipFill>
         <p:spPr>
           <a:xfrm>
-            <a:off x="2757269" y="3094893"/>
-            <a:ext cx="773722" cy="1026941"/>
-          </a:xfrm>
-          <a:prstGeom prst="downArrow">
-            <a:avLst/>
-          </a:prstGeom>
-        </p:spPr>
-        <p:style>
-          <a:lnRef idx="2">
-            <a:schemeClr val="accent1">
-              <a:shade val="50000"/>
-            </a:schemeClr>
-          </a:lnRef>
-          <a:fillRef idx="1">
-            <a:schemeClr val="accent1"/>
-          </a:fillRef>
-          <a:effectRef idx="0">
-            <a:schemeClr val="accent1"/>
-          </a:effectRef>
-          <a:fontRef idx="minor">
-            <a:schemeClr val="lt1"/>
-          </a:fontRef>
-        </p:style>
-        <p:txBody>
-          <a:bodyPr rtlCol="0" anchor="ctr"/>
-          <a:lstStyle/>
-          <a:p>
-            <a:pPr algn="ctr"/>
-            <a:endParaRPr lang="en-US"/>
-          </a:p>
-        </p:txBody>
-      </p:sp>
-      <p:sp>
-        <p:nvSpPr>
-          <p:cNvPr id="6" name="TextBox 5"/>
-          <p:cNvSpPr txBox="1"/>
-          <p:nvPr/>
-        </p:nvSpPr>
-        <p:spPr>
-          <a:xfrm>
-            <a:off x="3530992" y="4643962"/>
-            <a:ext cx="1083212" cy="369332"/>
+            <a:off x="442453" y="10"/>
+            <a:ext cx="7118554" cy="6857990"/>
           </a:xfrm>
           <a:prstGeom prst="rect">
             <a:avLst/>
           </a:prstGeom>
-          <a:noFill/>
-        </p:spPr>
-        <p:txBody>
-          <a:bodyPr wrap="square" rtlCol="0">
-            <a:spAutoFit/>
+        </p:spPr>
+      </p:pic>
+      <p:sp>
+        <p:nvSpPr>
+          <p:cNvPr id="2" name="Title 1"/>
+          <p:cNvSpPr>
+            <a:spLocks noGrp="1"/>
+          </p:cNvSpPr>
+          <p:nvPr>
+            <p:ph type="title"/>
+          </p:nvPr>
+        </p:nvSpPr>
+        <p:spPr>
+          <a:xfrm>
+            <a:off x="8180438" y="758952"/>
+            <a:ext cx="2853005" cy="4041648"/>
+          </a:xfrm>
+        </p:spPr>
+        <p:txBody>
+          <a:bodyPr vert="horz" lIns="91440" tIns="45720" rIns="91440" bIns="45720" rtlCol="0" anchor="b">
+            <a:normAutofit/>
           </a:bodyPr>
           <a:lstStyle/>
           <a:p>
-            <a:r>
-              <a:rPr lang="en-US" dirty="0"/>
-              <a:t>Style</a:t>
-            </a:r>
-          </a:p>
-        </p:txBody>
-      </p:sp>
-      <p:sp>
-        <p:nvSpPr>
-          <p:cNvPr id="7" name="TextBox 6"/>
-          <p:cNvSpPr txBox="1"/>
-          <p:nvPr/>
-        </p:nvSpPr>
-        <p:spPr>
-          <a:xfrm>
-            <a:off x="4135903" y="5190978"/>
-            <a:ext cx="1617784" cy="369332"/>
-          </a:xfrm>
-          <a:prstGeom prst="rect">
-            <a:avLst/>
-          </a:prstGeom>
-          <a:noFill/>
-        </p:spPr>
-        <p:txBody>
-          <a:bodyPr wrap="square" rtlCol="0">
-            <a:spAutoFit/>
-          </a:bodyPr>
-          <a:lstStyle/>
-          <a:p>
-            <a:r>
-              <a:rPr lang="en-US" dirty="0"/>
-              <a:t>Double-Click</a:t>
-            </a:r>
-          </a:p>
-        </p:txBody>
-      </p:sp>
-      <p:sp>
-        <p:nvSpPr>
-          <p:cNvPr id="8" name="TextBox 7"/>
-          <p:cNvSpPr txBox="1"/>
-          <p:nvPr/>
-        </p:nvSpPr>
-        <p:spPr>
-          <a:xfrm>
-            <a:off x="5570806" y="5560310"/>
-            <a:ext cx="2391508" cy="369332"/>
-          </a:xfrm>
-          <a:prstGeom prst="rect">
-            <a:avLst/>
-          </a:prstGeom>
-          <a:noFill/>
-        </p:spPr>
-        <p:txBody>
-          <a:bodyPr wrap="square" rtlCol="0">
-            <a:spAutoFit/>
-          </a:bodyPr>
-          <a:lstStyle/>
-          <a:p>
-            <a:r>
-              <a:rPr lang="en-US" dirty="0"/>
-              <a:t>Event-Handler/Code</a:t>
-            </a:r>
-          </a:p>
-        </p:txBody>
-      </p:sp>
-      <p:sp>
-        <p:nvSpPr>
-          <p:cNvPr id="9" name="Rectangle 8"/>
-          <p:cNvSpPr/>
-          <p:nvPr/>
-        </p:nvSpPr>
-        <p:spPr>
-          <a:xfrm>
-            <a:off x="8144216" y="5905078"/>
-            <a:ext cx="2262158" cy="923330"/>
-          </a:xfrm>
-          <a:prstGeom prst="rect">
-            <a:avLst/>
-          </a:prstGeom>
-          <a:noFill/>
-        </p:spPr>
-        <p:txBody>
-          <a:bodyPr wrap="none" lIns="91440" tIns="45720" rIns="91440" bIns="45720">
-            <a:spAutoFit/>
-          </a:bodyPr>
-          <a:lstStyle/>
-          <a:p>
-            <a:pPr algn="ctr"/>
-            <a:r>
-              <a:rPr lang="en-US" sz="5400" b="1" dirty="0">
-                <a:ln w="9525">
-                  <a:solidFill>
-                    <a:schemeClr val="bg1"/>
-                  </a:solidFill>
-                  <a:prstDash val="solid"/>
-                </a:ln>
-                <a:effectLst>
-                  <a:outerShdw blurRad="12700" dist="38100" dir="2700000" algn="tl" rotWithShape="0">
-                    <a:schemeClr val="bg1">
-                      <a:lumMod val="50000"/>
-                    </a:schemeClr>
-                  </a:outerShdw>
-                </a:effectLst>
+            <a:pPr>
+              <a:lnSpc>
+                <a:spcPct val="85000"/>
+              </a:lnSpc>
+            </a:pPr>
+            <a:r>
+              <a:rPr lang="en-US" sz="6000" dirty="0">
+                <a:solidFill>
+                  <a:schemeClr val="tx1"/>
+                </a:solidFill>
               </a:rPr>
-              <a:t>Done!</a:t>
-            </a:r>
-            <a:endParaRPr lang="en-US" sz="5400" b="1" cap="none" spc="0" dirty="0">
-              <a:ln w="9525">
-                <a:solidFill>
-                  <a:schemeClr val="bg1"/>
-                </a:solidFill>
-                <a:prstDash val="solid"/>
-              </a:ln>
-              <a:solidFill>
-                <a:schemeClr val="tx1"/>
-              </a:solidFill>
-              <a:effectLst>
-                <a:outerShdw blurRad="12700" dist="38100" dir="2700000" algn="tl" rotWithShape="0">
-                  <a:schemeClr val="bg1">
-                    <a:lumMod val="50000"/>
-                  </a:schemeClr>
-                </a:outerShdw>
-              </a:effectLst>
-            </a:endParaRPr>
-          </a:p>
-        </p:txBody>
-      </p:sp>
-      <p:cxnSp>
-        <p:nvCxnSpPr>
-          <p:cNvPr id="11" name="Connector: Elbow 10"/>
-          <p:cNvCxnSpPr>
-            <a:cxnSpLocks/>
-          </p:cNvCxnSpPr>
-          <p:nvPr/>
-        </p:nvCxnSpPr>
-        <p:spPr>
-          <a:xfrm>
-            <a:off x="1871003" y="2166425"/>
-            <a:ext cx="2264900" cy="685507"/>
-          </a:xfrm>
-          <a:prstGeom prst="bentConnector3">
-            <a:avLst>
-              <a:gd name="adj1" fmla="val 64286"/>
-            </a:avLst>
-          </a:prstGeom>
-          <a:ln>
-            <a:tailEnd type="triangle"/>
-          </a:ln>
-        </p:spPr>
-        <p:style>
-          <a:lnRef idx="1">
-            <a:schemeClr val="accent1"/>
-          </a:lnRef>
-          <a:fillRef idx="0">
-            <a:schemeClr val="accent1"/>
-          </a:fillRef>
-          <a:effectRef idx="0">
-            <a:schemeClr val="accent1"/>
-          </a:effectRef>
-          <a:fontRef idx="minor">
-            <a:schemeClr val="tx1"/>
-          </a:fontRef>
-        </p:style>
-      </p:cxnSp>
-      <p:cxnSp>
-        <p:nvCxnSpPr>
-          <p:cNvPr id="15" name="Straight Arrow Connector 14"/>
-          <p:cNvCxnSpPr/>
-          <p:nvPr/>
-        </p:nvCxnSpPr>
-        <p:spPr>
-          <a:xfrm>
-            <a:off x="4135903" y="2917209"/>
-            <a:ext cx="0" cy="1549069"/>
-          </a:xfrm>
-          <a:prstGeom prst="straightConnector1">
-            <a:avLst/>
-          </a:prstGeom>
-          <a:ln>
-            <a:tailEnd type="triangle"/>
-          </a:ln>
-        </p:spPr>
-        <p:style>
-          <a:lnRef idx="1">
-            <a:schemeClr val="accent1"/>
-          </a:lnRef>
-          <a:fillRef idx="0">
-            <a:schemeClr val="accent1"/>
-          </a:fillRef>
-          <a:effectRef idx="0">
-            <a:schemeClr val="accent1"/>
-          </a:effectRef>
-          <a:fontRef idx="minor">
-            <a:schemeClr val="tx1"/>
-          </a:fontRef>
-        </p:style>
-      </p:cxnSp>
-      <p:cxnSp>
-        <p:nvCxnSpPr>
-          <p:cNvPr id="17" name="Connector: Elbow 16"/>
-          <p:cNvCxnSpPr/>
-          <p:nvPr/>
-        </p:nvCxnSpPr>
-        <p:spPr>
-          <a:xfrm>
-            <a:off x="4135903" y="4501662"/>
-            <a:ext cx="4008313" cy="873982"/>
-          </a:xfrm>
-          <a:prstGeom prst="bentConnector3">
-            <a:avLst/>
-          </a:prstGeom>
-          <a:ln>
-            <a:tailEnd type="triangle"/>
-          </a:ln>
-        </p:spPr>
-        <p:style>
-          <a:lnRef idx="1">
-            <a:schemeClr val="accent1"/>
-          </a:lnRef>
-          <a:fillRef idx="0">
-            <a:schemeClr val="accent1"/>
-          </a:fillRef>
-          <a:effectRef idx="0">
-            <a:schemeClr val="accent1"/>
-          </a:effectRef>
-          <a:fontRef idx="minor">
-            <a:schemeClr val="tx1"/>
-          </a:fontRef>
-        </p:style>
-      </p:cxnSp>
-      <p:cxnSp>
-        <p:nvCxnSpPr>
-          <p:cNvPr id="22" name="Straight Arrow Connector 21"/>
-          <p:cNvCxnSpPr>
-            <a:cxnSpLocks/>
-          </p:cNvCxnSpPr>
-          <p:nvPr/>
-        </p:nvCxnSpPr>
-        <p:spPr>
-          <a:xfrm>
-            <a:off x="8144216" y="5375644"/>
-            <a:ext cx="901310" cy="628222"/>
-          </a:xfrm>
-          <a:prstGeom prst="straightConnector1">
-            <a:avLst/>
-          </a:prstGeom>
-          <a:ln>
-            <a:tailEnd type="triangle"/>
-          </a:ln>
-        </p:spPr>
-        <p:style>
-          <a:lnRef idx="1">
-            <a:schemeClr val="accent1"/>
-          </a:lnRef>
-          <a:fillRef idx="0">
-            <a:schemeClr val="accent1"/>
-          </a:fillRef>
-          <a:effectRef idx="0">
-            <a:schemeClr val="accent1"/>
-          </a:effectRef>
-          <a:fontRef idx="minor">
-            <a:schemeClr val="tx1"/>
-          </a:fontRef>
-        </p:style>
-      </p:cxnSp>
-      <p:sp>
-        <p:nvSpPr>
-          <p:cNvPr id="23" name="TextBox 22"/>
-          <p:cNvSpPr txBox="1"/>
-          <p:nvPr/>
-        </p:nvSpPr>
-        <p:spPr>
-          <a:xfrm>
-            <a:off x="1983545" y="2851932"/>
-            <a:ext cx="914400" cy="369332"/>
-          </a:xfrm>
-          <a:prstGeom prst="rect">
-            <a:avLst/>
-          </a:prstGeom>
-          <a:noFill/>
-        </p:spPr>
-        <p:txBody>
-          <a:bodyPr wrap="square" rtlCol="0">
-            <a:spAutoFit/>
-          </a:bodyPr>
-          <a:lstStyle/>
-          <a:p>
-            <a:r>
-              <a:rPr lang="en-US" dirty="0"/>
-              <a:t>Drag</a:t>
-            </a:r>
-          </a:p>
-        </p:txBody>
-      </p:sp>
-      <p:sp>
-        <p:nvSpPr>
-          <p:cNvPr id="24" name="TextBox 23"/>
-          <p:cNvSpPr txBox="1"/>
-          <p:nvPr/>
-        </p:nvSpPr>
-        <p:spPr>
-          <a:xfrm>
-            <a:off x="2497016" y="4109395"/>
-            <a:ext cx="1396217" cy="369332"/>
-          </a:xfrm>
-          <a:prstGeom prst="rect">
-            <a:avLst/>
-          </a:prstGeom>
-          <a:noFill/>
-        </p:spPr>
-        <p:txBody>
-          <a:bodyPr wrap="square" rtlCol="0">
-            <a:spAutoFit/>
-          </a:bodyPr>
-          <a:lstStyle/>
-          <a:p>
-            <a:r>
-              <a:rPr lang="en-US" dirty="0"/>
-              <a:t>Drop</a:t>
-            </a:r>
-          </a:p>
-        </p:txBody>
-      </p:sp>
-      <p:sp>
-        <p:nvSpPr>
-          <p:cNvPr id="27" name="Smiley Face 26"/>
-          <p:cNvSpPr/>
-          <p:nvPr/>
-        </p:nvSpPr>
-        <p:spPr>
-          <a:xfrm>
-            <a:off x="4614204" y="872197"/>
-            <a:ext cx="2363371" cy="1979735"/>
-          </a:xfrm>
-          <a:prstGeom prst="smileyFace">
-            <a:avLst/>
-          </a:prstGeom>
-          <a:solidFill>
-            <a:srgbClr val="FFFF00"/>
-          </a:solidFill>
-        </p:spPr>
-        <p:style>
-          <a:lnRef idx="2">
-            <a:schemeClr val="accent1">
-              <a:shade val="50000"/>
-            </a:schemeClr>
-          </a:lnRef>
-          <a:fillRef idx="1">
-            <a:schemeClr val="accent1"/>
-          </a:fillRef>
-          <a:effectRef idx="0">
-            <a:schemeClr val="accent1"/>
-          </a:effectRef>
-          <a:fontRef idx="minor">
-            <a:schemeClr val="lt1"/>
-          </a:fontRef>
-        </p:style>
-        <p:txBody>
-          <a:bodyPr rtlCol="0" anchor="ctr"/>
-          <a:lstStyle/>
-          <a:p>
-            <a:pPr algn="ctr"/>
-            <a:endParaRPr lang="en-US"/>
+              <a:t>C# .NET !!</a:t>
+            </a:r>
+          </a:p>
+        </p:txBody>
+      </p:sp>
+      <p:sp>
+        <p:nvSpPr>
+          <p:cNvPr id="4" name="Text Placeholder 3"/>
+          <p:cNvSpPr>
+            <a:spLocks noGrp="1"/>
+          </p:cNvSpPr>
+          <p:nvPr>
+            <p:ph type="body" sz="half" idx="2"/>
+          </p:nvPr>
+        </p:nvSpPr>
+        <p:spPr/>
+        <p:txBody>
+          <a:bodyPr/>
+          <a:lstStyle/>
+          <a:p>
+            <a:endParaRPr lang="en-US" dirty="0"/>
           </a:p>
         </p:txBody>
       </p:sp>
     </p:spTree>
     <p:extLst>
       <p:ext uri="{BB962C8B-B14F-4D97-AF65-F5344CB8AC3E}">
-        <p14:creationId xmlns:p14="http://schemas.microsoft.com/office/powerpoint/2010/main" val="2839867683"/>
+        <p14:creationId xmlns:p14="http://schemas.microsoft.com/office/powerpoint/2010/main" val="847822411"/>
       </p:ext>
     </p:extLst>
   </p:cSld>

--- a/Admin and Documentation/Radio Systems.pptx
+++ b/Admin and Documentation/Radio Systems.pptx
@@ -5972,6 +5972,72 @@
           </a:prstGeom>
         </p:spPr>
       </p:pic>
+      <p:pic>
+        <p:nvPicPr>
+          <p:cNvPr id="3" name="Media2 (mp3cut.net)">
+            <a:hlinkClick r:id="" action="ppaction://media"/>
+          </p:cNvPr>
+          <p:cNvPicPr>
+            <a:picLocks noChangeAspect="1"/>
+          </p:cNvPicPr>
+          <p:nvPr>
+            <a:audioFile r:link="rId4"/>
+            <p:extLst>
+              <p:ext uri="{DAA4B4D4-6D71-4841-9C94-3DE7FCFB9230}">
+                <p14:media xmlns:p14="http://schemas.microsoft.com/office/powerpoint/2010/main" r:embed="rId3"/>
+              </p:ext>
+            </p:extLst>
+          </p:nvPr>
+        </p:nvPicPr>
+        <p:blipFill>
+          <a:blip r:embed="rId6"/>
+          <a:stretch>
+            <a:fillRect/>
+          </a:stretch>
+        </p:blipFill>
+        <p:spPr>
+          <a:xfrm>
+            <a:off x="5791200" y="3124200"/>
+            <a:ext cx="609600" cy="609600"/>
+          </a:xfrm>
+          <a:prstGeom prst="rect">
+            <a:avLst/>
+          </a:prstGeom>
+        </p:spPr>
+      </p:pic>
+      <p:pic>
+        <p:nvPicPr>
+          <p:cNvPr id="9" name="Media2 (mp3cut.net)">
+            <a:hlinkClick r:id="" action="ppaction://media"/>
+          </p:cNvPr>
+          <p:cNvPicPr>
+            <a:picLocks noChangeAspect="1"/>
+          </p:cNvPicPr>
+          <p:nvPr>
+            <a:audioFile r:link="rId4"/>
+            <p:extLst>
+              <p:ext uri="{DAA4B4D4-6D71-4841-9C94-3DE7FCFB9230}">
+                <p14:media xmlns:p14="http://schemas.microsoft.com/office/powerpoint/2010/main" r:embed="rId3"/>
+              </p:ext>
+            </p:extLst>
+          </p:nvPr>
+        </p:nvPicPr>
+        <p:blipFill>
+          <a:blip r:embed="rId6"/>
+          <a:stretch>
+            <a:fillRect/>
+          </a:stretch>
+        </p:blipFill>
+        <p:spPr>
+          <a:xfrm>
+            <a:off x="5791200" y="3124200"/>
+            <a:ext cx="609600" cy="609600"/>
+          </a:xfrm>
+          <a:prstGeom prst="rect">
+            <a:avLst/>
+          </a:prstGeom>
+        </p:spPr>
+      </p:pic>
     </p:spTree>
     <p:extLst>
       <p:ext uri="{BB962C8B-B14F-4D97-AF65-F5344CB8AC3E}">
@@ -5982,14 +6048,14 @@
   <p:clrMapOvr>
     <a:masterClrMapping/>
   </p:clrMapOvr>
-  <mc:AlternateContent xmlns:mc="http://schemas.openxmlformats.org/markup-compatibility/2006" xmlns:p159="http://schemas.microsoft.com/office/powerpoint/2015/09/main">
-    <mc:Choice Requires="p159">
-      <p:transition xmlns:p14="http://schemas.microsoft.com/office/powerpoint/2010/main" spd="slow" p14:dur="2000">
+  <mc:AlternateContent xmlns:mc="http://schemas.openxmlformats.org/markup-compatibility/2006">
+    <mc:Choice xmlns:p159="http://schemas.microsoft.com/office/powerpoint/2015/09/main" Requires="p159">
+      <p:transition xmlns:p14="http://schemas.microsoft.com/office/powerpoint/2010/main" spd="slow" p14:dur="2000" advTm="0">
         <p159:morph option="byObject"/>
       </p:transition>
     </mc:Choice>
-    <mc:Fallback xmlns="">
-      <p:transition spd="slow">
+    <mc:Fallback>
+      <p:transition spd="slow" advTm="0">
         <p:fade/>
       </p:transition>
     </mc:Fallback>
@@ -6015,14 +6081,309 @@
                             </p:stCondLst>
                             <p:childTnLst>
                               <p:par>
-                                <p:cTn id="5" presetID="2" presetClass="entr" presetSubtype="4" fill="hold" nodeType="clickEffect">
+                                <p:cTn id="5" presetID="1" presetClass="mediacall" presetSubtype="0" fill="hold" nodeType="clickEffect">
+                                  <p:stCondLst>
+                                    <p:cond delay="0"/>
+                                  </p:stCondLst>
+                                  <p:childTnLst>
+                                    <p:cmd type="call" cmd="playFrom(0.0)">
+                                      <p:cBhvr>
+                                        <p:cTn id="6" dur="13378" fill="hold"/>
+                                        <p:tgtEl>
+                                          <p:spTgt spid="9"/>
+                                        </p:tgtEl>
+                                      </p:cBhvr>
+                                    </p:cmd>
+                                  </p:childTnLst>
+                                </p:cTn>
+                              </p:par>
+                              <p:par>
+                                <p:cTn id="7" presetID="42" presetClass="entr" presetSubtype="0" fill="hold" nodeType="withEffect">
                                   <p:stCondLst>
                                     <p:cond delay="0"/>
                                   </p:stCondLst>
                                   <p:childTnLst>
                                     <p:set>
                                       <p:cBhvr>
-                                        <p:cTn id="6" dur="1" fill="hold">
+                                        <p:cTn id="8" dur="1" fill="hold">
+                                          <p:stCondLst>
+                                            <p:cond delay="0"/>
+                                          </p:stCondLst>
+                                        </p:cTn>
+                                        <p:tgtEl>
+                                          <p:spTgt spid="23"/>
+                                        </p:tgtEl>
+                                        <p:attrNameLst>
+                                          <p:attrName>style.visibility</p:attrName>
+                                        </p:attrNameLst>
+                                      </p:cBhvr>
+                                      <p:to>
+                                        <p:strVal val="visible"/>
+                                      </p:to>
+                                    </p:set>
+                                    <p:animEffect transition="in" filter="fade">
+                                      <p:cBhvr>
+                                        <p:cTn id="9" dur="2000"/>
+                                        <p:tgtEl>
+                                          <p:spTgt spid="23"/>
+                                        </p:tgtEl>
+                                      </p:cBhvr>
+                                    </p:animEffect>
+                                    <p:anim calcmode="lin" valueType="num">
+                                      <p:cBhvr>
+                                        <p:cTn id="10" dur="2000" fill="hold"/>
+                                        <p:tgtEl>
+                                          <p:spTgt spid="23"/>
+                                        </p:tgtEl>
+                                        <p:attrNameLst>
+                                          <p:attrName>ppt_x</p:attrName>
+                                        </p:attrNameLst>
+                                      </p:cBhvr>
+                                      <p:tavLst>
+                                        <p:tav tm="0">
+                                          <p:val>
+                                            <p:strVal val="#ppt_x"/>
+                                          </p:val>
+                                        </p:tav>
+                                        <p:tav tm="100000">
+                                          <p:val>
+                                            <p:strVal val="#ppt_x"/>
+                                          </p:val>
+                                        </p:tav>
+                                      </p:tavLst>
+                                    </p:anim>
+                                    <p:anim calcmode="lin" valueType="num">
+                                      <p:cBhvr>
+                                        <p:cTn id="11" dur="2000" fill="hold"/>
+                                        <p:tgtEl>
+                                          <p:spTgt spid="23"/>
+                                        </p:tgtEl>
+                                        <p:attrNameLst>
+                                          <p:attrName>ppt_y</p:attrName>
+                                        </p:attrNameLst>
+                                      </p:cBhvr>
+                                      <p:tavLst>
+                                        <p:tav tm="0">
+                                          <p:val>
+                                            <p:strVal val="#ppt_y+.1"/>
+                                          </p:val>
+                                        </p:tav>
+                                        <p:tav tm="100000">
+                                          <p:val>
+                                            <p:strVal val="#ppt_y"/>
+                                          </p:val>
+                                        </p:tav>
+                                      </p:tavLst>
+                                    </p:anim>
+                                  </p:childTnLst>
+                                </p:cTn>
+                              </p:par>
+                              <p:par>
+                                <p:cTn id="12" presetID="10" presetClass="entr" presetSubtype="0" fill="hold" nodeType="withEffect">
+                                  <p:stCondLst>
+                                    <p:cond delay="2000"/>
+                                  </p:stCondLst>
+                                  <p:childTnLst>
+                                    <p:set>
+                                      <p:cBhvr>
+                                        <p:cTn id="13" dur="1" fill="hold">
+                                          <p:stCondLst>
+                                            <p:cond delay="0"/>
+                                          </p:stCondLst>
+                                        </p:cTn>
+                                        <p:tgtEl>
+                                          <p:spTgt spid="21"/>
+                                        </p:tgtEl>
+                                        <p:attrNameLst>
+                                          <p:attrName>style.visibility</p:attrName>
+                                        </p:attrNameLst>
+                                      </p:cBhvr>
+                                      <p:to>
+                                        <p:strVal val="visible"/>
+                                      </p:to>
+                                    </p:set>
+                                    <p:animEffect transition="in" filter="fade">
+                                      <p:cBhvr>
+                                        <p:cTn id="14" dur="2000"/>
+                                        <p:tgtEl>
+                                          <p:spTgt spid="21"/>
+                                        </p:tgtEl>
+                                      </p:cBhvr>
+                                    </p:animEffect>
+                                  </p:childTnLst>
+                                </p:cTn>
+                              </p:par>
+                              <p:par>
+                                <p:cTn id="15" presetID="45" presetClass="entr" presetSubtype="0" fill="hold" nodeType="withEffect">
+                                  <p:stCondLst>
+                                    <p:cond delay="4000"/>
+                                  </p:stCondLst>
+                                  <p:childTnLst>
+                                    <p:set>
+                                      <p:cBhvr>
+                                        <p:cTn id="16" dur="1" fill="hold">
+                                          <p:stCondLst>
+                                            <p:cond delay="0"/>
+                                          </p:stCondLst>
+                                        </p:cTn>
+                                        <p:tgtEl>
+                                          <p:spTgt spid="19"/>
+                                        </p:tgtEl>
+                                        <p:attrNameLst>
+                                          <p:attrName>style.visibility</p:attrName>
+                                        </p:attrNameLst>
+                                      </p:cBhvr>
+                                      <p:to>
+                                        <p:strVal val="visible"/>
+                                      </p:to>
+                                    </p:set>
+                                    <p:animEffect transition="in" filter="fade">
+                                      <p:cBhvr>
+                                        <p:cTn id="17" dur="2000"/>
+                                        <p:tgtEl>
+                                          <p:spTgt spid="19"/>
+                                        </p:tgtEl>
+                                      </p:cBhvr>
+                                    </p:animEffect>
+                                    <p:anim calcmode="lin" valueType="num">
+                                      <p:cBhvr>
+                                        <p:cTn id="18" dur="2000" fill="hold"/>
+                                        <p:tgtEl>
+                                          <p:spTgt spid="19"/>
+                                        </p:tgtEl>
+                                        <p:attrNameLst>
+                                          <p:attrName>ppt_w</p:attrName>
+                                        </p:attrNameLst>
+                                      </p:cBhvr>
+                                      <p:tavLst>
+                                        <p:tav tm="0" fmla="#ppt_w*sin(2.5*pi*$)">
+                                          <p:val>
+                                            <p:fltVal val="0"/>
+                                          </p:val>
+                                        </p:tav>
+                                        <p:tav tm="100000">
+                                          <p:val>
+                                            <p:fltVal val="1"/>
+                                          </p:val>
+                                        </p:tav>
+                                      </p:tavLst>
+                                    </p:anim>
+                                    <p:anim calcmode="lin" valueType="num">
+                                      <p:cBhvr>
+                                        <p:cTn id="19" dur="2000" fill="hold"/>
+                                        <p:tgtEl>
+                                          <p:spTgt spid="19"/>
+                                        </p:tgtEl>
+                                        <p:attrNameLst>
+                                          <p:attrName>ppt_h</p:attrName>
+                                        </p:attrNameLst>
+                                      </p:cBhvr>
+                                      <p:tavLst>
+                                        <p:tav tm="0">
+                                          <p:val>
+                                            <p:strVal val="#ppt_h"/>
+                                          </p:val>
+                                        </p:tav>
+                                        <p:tav tm="100000">
+                                          <p:val>
+                                            <p:strVal val="#ppt_h"/>
+                                          </p:val>
+                                        </p:tav>
+                                      </p:tavLst>
+                                    </p:anim>
+                                  </p:childTnLst>
+                                </p:cTn>
+                              </p:par>
+                              <p:par>
+                                <p:cTn id="20" presetID="53" presetClass="entr" presetSubtype="16" fill="hold" nodeType="withEffect">
+                                  <p:stCondLst>
+                                    <p:cond delay="6000"/>
+                                  </p:stCondLst>
+                                  <p:childTnLst>
+                                    <p:set>
+                                      <p:cBhvr>
+                                        <p:cTn id="21" dur="1" fill="hold">
+                                          <p:stCondLst>
+                                            <p:cond delay="0"/>
+                                          </p:stCondLst>
+                                        </p:cTn>
+                                        <p:tgtEl>
+                                          <p:spTgt spid="17"/>
+                                        </p:tgtEl>
+                                        <p:attrNameLst>
+                                          <p:attrName>style.visibility</p:attrName>
+                                        </p:attrNameLst>
+                                      </p:cBhvr>
+                                      <p:to>
+                                        <p:strVal val="visible"/>
+                                      </p:to>
+                                    </p:set>
+                                    <p:anim calcmode="lin" valueType="num">
+                                      <p:cBhvr>
+                                        <p:cTn id="22" dur="2000" fill="hold"/>
+                                        <p:tgtEl>
+                                          <p:spTgt spid="17"/>
+                                        </p:tgtEl>
+                                        <p:attrNameLst>
+                                          <p:attrName>ppt_w</p:attrName>
+                                        </p:attrNameLst>
+                                      </p:cBhvr>
+                                      <p:tavLst>
+                                        <p:tav tm="0">
+                                          <p:val>
+                                            <p:fltVal val="0"/>
+                                          </p:val>
+                                        </p:tav>
+                                        <p:tav tm="100000">
+                                          <p:val>
+                                            <p:strVal val="#ppt_w"/>
+                                          </p:val>
+                                        </p:tav>
+                                      </p:tavLst>
+                                    </p:anim>
+                                    <p:anim calcmode="lin" valueType="num">
+                                      <p:cBhvr>
+                                        <p:cTn id="23" dur="2000" fill="hold"/>
+                                        <p:tgtEl>
+                                          <p:spTgt spid="17"/>
+                                        </p:tgtEl>
+                                        <p:attrNameLst>
+                                          <p:attrName>ppt_h</p:attrName>
+                                        </p:attrNameLst>
+                                      </p:cBhvr>
+                                      <p:tavLst>
+                                        <p:tav tm="0">
+                                          <p:val>
+                                            <p:fltVal val="0"/>
+                                          </p:val>
+                                        </p:tav>
+                                        <p:tav tm="100000">
+                                          <p:val>
+                                            <p:strVal val="#ppt_h"/>
+                                          </p:val>
+                                        </p:tav>
+                                      </p:tavLst>
+                                    </p:anim>
+                                    <p:animEffect transition="in" filter="fade">
+                                      <p:cBhvr>
+                                        <p:cTn id="24" dur="2000"/>
+                                        <p:tgtEl>
+                                          <p:spTgt spid="17"/>
+                                        </p:tgtEl>
+                                      </p:cBhvr>
+                                    </p:animEffect>
+                                  </p:childTnLst>
+                                </p:cTn>
+                              </p:par>
+                              <p:par>
+                                <p:cTn id="25" presetID="2" presetClass="entr" presetSubtype="4" fill="hold" nodeType="withEffect">
+                                  <p:stCondLst>
+                                    <p:cond delay="8000"/>
+                                  </p:stCondLst>
+                                  <p:childTnLst>
+                                    <p:set>
+                                      <p:cBhvr>
+                                        <p:cTn id="26" dur="1" fill="hold">
                                           <p:stCondLst>
                                             <p:cond delay="0"/>
                                           </p:stCondLst>
@@ -6040,7 +6401,7 @@
                                     </p:set>
                                     <p:anim calcmode="lin" valueType="num">
                                       <p:cBhvr additive="base">
-                                        <p:cTn id="7" dur="2000" fill="hold"/>
+                                        <p:cTn id="27" dur="2000" fill="hold"/>
                                         <p:tgtEl>
                                           <p:spTgt spid="7"/>
                                         </p:tgtEl>
@@ -6063,7 +6424,7 @@
                                     </p:anim>
                                     <p:anim calcmode="lin" valueType="num">
                                       <p:cBhvr additive="base">
-                                        <p:cTn id="8" dur="2000" fill="hold"/>
+                                        <p:cTn id="28" dur="2000" fill="hold"/>
                                         <p:tgtEl>
                                           <p:spTgt spid="7"/>
                                         </p:tgtEl>
@@ -6093,356 +6454,6 @@
                       </p:childTnLst>
                     </p:cTn>
                   </p:par>
-                  <p:par>
-                    <p:cTn id="9" fill="hold">
-                      <p:stCondLst>
-                        <p:cond delay="indefinite"/>
-                      </p:stCondLst>
-                      <p:childTnLst>
-                        <p:par>
-                          <p:cTn id="10" fill="hold">
-                            <p:stCondLst>
-                              <p:cond delay="0"/>
-                            </p:stCondLst>
-                            <p:childTnLst>
-                              <p:par>
-                                <p:cTn id="11" presetID="42" presetClass="entr" presetSubtype="0" fill="hold" nodeType="clickEffect">
-                                  <p:stCondLst>
-                                    <p:cond delay="0"/>
-                                  </p:stCondLst>
-                                  <p:childTnLst>
-                                    <p:set>
-                                      <p:cBhvr>
-                                        <p:cTn id="12" dur="1" fill="hold">
-                                          <p:stCondLst>
-                                            <p:cond delay="0"/>
-                                          </p:stCondLst>
-                                        </p:cTn>
-                                        <p:tgtEl>
-                                          <p:spTgt spid="23"/>
-                                        </p:tgtEl>
-                                        <p:attrNameLst>
-                                          <p:attrName>style.visibility</p:attrName>
-                                        </p:attrNameLst>
-                                      </p:cBhvr>
-                                      <p:to>
-                                        <p:strVal val="visible"/>
-                                      </p:to>
-                                    </p:set>
-                                    <p:animEffect transition="in" filter="fade">
-                                      <p:cBhvr>
-                                        <p:cTn id="13" dur="2000"/>
-                                        <p:tgtEl>
-                                          <p:spTgt spid="23"/>
-                                        </p:tgtEl>
-                                      </p:cBhvr>
-                                    </p:animEffect>
-                                    <p:anim calcmode="lin" valueType="num">
-                                      <p:cBhvr>
-                                        <p:cTn id="14" dur="2000" fill="hold"/>
-                                        <p:tgtEl>
-                                          <p:spTgt spid="23"/>
-                                        </p:tgtEl>
-                                        <p:attrNameLst>
-                                          <p:attrName>ppt_x</p:attrName>
-                                        </p:attrNameLst>
-                                      </p:cBhvr>
-                                      <p:tavLst>
-                                        <p:tav tm="0">
-                                          <p:val>
-                                            <p:strVal val="#ppt_x"/>
-                                          </p:val>
-                                        </p:tav>
-                                        <p:tav tm="100000">
-                                          <p:val>
-                                            <p:strVal val="#ppt_x"/>
-                                          </p:val>
-                                        </p:tav>
-                                      </p:tavLst>
-                                    </p:anim>
-                                    <p:anim calcmode="lin" valueType="num">
-                                      <p:cBhvr>
-                                        <p:cTn id="15" dur="2000" fill="hold"/>
-                                        <p:tgtEl>
-                                          <p:spTgt spid="23"/>
-                                        </p:tgtEl>
-                                        <p:attrNameLst>
-                                          <p:attrName>ppt_y</p:attrName>
-                                        </p:attrNameLst>
-                                      </p:cBhvr>
-                                      <p:tavLst>
-                                        <p:tav tm="0">
-                                          <p:val>
-                                            <p:strVal val="#ppt_y+.1"/>
-                                          </p:val>
-                                        </p:tav>
-                                        <p:tav tm="100000">
-                                          <p:val>
-                                            <p:strVal val="#ppt_y"/>
-                                          </p:val>
-                                        </p:tav>
-                                      </p:tavLst>
-                                    </p:anim>
-                                  </p:childTnLst>
-                                </p:cTn>
-                              </p:par>
-                            </p:childTnLst>
-                          </p:cTn>
-                        </p:par>
-                      </p:childTnLst>
-                    </p:cTn>
-                  </p:par>
-                  <p:par>
-                    <p:cTn id="16" fill="hold">
-                      <p:stCondLst>
-                        <p:cond delay="indefinite"/>
-                      </p:stCondLst>
-                      <p:childTnLst>
-                        <p:par>
-                          <p:cTn id="17" fill="hold">
-                            <p:stCondLst>
-                              <p:cond delay="0"/>
-                            </p:stCondLst>
-                            <p:childTnLst>
-                              <p:par>
-                                <p:cTn id="18" presetID="10" presetClass="entr" presetSubtype="0" fill="hold" nodeType="clickEffect">
-                                  <p:stCondLst>
-                                    <p:cond delay="0"/>
-                                  </p:stCondLst>
-                                  <p:childTnLst>
-                                    <p:set>
-                                      <p:cBhvr>
-                                        <p:cTn id="19" dur="1" fill="hold">
-                                          <p:stCondLst>
-                                            <p:cond delay="0"/>
-                                          </p:stCondLst>
-                                        </p:cTn>
-                                        <p:tgtEl>
-                                          <p:spTgt spid="21"/>
-                                        </p:tgtEl>
-                                        <p:attrNameLst>
-                                          <p:attrName>style.visibility</p:attrName>
-                                        </p:attrNameLst>
-                                      </p:cBhvr>
-                                      <p:to>
-                                        <p:strVal val="visible"/>
-                                      </p:to>
-                                    </p:set>
-                                    <p:animEffect transition="in" filter="fade">
-                                      <p:cBhvr>
-                                        <p:cTn id="20" dur="2000"/>
-                                        <p:tgtEl>
-                                          <p:spTgt spid="21"/>
-                                        </p:tgtEl>
-                                      </p:cBhvr>
-                                    </p:animEffect>
-                                  </p:childTnLst>
-                                </p:cTn>
-                              </p:par>
-                            </p:childTnLst>
-                          </p:cTn>
-                        </p:par>
-                      </p:childTnLst>
-                    </p:cTn>
-                  </p:par>
-                  <p:par>
-                    <p:cTn id="21" fill="hold">
-                      <p:stCondLst>
-                        <p:cond delay="indefinite"/>
-                      </p:stCondLst>
-                      <p:childTnLst>
-                        <p:par>
-                          <p:cTn id="22" fill="hold">
-                            <p:stCondLst>
-                              <p:cond delay="0"/>
-                            </p:stCondLst>
-                            <p:childTnLst>
-                              <p:par>
-                                <p:cTn id="23" presetID="45" presetClass="entr" presetSubtype="0" fill="hold" nodeType="clickEffect">
-                                  <p:stCondLst>
-                                    <p:cond delay="0"/>
-                                  </p:stCondLst>
-                                  <p:childTnLst>
-                                    <p:set>
-                                      <p:cBhvr>
-                                        <p:cTn id="24" dur="1" fill="hold">
-                                          <p:stCondLst>
-                                            <p:cond delay="0"/>
-                                          </p:stCondLst>
-                                        </p:cTn>
-                                        <p:tgtEl>
-                                          <p:spTgt spid="19"/>
-                                        </p:tgtEl>
-                                        <p:attrNameLst>
-                                          <p:attrName>style.visibility</p:attrName>
-                                        </p:attrNameLst>
-                                      </p:cBhvr>
-                                      <p:to>
-                                        <p:strVal val="visible"/>
-                                      </p:to>
-                                    </p:set>
-                                    <p:animEffect transition="in" filter="fade">
-                                      <p:cBhvr>
-                                        <p:cTn id="25" dur="2000"/>
-                                        <p:tgtEl>
-                                          <p:spTgt spid="19"/>
-                                        </p:tgtEl>
-                                      </p:cBhvr>
-                                    </p:animEffect>
-                                    <p:anim calcmode="lin" valueType="num">
-                                      <p:cBhvr>
-                                        <p:cTn id="26" dur="2000" fill="hold"/>
-                                        <p:tgtEl>
-                                          <p:spTgt spid="19"/>
-                                        </p:tgtEl>
-                                        <p:attrNameLst>
-                                          <p:attrName>ppt_w</p:attrName>
-                                        </p:attrNameLst>
-                                      </p:cBhvr>
-                                      <p:tavLst>
-                                        <p:tav tm="0" fmla="#ppt_w*sin(2.5*pi*$)">
-                                          <p:val>
-                                            <p:fltVal val="0"/>
-                                          </p:val>
-                                        </p:tav>
-                                        <p:tav tm="100000">
-                                          <p:val>
-                                            <p:fltVal val="1"/>
-                                          </p:val>
-                                        </p:tav>
-                                      </p:tavLst>
-                                    </p:anim>
-                                    <p:anim calcmode="lin" valueType="num">
-                                      <p:cBhvr>
-                                        <p:cTn id="27" dur="2000" fill="hold"/>
-                                        <p:tgtEl>
-                                          <p:spTgt spid="19"/>
-                                        </p:tgtEl>
-                                        <p:attrNameLst>
-                                          <p:attrName>ppt_h</p:attrName>
-                                        </p:attrNameLst>
-                                      </p:cBhvr>
-                                      <p:tavLst>
-                                        <p:tav tm="0">
-                                          <p:val>
-                                            <p:strVal val="#ppt_h"/>
-                                          </p:val>
-                                        </p:tav>
-                                        <p:tav tm="100000">
-                                          <p:val>
-                                            <p:strVal val="#ppt_h"/>
-                                          </p:val>
-                                        </p:tav>
-                                      </p:tavLst>
-                                    </p:anim>
-                                  </p:childTnLst>
-                                </p:cTn>
-                              </p:par>
-                            </p:childTnLst>
-                          </p:cTn>
-                        </p:par>
-                      </p:childTnLst>
-                    </p:cTn>
-                  </p:par>
-                  <p:par>
-                    <p:cTn id="28" fill="hold">
-                      <p:stCondLst>
-                        <p:cond delay="indefinite"/>
-                      </p:stCondLst>
-                      <p:childTnLst>
-                        <p:par>
-                          <p:cTn id="29" fill="hold">
-                            <p:stCondLst>
-                              <p:cond delay="0"/>
-                            </p:stCondLst>
-                            <p:childTnLst>
-                              <p:par>
-                                <p:cTn id="30" presetID="53" presetClass="entr" presetSubtype="16" fill="hold" nodeType="clickEffect">
-                                  <p:stCondLst>
-                                    <p:cond delay="0"/>
-                                  </p:stCondLst>
-                                  <p:childTnLst>
-                                    <p:set>
-                                      <p:cBhvr>
-                                        <p:cTn id="31" dur="1" fill="hold">
-                                          <p:stCondLst>
-                                            <p:cond delay="0"/>
-                                          </p:stCondLst>
-                                        </p:cTn>
-                                        <p:tgtEl>
-                                          <p:spTgt spid="17"/>
-                                        </p:tgtEl>
-                                        <p:attrNameLst>
-                                          <p:attrName>style.visibility</p:attrName>
-                                        </p:attrNameLst>
-                                      </p:cBhvr>
-                                      <p:to>
-                                        <p:strVal val="visible"/>
-                                      </p:to>
-                                    </p:set>
-                                    <p:anim calcmode="lin" valueType="num">
-                                      <p:cBhvr>
-                                        <p:cTn id="32" dur="2000" fill="hold"/>
-                                        <p:tgtEl>
-                                          <p:spTgt spid="17"/>
-                                        </p:tgtEl>
-                                        <p:attrNameLst>
-                                          <p:attrName>ppt_w</p:attrName>
-                                        </p:attrNameLst>
-                                      </p:cBhvr>
-                                      <p:tavLst>
-                                        <p:tav tm="0">
-                                          <p:val>
-                                            <p:fltVal val="0"/>
-                                          </p:val>
-                                        </p:tav>
-                                        <p:tav tm="100000">
-                                          <p:val>
-                                            <p:strVal val="#ppt_w"/>
-                                          </p:val>
-                                        </p:tav>
-                                      </p:tavLst>
-                                    </p:anim>
-                                    <p:anim calcmode="lin" valueType="num">
-                                      <p:cBhvr>
-                                        <p:cTn id="33" dur="2000" fill="hold"/>
-                                        <p:tgtEl>
-                                          <p:spTgt spid="17"/>
-                                        </p:tgtEl>
-                                        <p:attrNameLst>
-                                          <p:attrName>ppt_h</p:attrName>
-                                        </p:attrNameLst>
-                                      </p:cBhvr>
-                                      <p:tavLst>
-                                        <p:tav tm="0">
-                                          <p:val>
-                                            <p:fltVal val="0"/>
-                                          </p:val>
-                                        </p:tav>
-                                        <p:tav tm="100000">
-                                          <p:val>
-                                            <p:strVal val="#ppt_h"/>
-                                          </p:val>
-                                        </p:tav>
-                                      </p:tavLst>
-                                    </p:anim>
-                                    <p:animEffect transition="in" filter="fade">
-                                      <p:cBhvr>
-                                        <p:cTn id="34" dur="2000"/>
-                                        <p:tgtEl>
-                                          <p:spTgt spid="17"/>
-                                        </p:tgtEl>
-                                      </p:cBhvr>
-                                    </p:animEffect>
-                                  </p:childTnLst>
-                                </p:cTn>
-                              </p:par>
-                            </p:childTnLst>
-                          </p:cTn>
-                        </p:par>
-                      </p:childTnLst>
-                    </p:cTn>
-                  </p:par>
                 </p:childTnLst>
               </p:cTn>
               <p:prevCondLst>
@@ -6462,7 +6473,7 @@
             </p:seq>
             <p:audio>
               <p:cMediaNode vol="80000">
-                <p:cTn id="35" fill="hold" display="0">
+                <p:cTn id="29" fill="hold" display="0">
                   <p:stCondLst>
                     <p:cond delay="indefinite"/>
                   </p:stCondLst>
@@ -6481,7 +6492,7 @@
             </p:audio>
             <p:audio>
               <p:cMediaNode vol="80000">
-                <p:cTn id="36" fill="hold" display="0">
+                <p:cTn id="30" fill="hold" display="0">
                   <p:stCondLst>
                     <p:cond delay="indefinite"/>
                   </p:stCondLst>
@@ -6500,7 +6511,7 @@
             </p:audio>
             <p:audio>
               <p:cMediaNode vol="80000" numSld="999" showWhenStopped="0">
-                <p:cTn id="37" repeatCount="indefinite" fill="hold" display="0">
+                <p:cTn id="31" repeatCount="indefinite" fill="hold" display="0">
                   <p:stCondLst>
                     <p:cond delay="indefinite"/>
                   </p:stCondLst>
@@ -6519,7 +6530,7 @@
             </p:audio>
             <p:audio>
               <p:cMediaNode vol="80000" showWhenStopped="0">
-                <p:cTn id="38" repeatCount="indefinite" fill="hold" display="0">
+                <p:cTn id="32" repeatCount="indefinite" fill="hold" display="0">
                   <p:stCondLst>
                     <p:cond delay="indefinite"/>
                   </p:stCondLst>
@@ -6537,7 +6548,7 @@
               </p:cMediaNode>
             </p:audio>
             <p:seq concurrent="1" nextAc="seek">
-              <p:cTn id="39" restart="whenNotActive" fill="hold" evtFilter="cancelBubble" nodeType="interactiveSeq">
+              <p:cTn id="33" restart="whenNotActive" fill="hold" evtFilter="cancelBubble" nodeType="interactiveSeq">
                 <p:stCondLst>
                   <p:cond evt="onClick" delay="0">
                     <p:tgtEl>
@@ -6550,26 +6561,26 @@
                 </p:endSync>
                 <p:childTnLst>
                   <p:par>
-                    <p:cTn id="40" fill="hold">
+                    <p:cTn id="34" fill="hold">
                       <p:stCondLst>
                         <p:cond delay="0"/>
                       </p:stCondLst>
                       <p:childTnLst>
                         <p:par>
-                          <p:cTn id="41" fill="hold">
+                          <p:cTn id="35" fill="hold">
                             <p:stCondLst>
                               <p:cond delay="0"/>
                             </p:stCondLst>
                             <p:childTnLst>
                               <p:par>
-                                <p:cTn id="42" presetID="1" presetClass="mediacall" presetSubtype="0" fill="hold" nodeType="clickEffect">
+                                <p:cTn id="36" presetID="1" presetClass="mediacall" presetSubtype="0" fill="hold" nodeType="clickEffect">
                                   <p:stCondLst>
                                     <p:cond delay="0"/>
                                   </p:stCondLst>
                                   <p:childTnLst>
                                     <p:cmd type="call" cmd="playFrom(0.0)">
                                       <p:cBhvr>
-                                        <p:cTn id="43" dur="13378" fill="hold"/>
+                                        <p:cTn id="37" dur="13378" fill="hold"/>
                                         <p:tgtEl>
                                           <p:spTgt spid="8"/>
                                         </p:tgtEl>
@@ -6594,6 +6605,44 @@
                 </p:cond>
               </p:nextCondLst>
             </p:seq>
+            <p:audio>
+              <p:cMediaNode vol="80000" showWhenStopped="0">
+                <p:cTn id="38" fill="hold" display="0">
+                  <p:stCondLst>
+                    <p:cond delay="indefinite"/>
+                  </p:stCondLst>
+                  <p:endCondLst>
+                    <p:cond evt="onStopAudio" delay="0">
+                      <p:tgtEl>
+                        <p:sldTgt/>
+                      </p:tgtEl>
+                    </p:cond>
+                  </p:endCondLst>
+                </p:cTn>
+                <p:tgtEl>
+                  <p:spTgt spid="3"/>
+                </p:tgtEl>
+              </p:cMediaNode>
+            </p:audio>
+            <p:audio>
+              <p:cMediaNode vol="80000">
+                <p:cTn id="39" fill="hold" display="0">
+                  <p:stCondLst>
+                    <p:cond delay="indefinite"/>
+                  </p:stCondLst>
+                  <p:endCondLst>
+                    <p:cond evt="onStopAudio" delay="0">
+                      <p:tgtEl>
+                        <p:sldTgt/>
+                      </p:tgtEl>
+                    </p:cond>
+                  </p:endCondLst>
+                </p:cTn>
+                <p:tgtEl>
+                  <p:spTgt spid="9"/>
+                </p:tgtEl>
+              </p:cMediaNode>
+            </p:audio>
           </p:childTnLst>
         </p:cTn>
       </p:par>

--- a/Admin and Documentation/Radio Systems.pptx
+++ b/Admin and Documentation/Radio Systems.pptx
@@ -23,6 +23,12 @@
     <p:sldId id="273" r:id="rId17"/>
     <p:sldId id="271" r:id="rId18"/>
     <p:sldId id="270" r:id="rId19"/>
+    <p:sldId id="274" r:id="rId20"/>
+    <p:sldId id="275" r:id="rId21"/>
+    <p:sldId id="276" r:id="rId22"/>
+    <p:sldId id="277" r:id="rId23"/>
+    <p:sldId id="278" r:id="rId24"/>
+    <p:sldId id="279" r:id="rId25"/>
   </p:sldIdLst>
   <p:sldSz cx="12192000" cy="6858000"/>
   <p:notesSz cx="6858000" cy="9144000"/>
@@ -297,7 +303,7 @@
           <a:p>
             <a:fld id="{9E016143-E03C-4CFD-AFDC-14E5BDEA754C}" type="datetimeFigureOut">
               <a:rPr lang="en-US" dirty="0"/>
-              <a:t>3/20/2017</a:t>
+              <a:t>3/21/2017</a:t>
             </a:fld>
             <a:endParaRPr lang="en-US" dirty="0"/>
           </a:p>
@@ -521,7 +527,7 @@
           <a:p>
             <a:fld id="{C033E54A-A8CA-48C1-9504-691B58049D29}" type="datetimeFigureOut">
               <a:rPr lang="en-US" dirty="0"/>
-              <a:t>3/20/2017</a:t>
+              <a:t>3/21/2017</a:t>
             </a:fld>
             <a:endParaRPr lang="en-US" dirty="0"/>
           </a:p>
@@ -696,7 +702,7 @@
           <a:p>
             <a:fld id="{B5F6C806-BBF7-471C-9527-881CE2266695}" type="datetimeFigureOut">
               <a:rPr lang="en-US" dirty="0"/>
-              <a:t>3/20/2017</a:t>
+              <a:t>3/21/2017</a:t>
             </a:fld>
             <a:endParaRPr lang="en-US" dirty="0"/>
           </a:p>
@@ -861,7 +867,7 @@
           <a:p>
             <a:fld id="{78C94063-DF36-4330-A365-08DA1FA5B7D6}" type="datetimeFigureOut">
               <a:rPr lang="en-US" dirty="0"/>
-              <a:t>3/20/2017</a:t>
+              <a:t>3/21/2017</a:t>
             </a:fld>
             <a:endParaRPr lang="en-US" dirty="0"/>
           </a:p>
@@ -1110,7 +1116,7 @@
           <a:p>
             <a:fld id="{908A7C6C-0F39-4D70-8E8D-FE5B9C95FA73}" type="datetimeFigureOut">
               <a:rPr lang="en-US" dirty="0"/>
-              <a:t>3/20/2017</a:t>
+              <a:t>3/21/2017</a:t>
             </a:fld>
             <a:endParaRPr lang="en-US" dirty="0"/>
           </a:p>
@@ -1431,7 +1437,7 @@
           <a:p>
             <a:fld id="{DFCFA4AC-08CC-42CE-BD01-C191750A04EC}" type="datetimeFigureOut">
               <a:rPr lang="en-US" dirty="0"/>
-              <a:t>3/20/2017</a:t>
+              <a:t>3/21/2017</a:t>
             </a:fld>
             <a:endParaRPr lang="en-US" dirty="0"/>
           </a:p>
@@ -1877,7 +1883,7 @@
           <a:p>
             <a:fld id="{1BA7A723-92A7-435B-B681-F25B092FEFEB}" type="datetimeFigureOut">
               <a:rPr lang="en-US" dirty="0"/>
-              <a:t>3/20/2017</a:t>
+              <a:t>3/21/2017</a:t>
             </a:fld>
             <a:endParaRPr lang="en-US" dirty="0"/>
           </a:p>
@@ -1990,7 +1996,7 @@
           <a:p>
             <a:fld id="{4F170639-886C-4FCF-9EAB-ABB5DA3F3F4A}" type="datetimeFigureOut">
               <a:rPr lang="en-US" dirty="0"/>
-              <a:t>3/20/2017</a:t>
+              <a:t>3/21/2017</a:t>
             </a:fld>
             <a:endParaRPr lang="en-US" dirty="0"/>
           </a:p>
@@ -2080,7 +2086,7 @@
           <a:p>
             <a:fld id="{22230651-31F4-45D2-98AE-A2108F41BC07}" type="datetimeFigureOut">
               <a:rPr lang="en-US" dirty="0"/>
-              <a:t>3/20/2017</a:t>
+              <a:t>3/21/2017</a:t>
             </a:fld>
             <a:endParaRPr lang="en-US" dirty="0"/>
           </a:p>
@@ -2362,7 +2368,7 @@
           <a:p>
             <a:fld id="{6F53789A-C914-4DB1-8815-80B5EC7335C5}" type="datetimeFigureOut">
               <a:rPr lang="en-US" dirty="0"/>
-              <a:t>3/20/2017</a:t>
+              <a:t>3/21/2017</a:t>
             </a:fld>
             <a:endParaRPr lang="en-US" dirty="0"/>
           </a:p>
@@ -2576,10 +2582,9 @@
           </a:lstStyle>
           <a:p>
             <a:r>
-              <a:rPr lang="en-US"/>
+              <a:rPr lang="en-US" dirty="0"/>
               <a:t>Click icon to add picture</a:t>
             </a:r>
-            <a:endParaRPr lang="en-US" dirty="0"/>
           </a:p>
         </p:txBody>
       </p:sp>
@@ -2679,7 +2684,7 @@
           <a:p>
             <a:fld id="{5E6440AA-91A0-436F-8FDB-C0F939DCAE21}" type="datetimeFigureOut">
               <a:rPr lang="en-US" dirty="0"/>
-              <a:t>3/20/2017</a:t>
+              <a:t>3/21/2017</a:t>
             </a:fld>
             <a:endParaRPr lang="en-US" dirty="0"/>
           </a:p>
@@ -2928,7 +2933,7 @@
           <a:p>
             <a:fld id="{0E59FD0C-5451-4CA0-86AF-E70AE3279989}" type="datetimeFigureOut">
               <a:rPr lang="en-US" dirty="0"/>
-              <a:t>3/20/2017</a:t>
+              <a:t>3/21/2017</a:t>
             </a:fld>
             <a:endParaRPr lang="en-US" dirty="0"/>
           </a:p>
@@ -5203,6 +5208,305 @@
 </p:sld>
 </file>
 
+<file path=ppt/slides/slide19.xml><?xml version="1.0" encoding="utf-8"?>
+<p:sld xmlns:a="http://schemas.openxmlformats.org/drawingml/2006/main" xmlns:r="http://schemas.openxmlformats.org/officeDocument/2006/relationships" xmlns:p="http://schemas.openxmlformats.org/presentationml/2006/main">
+  <p:cSld>
+    <p:spTree>
+      <p:nvGrpSpPr>
+        <p:cNvPr id="1" name=""/>
+        <p:cNvGrpSpPr/>
+        <p:nvPr/>
+      </p:nvGrpSpPr>
+      <p:grpSpPr>
+        <a:xfrm>
+          <a:off x="0" y="0"/>
+          <a:ext cx="0" cy="0"/>
+          <a:chOff x="0" y="0"/>
+          <a:chExt cx="0" cy="0"/>
+        </a:xfrm>
+      </p:grpSpPr>
+      <p:pic>
+        <p:nvPicPr>
+          <p:cNvPr id="3" name="Picture 2"/>
+          <p:cNvPicPr>
+            <a:picLocks noChangeAspect="1"/>
+          </p:cNvPicPr>
+          <p:nvPr/>
+        </p:nvPicPr>
+        <p:blipFill>
+          <a:blip r:embed="rId2"/>
+          <a:stretch>
+            <a:fillRect/>
+          </a:stretch>
+        </p:blipFill>
+        <p:spPr>
+          <a:xfrm>
+            <a:off x="989507" y="2967335"/>
+            <a:ext cx="2381250" cy="2381250"/>
+          </a:xfrm>
+          <a:prstGeom prst="rect">
+            <a:avLst/>
+          </a:prstGeom>
+        </p:spPr>
+      </p:pic>
+      <p:pic>
+        <p:nvPicPr>
+          <p:cNvPr id="5" name="Picture 4"/>
+          <p:cNvPicPr>
+            <a:picLocks noChangeAspect="1"/>
+          </p:cNvPicPr>
+          <p:nvPr/>
+        </p:nvPicPr>
+        <p:blipFill>
+          <a:blip r:embed="rId3"/>
+          <a:stretch>
+            <a:fillRect/>
+          </a:stretch>
+        </p:blipFill>
+        <p:spPr>
+          <a:xfrm>
+            <a:off x="7639724" y="2967335"/>
+            <a:ext cx="2319438" cy="2302412"/>
+          </a:xfrm>
+          <a:prstGeom prst="rect">
+            <a:avLst/>
+          </a:prstGeom>
+        </p:spPr>
+      </p:pic>
+      <p:sp>
+        <p:nvSpPr>
+          <p:cNvPr id="6" name="Arrow: Right 5"/>
+          <p:cNvSpPr/>
+          <p:nvPr/>
+        </p:nvSpPr>
+        <p:spPr>
+          <a:xfrm>
+            <a:off x="4184510" y="3099428"/>
+            <a:ext cx="2645456" cy="889475"/>
+          </a:xfrm>
+          <a:prstGeom prst="rightArrow">
+            <a:avLst/>
+          </a:prstGeom>
+          <a:solidFill>
+            <a:srgbClr val="FFFF00"/>
+          </a:solidFill>
+        </p:spPr>
+        <p:style>
+          <a:lnRef idx="2">
+            <a:schemeClr val="accent1">
+              <a:shade val="50000"/>
+            </a:schemeClr>
+          </a:lnRef>
+          <a:fillRef idx="1">
+            <a:schemeClr val="accent1"/>
+          </a:fillRef>
+          <a:effectRef idx="0">
+            <a:schemeClr val="accent1"/>
+          </a:effectRef>
+          <a:fontRef idx="minor">
+            <a:schemeClr val="lt1"/>
+          </a:fontRef>
+        </p:style>
+        <p:txBody>
+          <a:bodyPr rtlCol="0" anchor="ctr"/>
+          <a:lstStyle/>
+          <a:p>
+            <a:pPr algn="ctr"/>
+            <a:endParaRPr lang="en-US"/>
+          </a:p>
+        </p:txBody>
+      </p:sp>
+      <p:sp>
+        <p:nvSpPr>
+          <p:cNvPr id="7" name="Arrow: Left 6"/>
+          <p:cNvSpPr/>
+          <p:nvPr/>
+        </p:nvSpPr>
+        <p:spPr>
+          <a:xfrm>
+            <a:off x="4008363" y="4540202"/>
+            <a:ext cx="2817608" cy="808383"/>
+          </a:xfrm>
+          <a:prstGeom prst="leftArrow">
+            <a:avLst/>
+          </a:prstGeom>
+          <a:solidFill>
+            <a:srgbClr val="FFFF00"/>
+          </a:solidFill>
+        </p:spPr>
+        <p:style>
+          <a:lnRef idx="2">
+            <a:schemeClr val="accent1">
+              <a:shade val="50000"/>
+            </a:schemeClr>
+          </a:lnRef>
+          <a:fillRef idx="1">
+            <a:schemeClr val="accent1"/>
+          </a:fillRef>
+          <a:effectRef idx="0">
+            <a:schemeClr val="accent1"/>
+          </a:effectRef>
+          <a:fontRef idx="minor">
+            <a:schemeClr val="lt1"/>
+          </a:fontRef>
+        </p:style>
+        <p:txBody>
+          <a:bodyPr rtlCol="0" anchor="ctr"/>
+          <a:lstStyle/>
+          <a:p>
+            <a:pPr algn="ctr"/>
+            <a:endParaRPr lang="en-US"/>
+          </a:p>
+        </p:txBody>
+      </p:sp>
+      <p:sp>
+        <p:nvSpPr>
+          <p:cNvPr id="8" name="Rectangle 7"/>
+          <p:cNvSpPr/>
+          <p:nvPr/>
+        </p:nvSpPr>
+        <p:spPr>
+          <a:xfrm>
+            <a:off x="6003634" y="2967335"/>
+            <a:ext cx="184731" cy="923330"/>
+          </a:xfrm>
+          <a:prstGeom prst="rect">
+            <a:avLst/>
+          </a:prstGeom>
+          <a:noFill/>
+        </p:spPr>
+        <p:txBody>
+          <a:bodyPr wrap="none" lIns="91440" tIns="45720" rIns="91440" bIns="45720">
+            <a:spAutoFit/>
+          </a:bodyPr>
+          <a:lstStyle/>
+          <a:p>
+            <a:pPr algn="ctr"/>
+            <a:endParaRPr lang="en-US" sz="5400" b="1" cap="none" spc="0" dirty="0">
+              <a:ln w="9525">
+                <a:solidFill>
+                  <a:schemeClr val="bg1"/>
+                </a:solidFill>
+                <a:prstDash val="solid"/>
+              </a:ln>
+              <a:solidFill>
+                <a:schemeClr val="tx1"/>
+              </a:solidFill>
+              <a:effectLst>
+                <a:outerShdw blurRad="12700" dist="38100" dir="2700000" algn="tl" rotWithShape="0">
+                  <a:schemeClr val="bg1">
+                    <a:lumMod val="50000"/>
+                  </a:schemeClr>
+                </a:outerShdw>
+              </a:effectLst>
+            </a:endParaRPr>
+          </a:p>
+        </p:txBody>
+      </p:sp>
+      <p:sp>
+        <p:nvSpPr>
+          <p:cNvPr id="9" name="Rectangle 8"/>
+          <p:cNvSpPr/>
+          <p:nvPr/>
+        </p:nvSpPr>
+        <p:spPr>
+          <a:xfrm>
+            <a:off x="2398643" y="622852"/>
+            <a:ext cx="6400800" cy="923330"/>
+          </a:xfrm>
+          <a:prstGeom prst="rect">
+            <a:avLst/>
+          </a:prstGeom>
+        </p:spPr>
+        <p:txBody>
+          <a:bodyPr wrap="square">
+            <a:spAutoFit/>
+          </a:bodyPr>
+          <a:lstStyle/>
+          <a:p>
+            <a:pPr algn="ctr"/>
+            <a:r>
+              <a:rPr lang="en-US" sz="5400" b="1" dirty="0">
+                <a:ln w="9525">
+                  <a:solidFill>
+                    <a:schemeClr val="bg1"/>
+                  </a:solidFill>
+                  <a:prstDash val="solid"/>
+                </a:ln>
+                <a:effectLst>
+                  <a:outerShdw blurRad="12700" dist="38100" dir="2700000" algn="tl" rotWithShape="0">
+                    <a:schemeClr val="bg1">
+                      <a:lumMod val="50000"/>
+                    </a:schemeClr>
+                  </a:outerShdw>
+                </a:effectLst>
+              </a:rPr>
+              <a:t>Data Flow</a:t>
+            </a:r>
+          </a:p>
+        </p:txBody>
+      </p:sp>
+      <p:pic>
+        <p:nvPicPr>
+          <p:cNvPr id="11" name="Picture 10"/>
+          <p:cNvPicPr>
+            <a:picLocks noChangeAspect="1"/>
+          </p:cNvPicPr>
+          <p:nvPr/>
+        </p:nvPicPr>
+        <p:blipFill>
+          <a:blip r:embed="rId4"/>
+          <a:stretch>
+            <a:fillRect/>
+          </a:stretch>
+        </p:blipFill>
+        <p:spPr>
+          <a:xfrm>
+            <a:off x="4822116" y="2328154"/>
+            <a:ext cx="991249" cy="991249"/>
+          </a:xfrm>
+          <a:prstGeom prst="rect">
+            <a:avLst/>
+          </a:prstGeom>
+        </p:spPr>
+      </p:pic>
+      <p:pic>
+        <p:nvPicPr>
+          <p:cNvPr id="12" name="Picture 11"/>
+          <p:cNvPicPr>
+            <a:picLocks noChangeAspect="1"/>
+          </p:cNvPicPr>
+          <p:nvPr/>
+        </p:nvPicPr>
+        <p:blipFill>
+          <a:blip r:embed="rId5"/>
+          <a:stretch>
+            <a:fillRect/>
+          </a:stretch>
+        </p:blipFill>
+        <p:spPr>
+          <a:xfrm>
+            <a:off x="4819631" y="5269747"/>
+            <a:ext cx="993734" cy="993734"/>
+          </a:xfrm>
+          <a:prstGeom prst="rect">
+            <a:avLst/>
+          </a:prstGeom>
+        </p:spPr>
+      </p:pic>
+    </p:spTree>
+    <p:extLst>
+      <p:ext uri="{BB962C8B-B14F-4D97-AF65-F5344CB8AC3E}">
+        <p14:creationId xmlns:p14="http://schemas.microsoft.com/office/powerpoint/2010/main" val="2555257398"/>
+      </p:ext>
+    </p:extLst>
+  </p:cSld>
+  <p:clrMapOvr>
+    <a:masterClrMapping/>
+  </p:clrMapOvr>
+</p:sld>
+</file>
+
 <file path=ppt/slides/slide2.xml><?xml version="1.0" encoding="utf-8"?>
 <p:sld xmlns:a="http://schemas.openxmlformats.org/drawingml/2006/main" xmlns:r="http://schemas.openxmlformats.org/officeDocument/2006/relationships" xmlns:p="http://schemas.openxmlformats.org/presentationml/2006/main">
   <p:cSld>
@@ -5268,6 +5572,629 @@
     <p:extLst>
       <p:ext uri="{BB962C8B-B14F-4D97-AF65-F5344CB8AC3E}">
         <p14:creationId xmlns:p14="http://schemas.microsoft.com/office/powerpoint/2010/main" val="119116191"/>
+      </p:ext>
+    </p:extLst>
+  </p:cSld>
+  <p:clrMapOvr>
+    <a:masterClrMapping/>
+  </p:clrMapOvr>
+</p:sld>
+</file>
+
+<file path=ppt/slides/slide20.xml><?xml version="1.0" encoding="utf-8"?>
+<p:sld xmlns:a="http://schemas.openxmlformats.org/drawingml/2006/main" xmlns:r="http://schemas.openxmlformats.org/officeDocument/2006/relationships" xmlns:p="http://schemas.openxmlformats.org/presentationml/2006/main">
+  <p:cSld>
+    <p:spTree>
+      <p:nvGrpSpPr>
+        <p:cNvPr id="1" name=""/>
+        <p:cNvGrpSpPr/>
+        <p:nvPr/>
+      </p:nvGrpSpPr>
+      <p:grpSpPr>
+        <a:xfrm>
+          <a:off x="0" y="0"/>
+          <a:ext cx="0" cy="0"/>
+          <a:chOff x="0" y="0"/>
+          <a:chExt cx="0" cy="0"/>
+        </a:xfrm>
+      </p:grpSpPr>
+      <p:pic>
+        <p:nvPicPr>
+          <p:cNvPr id="5" name="Picture 4"/>
+          <p:cNvPicPr>
+            <a:picLocks noChangeAspect="1"/>
+          </p:cNvPicPr>
+          <p:nvPr/>
+        </p:nvPicPr>
+        <p:blipFill>
+          <a:blip r:embed="rId2"/>
+          <a:stretch>
+            <a:fillRect/>
+          </a:stretch>
+        </p:blipFill>
+        <p:spPr>
+          <a:xfrm>
+            <a:off x="7901736" y="362125"/>
+            <a:ext cx="2067567" cy="1565148"/>
+          </a:xfrm>
+          <a:prstGeom prst="rect">
+            <a:avLst/>
+          </a:prstGeom>
+        </p:spPr>
+      </p:pic>
+      <p:sp>
+        <p:nvSpPr>
+          <p:cNvPr id="6" name="Rectangle 5"/>
+          <p:cNvSpPr/>
+          <p:nvPr/>
+        </p:nvSpPr>
+        <p:spPr>
+          <a:xfrm>
+            <a:off x="2244014" y="581943"/>
+            <a:ext cx="4788491" cy="923330"/>
+          </a:xfrm>
+          <a:prstGeom prst="rect">
+            <a:avLst/>
+          </a:prstGeom>
+          <a:noFill/>
+        </p:spPr>
+        <p:txBody>
+          <a:bodyPr wrap="none" lIns="91440" tIns="45720" rIns="91440" bIns="45720">
+            <a:spAutoFit/>
+          </a:bodyPr>
+          <a:lstStyle/>
+          <a:p>
+            <a:pPr algn="ctr"/>
+            <a:r>
+              <a:rPr lang="en-US" sz="5400" b="1" dirty="0">
+                <a:ln w="9525">
+                  <a:solidFill>
+                    <a:schemeClr val="bg1"/>
+                  </a:solidFill>
+                  <a:prstDash val="solid"/>
+                </a:ln>
+                <a:effectLst>
+                  <a:outerShdw blurRad="12700" dist="38100" dir="2700000" algn="tl" rotWithShape="0">
+                    <a:schemeClr val="bg1">
+                      <a:lumMod val="50000"/>
+                    </a:schemeClr>
+                  </a:outerShdw>
+                </a:effectLst>
+              </a:rPr>
+              <a:t>Architecture</a:t>
+            </a:r>
+            <a:endParaRPr lang="en-US" sz="5400" b="1" cap="none" spc="0" dirty="0">
+              <a:ln w="9525">
+                <a:solidFill>
+                  <a:schemeClr val="bg1"/>
+                </a:solidFill>
+                <a:prstDash val="solid"/>
+              </a:ln>
+              <a:solidFill>
+                <a:schemeClr val="tx1"/>
+              </a:solidFill>
+              <a:effectLst>
+                <a:outerShdw blurRad="12700" dist="38100" dir="2700000" algn="tl" rotWithShape="0">
+                  <a:schemeClr val="bg1">
+                    <a:lumMod val="50000"/>
+                  </a:schemeClr>
+                </a:outerShdw>
+              </a:effectLst>
+            </a:endParaRPr>
+          </a:p>
+        </p:txBody>
+      </p:sp>
+      <p:pic>
+        <p:nvPicPr>
+          <p:cNvPr id="8" name="Picture 7"/>
+          <p:cNvPicPr>
+            <a:picLocks noChangeAspect="1"/>
+          </p:cNvPicPr>
+          <p:nvPr/>
+        </p:nvPicPr>
+        <p:blipFill>
+          <a:blip r:embed="rId3"/>
+          <a:stretch>
+            <a:fillRect/>
+          </a:stretch>
+        </p:blipFill>
+        <p:spPr>
+          <a:xfrm>
+            <a:off x="2244014" y="2395393"/>
+            <a:ext cx="5238067" cy="3906049"/>
+          </a:xfrm>
+          <a:prstGeom prst="rect">
+            <a:avLst/>
+          </a:prstGeom>
+        </p:spPr>
+      </p:pic>
+    </p:spTree>
+    <p:extLst>
+      <p:ext uri="{BB962C8B-B14F-4D97-AF65-F5344CB8AC3E}">
+        <p14:creationId xmlns:p14="http://schemas.microsoft.com/office/powerpoint/2010/main" val="1758591770"/>
+      </p:ext>
+    </p:extLst>
+  </p:cSld>
+  <p:clrMapOvr>
+    <a:masterClrMapping/>
+  </p:clrMapOvr>
+</p:sld>
+</file>
+
+<file path=ppt/slides/slide21.xml><?xml version="1.0" encoding="utf-8"?>
+<p:sld xmlns:a="http://schemas.openxmlformats.org/drawingml/2006/main" xmlns:r="http://schemas.openxmlformats.org/officeDocument/2006/relationships" xmlns:p="http://schemas.openxmlformats.org/presentationml/2006/main">
+  <p:cSld>
+    <p:spTree>
+      <p:nvGrpSpPr>
+        <p:cNvPr id="1" name=""/>
+        <p:cNvGrpSpPr/>
+        <p:nvPr/>
+      </p:nvGrpSpPr>
+      <p:grpSpPr>
+        <a:xfrm>
+          <a:off x="0" y="0"/>
+          <a:ext cx="0" cy="0"/>
+          <a:chOff x="0" y="0"/>
+          <a:chExt cx="0" cy="0"/>
+        </a:xfrm>
+      </p:grpSpPr>
+      <p:pic>
+        <p:nvPicPr>
+          <p:cNvPr id="2" name="Picture 1"/>
+          <p:cNvPicPr>
+            <a:picLocks noChangeAspect="1"/>
+          </p:cNvPicPr>
+          <p:nvPr/>
+        </p:nvPicPr>
+        <p:blipFill>
+          <a:blip r:embed="rId2"/>
+          <a:stretch>
+            <a:fillRect/>
+          </a:stretch>
+        </p:blipFill>
+        <p:spPr>
+          <a:xfrm>
+            <a:off x="3636943" y="2206236"/>
+            <a:ext cx="3840813" cy="3145809"/>
+          </a:xfrm>
+          <a:prstGeom prst="rect">
+            <a:avLst/>
+          </a:prstGeom>
+        </p:spPr>
+      </p:pic>
+      <p:sp>
+        <p:nvSpPr>
+          <p:cNvPr id="4" name="Rectangle 3"/>
+          <p:cNvSpPr/>
+          <p:nvPr/>
+        </p:nvSpPr>
+        <p:spPr>
+          <a:xfrm>
+            <a:off x="1693889" y="740970"/>
+            <a:ext cx="7300209" cy="923330"/>
+          </a:xfrm>
+          <a:prstGeom prst="rect">
+            <a:avLst/>
+          </a:prstGeom>
+          <a:noFill/>
+        </p:spPr>
+        <p:txBody>
+          <a:bodyPr wrap="square" lIns="91440" tIns="45720" rIns="91440" bIns="45720">
+            <a:spAutoFit/>
+          </a:bodyPr>
+          <a:lstStyle/>
+          <a:p>
+            <a:pPr algn="ctr"/>
+            <a:r>
+              <a:rPr lang="en-US" sz="5400" b="1" cap="none" spc="0" dirty="0">
+                <a:ln w="9525">
+                  <a:solidFill>
+                    <a:schemeClr val="bg1"/>
+                  </a:solidFill>
+                  <a:prstDash val="solid"/>
+                </a:ln>
+                <a:solidFill>
+                  <a:schemeClr val="tx1"/>
+                </a:solidFill>
+                <a:effectLst>
+                  <a:outerShdw blurRad="12700" dist="38100" dir="2700000" algn="tl" rotWithShape="0">
+                    <a:schemeClr val="bg1">
+                      <a:lumMod val="50000"/>
+                    </a:schemeClr>
+                  </a:outerShdw>
+                </a:effectLst>
+              </a:rPr>
+              <a:t>Incoming File</a:t>
+            </a:r>
+          </a:p>
+        </p:txBody>
+      </p:sp>
+    </p:spTree>
+    <p:extLst>
+      <p:ext uri="{BB962C8B-B14F-4D97-AF65-F5344CB8AC3E}">
+        <p14:creationId xmlns:p14="http://schemas.microsoft.com/office/powerpoint/2010/main" val="4225749043"/>
+      </p:ext>
+    </p:extLst>
+  </p:cSld>
+  <p:clrMapOvr>
+    <a:masterClrMapping/>
+  </p:clrMapOvr>
+</p:sld>
+</file>
+
+<file path=ppt/slides/slide22.xml><?xml version="1.0" encoding="utf-8"?>
+<p:sld xmlns:a="http://schemas.openxmlformats.org/drawingml/2006/main" xmlns:r="http://schemas.openxmlformats.org/officeDocument/2006/relationships" xmlns:p="http://schemas.openxmlformats.org/presentationml/2006/main">
+  <p:cSld>
+    <p:spTree>
+      <p:nvGrpSpPr>
+        <p:cNvPr id="1" name=""/>
+        <p:cNvGrpSpPr/>
+        <p:nvPr/>
+      </p:nvGrpSpPr>
+      <p:grpSpPr>
+        <a:xfrm>
+          <a:off x="0" y="0"/>
+          <a:ext cx="0" cy="0"/>
+          <a:chOff x="0" y="0"/>
+          <a:chExt cx="0" cy="0"/>
+        </a:xfrm>
+      </p:grpSpPr>
+      <p:pic>
+        <p:nvPicPr>
+          <p:cNvPr id="2" name="Picture 1"/>
+          <p:cNvPicPr>
+            <a:picLocks noChangeAspect="1"/>
+          </p:cNvPicPr>
+          <p:nvPr/>
+        </p:nvPicPr>
+        <p:blipFill>
+          <a:blip r:embed="rId2"/>
+          <a:stretch>
+            <a:fillRect/>
+          </a:stretch>
+        </p:blipFill>
+        <p:spPr>
+          <a:xfrm>
+            <a:off x="1274860" y="1075471"/>
+            <a:ext cx="7990448" cy="4530850"/>
+          </a:xfrm>
+          <a:prstGeom prst="rect">
+            <a:avLst/>
+          </a:prstGeom>
+        </p:spPr>
+      </p:pic>
+      <p:pic>
+        <p:nvPicPr>
+          <p:cNvPr id="3" name="Picture 2"/>
+          <p:cNvPicPr>
+            <a:picLocks noChangeAspect="1"/>
+          </p:cNvPicPr>
+          <p:nvPr/>
+        </p:nvPicPr>
+        <p:blipFill>
+          <a:blip r:embed="rId3"/>
+          <a:stretch>
+            <a:fillRect/>
+          </a:stretch>
+        </p:blipFill>
+        <p:spPr>
+          <a:xfrm>
+            <a:off x="723331" y="4982818"/>
+            <a:ext cx="10037434" cy="997110"/>
+          </a:xfrm>
+          <a:prstGeom prst="rect">
+            <a:avLst/>
+          </a:prstGeom>
+        </p:spPr>
+      </p:pic>
+      <p:sp>
+        <p:nvSpPr>
+          <p:cNvPr id="4" name="Rectangle 3"/>
+          <p:cNvSpPr/>
+          <p:nvPr/>
+        </p:nvSpPr>
+        <p:spPr>
+          <a:xfrm rot="2579281">
+            <a:off x="5601949" y="1301915"/>
+            <a:ext cx="4346160" cy="923330"/>
+          </a:xfrm>
+          <a:prstGeom prst="rect">
+            <a:avLst/>
+          </a:prstGeom>
+          <a:noFill/>
+        </p:spPr>
+        <p:txBody>
+          <a:bodyPr wrap="square" lIns="91440" tIns="45720" rIns="91440" bIns="45720">
+            <a:spAutoFit/>
+          </a:bodyPr>
+          <a:lstStyle/>
+          <a:p>
+            <a:pPr algn="ctr"/>
+            <a:r>
+              <a:rPr lang="en-US" sz="5400" b="1" dirty="0">
+                <a:ln w="9525">
+                  <a:solidFill>
+                    <a:schemeClr val="bg1"/>
+                  </a:solidFill>
+                  <a:prstDash val="solid"/>
+                </a:ln>
+                <a:effectLst>
+                  <a:outerShdw blurRad="12700" dist="38100" dir="2700000" algn="tl" rotWithShape="0">
+                    <a:schemeClr val="bg1">
+                      <a:lumMod val="50000"/>
+                    </a:schemeClr>
+                  </a:outerShdw>
+                </a:effectLst>
+              </a:rPr>
+              <a:t>Code</a:t>
+            </a:r>
+            <a:endParaRPr lang="en-US" sz="5400" b="1" cap="none" spc="0" dirty="0">
+              <a:ln w="9525">
+                <a:solidFill>
+                  <a:schemeClr val="bg1"/>
+                </a:solidFill>
+                <a:prstDash val="solid"/>
+              </a:ln>
+              <a:solidFill>
+                <a:schemeClr val="tx1"/>
+              </a:solidFill>
+              <a:effectLst>
+                <a:outerShdw blurRad="12700" dist="38100" dir="2700000" algn="tl" rotWithShape="0">
+                  <a:schemeClr val="bg1">
+                    <a:lumMod val="50000"/>
+                  </a:schemeClr>
+                </a:outerShdw>
+              </a:effectLst>
+            </a:endParaRPr>
+          </a:p>
+        </p:txBody>
+      </p:sp>
+    </p:spTree>
+    <p:extLst>
+      <p:ext uri="{BB962C8B-B14F-4D97-AF65-F5344CB8AC3E}">
+        <p14:creationId xmlns:p14="http://schemas.microsoft.com/office/powerpoint/2010/main" val="2055736847"/>
+      </p:ext>
+    </p:extLst>
+  </p:cSld>
+  <p:clrMapOvr>
+    <a:masterClrMapping/>
+  </p:clrMapOvr>
+</p:sld>
+</file>
+
+<file path=ppt/slides/slide23.xml><?xml version="1.0" encoding="utf-8"?>
+<p:sld xmlns:a="http://schemas.openxmlformats.org/drawingml/2006/main" xmlns:r="http://schemas.openxmlformats.org/officeDocument/2006/relationships" xmlns:p="http://schemas.openxmlformats.org/presentationml/2006/main">
+  <p:cSld>
+    <p:spTree>
+      <p:nvGrpSpPr>
+        <p:cNvPr id="1" name=""/>
+        <p:cNvGrpSpPr/>
+        <p:nvPr/>
+      </p:nvGrpSpPr>
+      <p:grpSpPr>
+        <a:xfrm>
+          <a:off x="0" y="0"/>
+          <a:ext cx="0" cy="0"/>
+          <a:chOff x="0" y="0"/>
+          <a:chExt cx="0" cy="0"/>
+        </a:xfrm>
+      </p:grpSpPr>
+      <p:sp>
+        <p:nvSpPr>
+          <p:cNvPr id="2" name="Rectangle 1"/>
+          <p:cNvSpPr/>
+          <p:nvPr/>
+        </p:nvSpPr>
+        <p:spPr>
+          <a:xfrm>
+            <a:off x="2663686" y="1571535"/>
+            <a:ext cx="6480313" cy="4247317"/>
+          </a:xfrm>
+          <a:prstGeom prst="rect">
+            <a:avLst/>
+          </a:prstGeom>
+        </p:spPr>
+        <p:txBody>
+          <a:bodyPr wrap="square">
+            <a:spAutoFit/>
+          </a:bodyPr>
+          <a:lstStyle/>
+          <a:p>
+            <a:r>
+              <a:rPr lang="en-US" dirty="0"/>
+              <a:t>{</a:t>
+            </a:r>
+          </a:p>
+          <a:p>
+            <a:r>
+              <a:rPr lang="en-US" dirty="0"/>
+              <a:t>    "FirstName": "John",</a:t>
+            </a:r>
+          </a:p>
+          <a:p>
+            <a:r>
+              <a:rPr lang="en-US" dirty="0"/>
+              <a:t>    "LastName": "Smith",</a:t>
+            </a:r>
+          </a:p>
+          <a:p>
+            <a:r>
+              <a:rPr lang="en-US" dirty="0"/>
+              <a:t>    "ReferredBy": "Me",</a:t>
+            </a:r>
+          </a:p>
+          <a:p>
+            <a:r>
+              <a:rPr lang="en-US" dirty="0"/>
+              <a:t>    "Address": "1313 Hummningbirdbird Lane",</a:t>
+            </a:r>
+          </a:p>
+          <a:p>
+            <a:r>
+              <a:rPr lang="en-US" dirty="0"/>
+              <a:t>    "City": "Destin",</a:t>
+            </a:r>
+          </a:p>
+          <a:p>
+            <a:r>
+              <a:rPr lang="en-US" dirty="0"/>
+              <a:t>    "State": "FL",</a:t>
+            </a:r>
+          </a:p>
+          <a:p>
+            <a:r>
+              <a:rPr lang="en-US" dirty="0"/>
+              <a:t>    "Zip": "37932",</a:t>
+            </a:r>
+          </a:p>
+          <a:p>
+            <a:r>
+              <a:rPr lang="en-US" dirty="0"/>
+              <a:t>    "HomePhone": "865-555-5555",</a:t>
+            </a:r>
+          </a:p>
+          <a:p>
+            <a:r>
+              <a:rPr lang="en-US" dirty="0"/>
+              <a:t>    "</a:t>
+            </a:r>
+            <a:r>
+              <a:rPr lang="en-US" dirty="0" err="1"/>
+              <a:t>CellPhone</a:t>
+            </a:r>
+            <a:r>
+              <a:rPr lang="en-US" dirty="0"/>
+              <a:t>": "555-555-5555",</a:t>
+            </a:r>
+          </a:p>
+          <a:p>
+            <a:r>
+              <a:rPr lang="en-US" dirty="0"/>
+              <a:t>    "Email": "me@my.com",</a:t>
+            </a:r>
+          </a:p>
+          <a:p>
+            <a:r>
+              <a:rPr lang="en-US" dirty="0"/>
+              <a:t>    "PetName1": "Lassie",</a:t>
+            </a:r>
+          </a:p>
+          <a:p>
+            <a:r>
+              <a:rPr lang="en-US" dirty="0"/>
+              <a:t>    "PetBreed1": "Collie",</a:t>
+            </a:r>
+          </a:p>
+          <a:p>
+            <a:r>
+              <a:rPr lang="en-US" dirty="0"/>
+              <a:t>    "PetAge1": "5"</a:t>
+            </a:r>
+          </a:p>
+          <a:p>
+            <a:r>
+              <a:rPr lang="en-US" dirty="0"/>
+              <a:t>  },</a:t>
+            </a:r>
+          </a:p>
+        </p:txBody>
+      </p:sp>
+      <p:sp>
+        <p:nvSpPr>
+          <p:cNvPr id="3" name="Rectangle 2"/>
+          <p:cNvSpPr/>
+          <p:nvPr/>
+        </p:nvSpPr>
+        <p:spPr>
+          <a:xfrm>
+            <a:off x="3511826" y="648205"/>
+            <a:ext cx="3262953" cy="923330"/>
+          </a:xfrm>
+          <a:prstGeom prst="rect">
+            <a:avLst/>
+          </a:prstGeom>
+          <a:noFill/>
+        </p:spPr>
+        <p:txBody>
+          <a:bodyPr wrap="square" lIns="91440" tIns="45720" rIns="91440" bIns="45720">
+            <a:spAutoFit/>
+          </a:bodyPr>
+          <a:lstStyle/>
+          <a:p>
+            <a:pPr algn="ctr"/>
+            <a:r>
+              <a:rPr lang="en-US" sz="5400" b="1" dirty="0">
+                <a:ln w="9525">
+                  <a:solidFill>
+                    <a:schemeClr val="bg1"/>
+                  </a:solidFill>
+                  <a:prstDash val="solid"/>
+                </a:ln>
+                <a:effectLst>
+                  <a:outerShdw blurRad="12700" dist="38100" dir="2700000" algn="tl" rotWithShape="0">
+                    <a:schemeClr val="bg1">
+                      <a:lumMod val="50000"/>
+                    </a:schemeClr>
+                  </a:outerShdw>
+                </a:effectLst>
+              </a:rPr>
+              <a:t>Output</a:t>
+            </a:r>
+            <a:endParaRPr lang="en-US" sz="5400" b="1" cap="none" spc="0" dirty="0">
+              <a:ln w="9525">
+                <a:solidFill>
+                  <a:schemeClr val="bg1"/>
+                </a:solidFill>
+                <a:prstDash val="solid"/>
+              </a:ln>
+              <a:solidFill>
+                <a:schemeClr val="tx1"/>
+              </a:solidFill>
+              <a:effectLst>
+                <a:outerShdw blurRad="12700" dist="38100" dir="2700000" algn="tl" rotWithShape="0">
+                  <a:schemeClr val="bg1">
+                    <a:lumMod val="50000"/>
+                  </a:schemeClr>
+                </a:outerShdw>
+              </a:effectLst>
+            </a:endParaRPr>
+          </a:p>
+        </p:txBody>
+      </p:sp>
+    </p:spTree>
+    <p:extLst>
+      <p:ext uri="{BB962C8B-B14F-4D97-AF65-F5344CB8AC3E}">
+        <p14:creationId xmlns:p14="http://schemas.microsoft.com/office/powerpoint/2010/main" val="1500012750"/>
+      </p:ext>
+    </p:extLst>
+  </p:cSld>
+  <p:clrMapOvr>
+    <a:masterClrMapping/>
+  </p:clrMapOvr>
+</p:sld>
+</file>
+
+<file path=ppt/slides/slide24.xml><?xml version="1.0" encoding="utf-8"?>
+<p:sld xmlns:a="http://schemas.openxmlformats.org/drawingml/2006/main" xmlns:r="http://schemas.openxmlformats.org/officeDocument/2006/relationships" xmlns:p="http://schemas.openxmlformats.org/presentationml/2006/main">
+  <p:cSld>
+    <p:spTree>
+      <p:nvGrpSpPr>
+        <p:cNvPr id="1" name=""/>
+        <p:cNvGrpSpPr/>
+        <p:nvPr/>
+      </p:nvGrpSpPr>
+      <p:grpSpPr>
+        <a:xfrm>
+          <a:off x="0" y="0"/>
+          <a:ext cx="0" cy="0"/>
+          <a:chOff x="0" y="0"/>
+          <a:chExt cx="0" cy="0"/>
+        </a:xfrm>
+      </p:grpSpPr>
+    </p:spTree>
+    <p:extLst>
+      <p:ext uri="{BB962C8B-B14F-4D97-AF65-F5344CB8AC3E}">
+        <p14:creationId xmlns:p14="http://schemas.microsoft.com/office/powerpoint/2010/main" val="2781810486"/>
       </p:ext>
     </p:extLst>
   </p:cSld>
@@ -6048,13 +6975,13 @@
   <p:clrMapOvr>
     <a:masterClrMapping/>
   </p:clrMapOvr>
-  <mc:AlternateContent xmlns:mc="http://schemas.openxmlformats.org/markup-compatibility/2006">
-    <mc:Choice xmlns:p159="http://schemas.microsoft.com/office/powerpoint/2015/09/main" Requires="p159">
+  <mc:AlternateContent xmlns:mc="http://schemas.openxmlformats.org/markup-compatibility/2006" xmlns:p159="http://schemas.microsoft.com/office/powerpoint/2015/09/main">
+    <mc:Choice Requires="p159">
       <p:transition xmlns:p14="http://schemas.microsoft.com/office/powerpoint/2010/main" spd="slow" p14:dur="2000" advTm="0">
         <p159:morph option="byObject"/>
       </p:transition>
     </mc:Choice>
-    <mc:Fallback>
+    <mc:Fallback xmlns="">
       <p:transition spd="slow" advTm="0">
         <p:fade/>
       </p:transition>

--- a/Admin and Documentation/Radio Systems.pptx
+++ b/Admin and Documentation/Radio Systems.pptx
@@ -21,14 +21,17 @@
     <p:sldId id="268" r:id="rId15"/>
     <p:sldId id="269" r:id="rId16"/>
     <p:sldId id="273" r:id="rId17"/>
-    <p:sldId id="271" r:id="rId18"/>
-    <p:sldId id="270" r:id="rId19"/>
-    <p:sldId id="274" r:id="rId20"/>
-    <p:sldId id="275" r:id="rId21"/>
-    <p:sldId id="276" r:id="rId22"/>
-    <p:sldId id="277" r:id="rId23"/>
-    <p:sldId id="278" r:id="rId24"/>
-    <p:sldId id="279" r:id="rId25"/>
+    <p:sldId id="280" r:id="rId18"/>
+    <p:sldId id="281" r:id="rId19"/>
+    <p:sldId id="282" r:id="rId20"/>
+    <p:sldId id="283" r:id="rId21"/>
+    <p:sldId id="270" r:id="rId22"/>
+    <p:sldId id="274" r:id="rId23"/>
+    <p:sldId id="275" r:id="rId24"/>
+    <p:sldId id="276" r:id="rId25"/>
+    <p:sldId id="277" r:id="rId26"/>
+    <p:sldId id="278" r:id="rId27"/>
+    <p:sldId id="279" r:id="rId28"/>
   </p:sldIdLst>
   <p:sldSz cx="12192000" cy="6858000"/>
   <p:notesSz cx="6858000" cy="9144000"/>
@@ -5017,12 +5020,8 @@
           <a:lstStyle/>
           <a:p>
             <a:r>
-              <a:rPr lang="en-US" dirty="0" err="1"/>
-              <a:t>Signatures,PDFs</a:t>
-            </a:r>
-            <a:r>
-              <a:rPr lang="en-US" dirty="0"/>
-              <a:t>&amp; Emails</a:t>
+              <a:rPr lang="en-US" dirty="0"/>
+              <a:t>Signatures, PDFs &amp; Emails</a:t>
             </a:r>
           </a:p>
         </p:txBody>
@@ -5052,7 +5051,7 @@
     </p:spTree>
     <p:extLst>
       <p:ext uri="{BB962C8B-B14F-4D97-AF65-F5344CB8AC3E}">
-        <p14:creationId xmlns:p14="http://schemas.microsoft.com/office/powerpoint/2010/main" val="582537768"/>
+        <p14:creationId xmlns:p14="http://schemas.microsoft.com/office/powerpoint/2010/main" val="2543368115"/>
       </p:ext>
     </p:extLst>
   </p:cSld>
@@ -5086,6 +5085,546 @@
             <a:spLocks noGrp="1"/>
           </p:cNvSpPr>
           <p:nvPr>
+            <p:ph type="title"/>
+          </p:nvPr>
+        </p:nvSpPr>
+        <p:spPr/>
+        <p:txBody>
+          <a:bodyPr/>
+          <a:lstStyle/>
+          <a:p>
+            <a:r>
+              <a:rPr lang="en-US" dirty="0" err="1"/>
+              <a:t>InkCanvas</a:t>
+            </a:r>
+            <a:endParaRPr lang="en-US" dirty="0"/>
+          </a:p>
+        </p:txBody>
+      </p:sp>
+      <p:sp>
+        <p:nvSpPr>
+          <p:cNvPr id="3" name="Content Placeholder 2"/>
+          <p:cNvSpPr>
+            <a:spLocks noGrp="1"/>
+          </p:cNvSpPr>
+          <p:nvPr>
+            <p:ph idx="1"/>
+          </p:nvPr>
+        </p:nvSpPr>
+        <p:spPr>
+          <a:xfrm>
+            <a:off x="1261872" y="1948070"/>
+            <a:ext cx="8595360" cy="3874259"/>
+          </a:xfrm>
+        </p:spPr>
+        <p:txBody>
+          <a:bodyPr/>
+          <a:lstStyle/>
+          <a:p>
+            <a:pPr marL="0" indent="0">
+              <a:buNone/>
+            </a:pPr>
+            <a:endParaRPr lang="en-US" sz="2400" dirty="0"/>
+          </a:p>
+          <a:p>
+            <a:r>
+              <a:rPr lang="en-US" dirty="0"/>
+              <a:t>WPF control/class that is used to capture ink strokes.</a:t>
+            </a:r>
+          </a:p>
+          <a:p>
+            <a:r>
+              <a:rPr lang="en-US" dirty="0"/>
+              <a:t>Input is stored as Stroke objects.</a:t>
+            </a:r>
+          </a:p>
+          <a:p>
+            <a:r>
+              <a:rPr lang="en-US" dirty="0"/>
+              <a:t>These objects will be stored with the rest of the client information.</a:t>
+            </a:r>
+          </a:p>
+          <a:p>
+            <a:r>
+              <a:rPr lang="en-US" dirty="0"/>
+              <a:t>Stroke objects will then be inserted into the PDF along with the rest of the client information.</a:t>
+            </a:r>
+          </a:p>
+          <a:p>
+            <a:pPr>
+              <a:buFontTx/>
+              <a:buChar char="-"/>
+            </a:pPr>
+            <a:endParaRPr lang="en-US" dirty="0"/>
+          </a:p>
+          <a:p>
+            <a:pPr>
+              <a:buFontTx/>
+              <a:buChar char="-"/>
+            </a:pPr>
+            <a:endParaRPr lang="en-US" dirty="0"/>
+          </a:p>
+          <a:p>
+            <a:pPr>
+              <a:buFontTx/>
+              <a:buChar char="-"/>
+            </a:pPr>
+            <a:endParaRPr lang="en-US" dirty="0"/>
+          </a:p>
+        </p:txBody>
+      </p:sp>
+      <p:pic>
+        <p:nvPicPr>
+          <p:cNvPr id="4" name="Picture 3"/>
+          <p:cNvPicPr>
+            <a:picLocks noChangeAspect="1"/>
+          </p:cNvPicPr>
+          <p:nvPr/>
+        </p:nvPicPr>
+        <p:blipFill>
+          <a:blip r:embed="rId2"/>
+          <a:stretch>
+            <a:fillRect/>
+          </a:stretch>
+        </p:blipFill>
+        <p:spPr>
+          <a:xfrm>
+            <a:off x="5882904" y="768626"/>
+            <a:ext cx="3373337" cy="1038155"/>
+          </a:xfrm>
+          <a:prstGeom prst="rect">
+            <a:avLst/>
+          </a:prstGeom>
+        </p:spPr>
+      </p:pic>
+    </p:spTree>
+    <p:extLst>
+      <p:ext uri="{BB962C8B-B14F-4D97-AF65-F5344CB8AC3E}">
+        <p14:creationId xmlns:p14="http://schemas.microsoft.com/office/powerpoint/2010/main" val="3020610505"/>
+      </p:ext>
+    </p:extLst>
+  </p:cSld>
+  <p:clrMapOvr>
+    <a:masterClrMapping/>
+  </p:clrMapOvr>
+</p:sld>
+</file>
+
+<file path=ppt/slides/slide19.xml><?xml version="1.0" encoding="utf-8"?>
+<p:sld xmlns:a="http://schemas.openxmlformats.org/drawingml/2006/main" xmlns:r="http://schemas.openxmlformats.org/officeDocument/2006/relationships" xmlns:p="http://schemas.openxmlformats.org/presentationml/2006/main">
+  <p:cSld>
+    <p:spTree>
+      <p:nvGrpSpPr>
+        <p:cNvPr id="1" name=""/>
+        <p:cNvGrpSpPr/>
+        <p:nvPr/>
+      </p:nvGrpSpPr>
+      <p:grpSpPr>
+        <a:xfrm>
+          <a:off x="0" y="0"/>
+          <a:ext cx="0" cy="0"/>
+          <a:chOff x="0" y="0"/>
+          <a:chExt cx="0" cy="0"/>
+        </a:xfrm>
+      </p:grpSpPr>
+      <p:sp>
+        <p:nvSpPr>
+          <p:cNvPr id="2" name="Title 1"/>
+          <p:cNvSpPr>
+            <a:spLocks noGrp="1"/>
+          </p:cNvSpPr>
+          <p:nvPr>
+            <p:ph type="title"/>
+          </p:nvPr>
+        </p:nvSpPr>
+        <p:spPr>
+          <a:xfrm>
+            <a:off x="1261872" y="365760"/>
+            <a:ext cx="9692640" cy="641405"/>
+          </a:xfrm>
+        </p:spPr>
+        <p:txBody>
+          <a:bodyPr>
+            <a:normAutofit fontScale="90000"/>
+          </a:bodyPr>
+          <a:lstStyle/>
+          <a:p>
+            <a:r>
+              <a:rPr lang="en-US" dirty="0"/>
+              <a:t>PDFsharp</a:t>
+            </a:r>
+          </a:p>
+        </p:txBody>
+      </p:sp>
+      <p:pic>
+        <p:nvPicPr>
+          <p:cNvPr id="4" name="Content Placeholder 3"/>
+          <p:cNvPicPr>
+            <a:picLocks noGrp="1" noChangeAspect="1"/>
+          </p:cNvPicPr>
+          <p:nvPr>
+            <p:ph idx="1"/>
+          </p:nvPr>
+        </p:nvPicPr>
+        <p:blipFill>
+          <a:blip r:embed="rId2"/>
+          <a:stretch>
+            <a:fillRect/>
+          </a:stretch>
+        </p:blipFill>
+        <p:spPr>
+          <a:xfrm>
+            <a:off x="6446089" y="1510748"/>
+            <a:ext cx="4315695" cy="4611756"/>
+          </a:xfrm>
+        </p:spPr>
+      </p:pic>
+      <p:sp>
+        <p:nvSpPr>
+          <p:cNvPr id="6" name="TextBox 5"/>
+          <p:cNvSpPr txBox="1"/>
+          <p:nvPr/>
+        </p:nvSpPr>
+        <p:spPr>
+          <a:xfrm>
+            <a:off x="1261872" y="1223950"/>
+            <a:ext cx="4926893" cy="5632311"/>
+          </a:xfrm>
+          <a:prstGeom prst="rect">
+            <a:avLst/>
+          </a:prstGeom>
+          <a:noFill/>
+        </p:spPr>
+        <p:txBody>
+          <a:bodyPr wrap="square" rtlCol="0">
+            <a:spAutoFit/>
+          </a:bodyPr>
+          <a:lstStyle/>
+          <a:p>
+            <a:pPr marL="285750" indent="-285750">
+              <a:buFont typeface="Arial" panose="020B0604020202020204" pitchFamily="34" charset="0"/>
+              <a:buChar char="•"/>
+            </a:pPr>
+            <a:r>
+              <a:rPr lang="en-US" dirty="0"/>
+              <a:t>PDFsharp is a .NET library that is used to create pdf files and allows you to control every line of text that is drawn.</a:t>
+            </a:r>
+          </a:p>
+          <a:p>
+            <a:endParaRPr lang="en-US" dirty="0"/>
+          </a:p>
+          <a:p>
+            <a:pPr marL="285750" indent="-285750">
+              <a:buFont typeface="Arial" panose="020B0604020202020204" pitchFamily="34" charset="0"/>
+              <a:buChar char="•"/>
+            </a:pPr>
+            <a:r>
+              <a:rPr lang="en-US" dirty="0"/>
+              <a:t>PDFsharp version 1.32 is being used to create contract PDF.</a:t>
+            </a:r>
+          </a:p>
+          <a:p>
+            <a:endParaRPr lang="en-US" dirty="0"/>
+          </a:p>
+          <a:p>
+            <a:pPr marL="285750" indent="-285750">
+              <a:buFont typeface="Arial" panose="020B0604020202020204" pitchFamily="34" charset="0"/>
+              <a:buChar char="•"/>
+            </a:pPr>
+            <a:r>
+              <a:rPr lang="en-US" dirty="0"/>
+              <a:t>PDFsharp has the ability to create pdf documents from text or image data.</a:t>
+            </a:r>
+          </a:p>
+          <a:p>
+            <a:endParaRPr lang="en-US" dirty="0"/>
+          </a:p>
+          <a:p>
+            <a:pPr marL="285750" indent="-285750">
+              <a:buFont typeface="Arial" panose="020B0604020202020204" pitchFamily="34" charset="0"/>
+              <a:buChar char="•"/>
+            </a:pPr>
+            <a:r>
+              <a:rPr lang="en-US" dirty="0"/>
+              <a:t>Two possible approaches for application:</a:t>
+            </a:r>
+          </a:p>
+          <a:p>
+            <a:r>
+              <a:rPr lang="en-US" dirty="0"/>
+              <a:t>	1. Create pdf using text data. Format the text to resemble contract.</a:t>
+            </a:r>
+          </a:p>
+          <a:p>
+            <a:r>
+              <a:rPr lang="en-US" dirty="0"/>
+              <a:t>	2. Create view and populate with data. Create pdf from view image. </a:t>
+            </a:r>
+          </a:p>
+          <a:p>
+            <a:endParaRPr lang="en-US" dirty="0"/>
+          </a:p>
+          <a:p>
+            <a:pPr marL="285750" indent="-285750">
+              <a:buFont typeface="Arial" panose="020B0604020202020204" pitchFamily="34" charset="0"/>
+              <a:buChar char="•"/>
+            </a:pPr>
+            <a:r>
+              <a:rPr lang="en-US" dirty="0"/>
+              <a:t>Current approach: Text data</a:t>
+            </a:r>
+          </a:p>
+          <a:p>
+            <a:endParaRPr lang="en-US" dirty="0"/>
+          </a:p>
+          <a:p>
+            <a:pPr marL="285750" indent="-285750">
+              <a:buFont typeface="Arial" panose="020B0604020202020204" pitchFamily="34" charset="0"/>
+              <a:buChar char="•"/>
+            </a:pPr>
+            <a:r>
+              <a:rPr lang="en-US" dirty="0"/>
+              <a:t>PDFsharp allows different fonts, font sizes, font color, etc.</a:t>
+            </a:r>
+          </a:p>
+        </p:txBody>
+      </p:sp>
+    </p:spTree>
+    <p:extLst>
+      <p:ext uri="{BB962C8B-B14F-4D97-AF65-F5344CB8AC3E}">
+        <p14:creationId xmlns:p14="http://schemas.microsoft.com/office/powerpoint/2010/main" val="2722239237"/>
+      </p:ext>
+    </p:extLst>
+  </p:cSld>
+  <p:clrMapOvr>
+    <a:masterClrMapping/>
+  </p:clrMapOvr>
+</p:sld>
+</file>
+
+<file path=ppt/slides/slide2.xml><?xml version="1.0" encoding="utf-8"?>
+<p:sld xmlns:a="http://schemas.openxmlformats.org/drawingml/2006/main" xmlns:r="http://schemas.openxmlformats.org/officeDocument/2006/relationships" xmlns:p="http://schemas.openxmlformats.org/presentationml/2006/main">
+  <p:cSld>
+    <p:spTree>
+      <p:nvGrpSpPr>
+        <p:cNvPr id="1" name=""/>
+        <p:cNvGrpSpPr/>
+        <p:nvPr/>
+      </p:nvGrpSpPr>
+      <p:grpSpPr>
+        <a:xfrm>
+          <a:off x="0" y="0"/>
+          <a:ext cx="0" cy="0"/>
+          <a:chOff x="0" y="0"/>
+          <a:chExt cx="0" cy="0"/>
+        </a:xfrm>
+      </p:grpSpPr>
+      <p:sp>
+        <p:nvSpPr>
+          <p:cNvPr id="2" name="Title 1"/>
+          <p:cNvSpPr>
+            <a:spLocks noGrp="1"/>
+          </p:cNvSpPr>
+          <p:nvPr>
+            <p:ph type="ctrTitle"/>
+          </p:nvPr>
+        </p:nvSpPr>
+        <p:spPr/>
+        <p:txBody>
+          <a:bodyPr/>
+          <a:lstStyle/>
+          <a:p>
+            <a:r>
+              <a:rPr lang="en-US" dirty="0"/>
+              <a:t>Introduction</a:t>
+            </a:r>
+          </a:p>
+        </p:txBody>
+      </p:sp>
+      <p:sp>
+        <p:nvSpPr>
+          <p:cNvPr id="3" name="Subtitle 2"/>
+          <p:cNvSpPr>
+            <a:spLocks noGrp="1"/>
+          </p:cNvSpPr>
+          <p:nvPr>
+            <p:ph type="subTitle" idx="1"/>
+          </p:nvPr>
+        </p:nvSpPr>
+        <p:spPr/>
+        <p:txBody>
+          <a:bodyPr/>
+          <a:lstStyle/>
+          <a:p>
+            <a:r>
+              <a:rPr lang="en-US" dirty="0"/>
+              <a:t>Michelle</a:t>
+            </a:r>
+          </a:p>
+        </p:txBody>
+      </p:sp>
+    </p:spTree>
+    <p:extLst>
+      <p:ext uri="{BB962C8B-B14F-4D97-AF65-F5344CB8AC3E}">
+        <p14:creationId xmlns:p14="http://schemas.microsoft.com/office/powerpoint/2010/main" val="119116191"/>
+      </p:ext>
+    </p:extLst>
+  </p:cSld>
+  <p:clrMapOvr>
+    <a:masterClrMapping/>
+  </p:clrMapOvr>
+</p:sld>
+</file>
+
+<file path=ppt/slides/slide20.xml><?xml version="1.0" encoding="utf-8"?>
+<p:sld xmlns:a="http://schemas.openxmlformats.org/drawingml/2006/main" xmlns:r="http://schemas.openxmlformats.org/officeDocument/2006/relationships" xmlns:p="http://schemas.openxmlformats.org/presentationml/2006/main">
+  <p:cSld>
+    <p:spTree>
+      <p:nvGrpSpPr>
+        <p:cNvPr id="1" name=""/>
+        <p:cNvGrpSpPr/>
+        <p:nvPr/>
+      </p:nvGrpSpPr>
+      <p:grpSpPr>
+        <a:xfrm>
+          <a:off x="0" y="0"/>
+          <a:ext cx="0" cy="0"/>
+          <a:chOff x="0" y="0"/>
+          <a:chExt cx="0" cy="0"/>
+        </a:xfrm>
+      </p:grpSpPr>
+      <p:sp>
+        <p:nvSpPr>
+          <p:cNvPr id="2" name="Title 1"/>
+          <p:cNvSpPr>
+            <a:spLocks noGrp="1"/>
+          </p:cNvSpPr>
+          <p:nvPr>
+            <p:ph type="title"/>
+          </p:nvPr>
+        </p:nvSpPr>
+        <p:spPr/>
+        <p:txBody>
+          <a:bodyPr/>
+          <a:lstStyle/>
+          <a:p>
+            <a:r>
+              <a:rPr lang="en-US" dirty="0" err="1"/>
+              <a:t>SendGrid</a:t>
+            </a:r>
+            <a:endParaRPr lang="en-US" dirty="0"/>
+          </a:p>
+        </p:txBody>
+      </p:sp>
+      <p:sp>
+        <p:nvSpPr>
+          <p:cNvPr id="3" name="Content Placeholder 2"/>
+          <p:cNvSpPr>
+            <a:spLocks noGrp="1"/>
+          </p:cNvSpPr>
+          <p:nvPr>
+            <p:ph idx="1"/>
+          </p:nvPr>
+        </p:nvSpPr>
+        <p:spPr/>
+        <p:txBody>
+          <a:bodyPr/>
+          <a:lstStyle/>
+          <a:p>
+            <a:r>
+              <a:rPr lang="en-US" dirty="0"/>
+              <a:t> </a:t>
+            </a:r>
+            <a:r>
+              <a:rPr lang="en-US" dirty="0" err="1"/>
+              <a:t>SendGrid</a:t>
+            </a:r>
+            <a:r>
+              <a:rPr lang="en-US" dirty="0"/>
+              <a:t> is a cloud-based SMTP(Simple Mail Transfer Protocol) provider.</a:t>
+            </a:r>
+          </a:p>
+          <a:p>
+            <a:r>
+              <a:rPr lang="en-US" dirty="0"/>
+              <a:t> Client preference for sending email</a:t>
+            </a:r>
+          </a:p>
+          <a:p>
+            <a:r>
+              <a:rPr lang="en-US" dirty="0"/>
+              <a:t>Two ways to send email:</a:t>
+            </a:r>
+          </a:p>
+          <a:p>
+            <a:pPr marL="0" indent="0">
+              <a:buNone/>
+            </a:pPr>
+            <a:r>
+              <a:rPr lang="en-US" dirty="0"/>
+              <a:t>	1. SMTP relay</a:t>
+            </a:r>
+          </a:p>
+          <a:p>
+            <a:pPr marL="0" indent="0">
+              <a:buNone/>
+            </a:pPr>
+            <a:r>
+              <a:rPr lang="en-US" dirty="0"/>
+              <a:t>	2. Web API</a:t>
+            </a:r>
+          </a:p>
+          <a:p>
+            <a:r>
+              <a:rPr lang="en-US" dirty="0"/>
+              <a:t>Current approach: Web API</a:t>
+            </a:r>
+          </a:p>
+          <a:p>
+            <a:r>
+              <a:rPr lang="en-US" dirty="0"/>
+              <a:t>Client wants contract to be emailed to Radio Systems customer care center and to the client.</a:t>
+            </a:r>
+          </a:p>
+        </p:txBody>
+      </p:sp>
+    </p:spTree>
+    <p:extLst>
+      <p:ext uri="{BB962C8B-B14F-4D97-AF65-F5344CB8AC3E}">
+        <p14:creationId xmlns:p14="http://schemas.microsoft.com/office/powerpoint/2010/main" val="3754331846"/>
+      </p:ext>
+    </p:extLst>
+  </p:cSld>
+  <p:clrMapOvr>
+    <a:masterClrMapping/>
+  </p:clrMapOvr>
+</p:sld>
+</file>
+
+<file path=ppt/slides/slide21.xml><?xml version="1.0" encoding="utf-8"?>
+<p:sld xmlns:a="http://schemas.openxmlformats.org/drawingml/2006/main" xmlns:r="http://schemas.openxmlformats.org/officeDocument/2006/relationships" xmlns:p="http://schemas.openxmlformats.org/presentationml/2006/main">
+  <p:cSld>
+    <p:spTree>
+      <p:nvGrpSpPr>
+        <p:cNvPr id="1" name=""/>
+        <p:cNvGrpSpPr/>
+        <p:nvPr/>
+      </p:nvGrpSpPr>
+      <p:grpSpPr>
+        <a:xfrm>
+          <a:off x="0" y="0"/>
+          <a:ext cx="0" cy="0"/>
+          <a:chOff x="0" y="0"/>
+          <a:chExt cx="0" cy="0"/>
+        </a:xfrm>
+      </p:grpSpPr>
+      <p:sp>
+        <p:nvSpPr>
+          <p:cNvPr id="2" name="Title 1"/>
+          <p:cNvSpPr>
+            <a:spLocks noGrp="1"/>
+          </p:cNvSpPr>
+          <p:nvPr>
             <p:ph type="ctrTitle"/>
           </p:nvPr>
         </p:nvSpPr>
@@ -5208,7 +5747,7 @@
 </p:sld>
 </file>
 
-<file path=ppt/slides/slide19.xml><?xml version="1.0" encoding="utf-8"?>
+<file path=ppt/slides/slide22.xml><?xml version="1.0" encoding="utf-8"?>
 <p:sld xmlns:a="http://schemas.openxmlformats.org/drawingml/2006/main" xmlns:r="http://schemas.openxmlformats.org/officeDocument/2006/relationships" xmlns:p="http://schemas.openxmlformats.org/presentationml/2006/main">
   <p:cSld>
     <p:spTree>
@@ -5507,81 +6046,7 @@
 </p:sld>
 </file>
 
-<file path=ppt/slides/slide2.xml><?xml version="1.0" encoding="utf-8"?>
-<p:sld xmlns:a="http://schemas.openxmlformats.org/drawingml/2006/main" xmlns:r="http://schemas.openxmlformats.org/officeDocument/2006/relationships" xmlns:p="http://schemas.openxmlformats.org/presentationml/2006/main">
-  <p:cSld>
-    <p:spTree>
-      <p:nvGrpSpPr>
-        <p:cNvPr id="1" name=""/>
-        <p:cNvGrpSpPr/>
-        <p:nvPr/>
-      </p:nvGrpSpPr>
-      <p:grpSpPr>
-        <a:xfrm>
-          <a:off x="0" y="0"/>
-          <a:ext cx="0" cy="0"/>
-          <a:chOff x="0" y="0"/>
-          <a:chExt cx="0" cy="0"/>
-        </a:xfrm>
-      </p:grpSpPr>
-      <p:sp>
-        <p:nvSpPr>
-          <p:cNvPr id="2" name="Title 1"/>
-          <p:cNvSpPr>
-            <a:spLocks noGrp="1"/>
-          </p:cNvSpPr>
-          <p:nvPr>
-            <p:ph type="ctrTitle"/>
-          </p:nvPr>
-        </p:nvSpPr>
-        <p:spPr/>
-        <p:txBody>
-          <a:bodyPr/>
-          <a:lstStyle/>
-          <a:p>
-            <a:r>
-              <a:rPr lang="en-US" dirty="0"/>
-              <a:t>Introduction</a:t>
-            </a:r>
-          </a:p>
-        </p:txBody>
-      </p:sp>
-      <p:sp>
-        <p:nvSpPr>
-          <p:cNvPr id="3" name="Subtitle 2"/>
-          <p:cNvSpPr>
-            <a:spLocks noGrp="1"/>
-          </p:cNvSpPr>
-          <p:nvPr>
-            <p:ph type="subTitle" idx="1"/>
-          </p:nvPr>
-        </p:nvSpPr>
-        <p:spPr/>
-        <p:txBody>
-          <a:bodyPr/>
-          <a:lstStyle/>
-          <a:p>
-            <a:r>
-              <a:rPr lang="en-US" dirty="0"/>
-              <a:t>Michelle</a:t>
-            </a:r>
-          </a:p>
-        </p:txBody>
-      </p:sp>
-    </p:spTree>
-    <p:extLst>
-      <p:ext uri="{BB962C8B-B14F-4D97-AF65-F5344CB8AC3E}">
-        <p14:creationId xmlns:p14="http://schemas.microsoft.com/office/powerpoint/2010/main" val="119116191"/>
-      </p:ext>
-    </p:extLst>
-  </p:cSld>
-  <p:clrMapOvr>
-    <a:masterClrMapping/>
-  </p:clrMapOvr>
-</p:sld>
-</file>
-
-<file path=ppt/slides/slide20.xml><?xml version="1.0" encoding="utf-8"?>
+<file path=ppt/slides/slide23.xml><?xml version="1.0" encoding="utf-8"?>
 <p:sld xmlns:a="http://schemas.openxmlformats.org/drawingml/2006/main" xmlns:r="http://schemas.openxmlformats.org/officeDocument/2006/relationships" xmlns:p="http://schemas.openxmlformats.org/presentationml/2006/main">
   <p:cSld>
     <p:spTree>
@@ -5721,7 +6186,7 @@
 </p:sld>
 </file>
 
-<file path=ppt/slides/slide21.xml><?xml version="1.0" encoding="utf-8"?>
+<file path=ppt/slides/slide24.xml><?xml version="1.0" encoding="utf-8"?>
 <p:sld xmlns:a="http://schemas.openxmlformats.org/drawingml/2006/main" xmlns:r="http://schemas.openxmlformats.org/officeDocument/2006/relationships" xmlns:p="http://schemas.openxmlformats.org/presentationml/2006/main">
   <p:cSld>
     <p:spTree>
@@ -5822,7 +6287,7 @@
 </p:sld>
 </file>
 
-<file path=ppt/slides/slide22.xml><?xml version="1.0" encoding="utf-8"?>
+<file path=ppt/slides/slide25.xml><?xml version="1.0" encoding="utf-8"?>
 <p:sld xmlns:a="http://schemas.openxmlformats.org/drawingml/2006/main" xmlns:r="http://schemas.openxmlformats.org/officeDocument/2006/relationships" xmlns:p="http://schemas.openxmlformats.org/presentationml/2006/main">
   <p:cSld>
     <p:spTree>
@@ -5962,7 +6427,7 @@
 </p:sld>
 </file>
 
-<file path=ppt/slides/slide23.xml><?xml version="1.0" encoding="utf-8"?>
+<file path=ppt/slides/slide26.xml><?xml version="1.0" encoding="utf-8"?>
 <p:sld xmlns:a="http://schemas.openxmlformats.org/drawingml/2006/main" xmlns:r="http://schemas.openxmlformats.org/officeDocument/2006/relationships" xmlns:p="http://schemas.openxmlformats.org/presentationml/2006/main">
   <p:cSld>
     <p:spTree>
@@ -6174,7 +6639,7 @@
 </p:sld>
 </file>
 
-<file path=ppt/slides/slide24.xml><?xml version="1.0" encoding="utf-8"?>
+<file path=ppt/slides/slide27.xml><?xml version="1.0" encoding="utf-8"?>
 <p:sld xmlns:a="http://schemas.openxmlformats.org/drawingml/2006/main" xmlns:r="http://schemas.openxmlformats.org/officeDocument/2006/relationships" xmlns:p="http://schemas.openxmlformats.org/presentationml/2006/main">
   <p:cSld>
     <p:spTree>
